--- a/Team terminators.pptx
+++ b/Team terminators.pptx
@@ -2,16 +2,16 @@
 <file path=ppt/presentation.xml><?xml version="1.0" encoding="utf-8"?>
 <p:presentation xmlns:a="http://schemas.openxmlformats.org/drawingml/2006/main" xmlns:r="http://schemas.openxmlformats.org/officeDocument/2006/relationships" xmlns:p="http://schemas.openxmlformats.org/presentationml/2006/main" saveSubsetFonts="1">
   <p:sldMasterIdLst>
-    <p:sldMasterId id="2147483713" r:id="rId1"/>
+    <p:sldMasterId id="2147483814" r:id="rId1"/>
   </p:sldMasterIdLst>
   <p:sldIdLst>
-    <p:sldId id="260" r:id="rId2"/>
-    <p:sldId id="256" r:id="rId3"/>
+    <p:sldId id="256" r:id="rId2"/>
+    <p:sldId id="267" r:id="rId3"/>
     <p:sldId id="257" r:id="rId4"/>
     <p:sldId id="258" r:id="rId5"/>
-    <p:sldId id="259" r:id="rId6"/>
-    <p:sldId id="261" r:id="rId7"/>
-    <p:sldId id="262" r:id="rId8"/>
+    <p:sldId id="266" r:id="rId6"/>
+    <p:sldId id="268" r:id="rId7"/>
+    <p:sldId id="269" r:id="rId8"/>
     <p:sldId id="263" r:id="rId9"/>
     <p:sldId id="264" r:id="rId10"/>
     <p:sldId id="265" r:id="rId11"/>
@@ -122,7 +122,7 @@
 </file>
 
 <file path=ppt/slideLayouts/slideLayout1.xml><?xml version="1.0" encoding="utf-8"?>
-<p:sldLayout xmlns:a="http://schemas.openxmlformats.org/drawingml/2006/main" xmlns:r="http://schemas.openxmlformats.org/officeDocument/2006/relationships" xmlns:p="http://schemas.openxmlformats.org/presentationml/2006/main" showMasterSp="0" type="title" preserve="1">
+<p:sldLayout xmlns:a="http://schemas.openxmlformats.org/drawingml/2006/main" xmlns:r="http://schemas.openxmlformats.org/officeDocument/2006/relationships" xmlns:p="http://schemas.openxmlformats.org/presentationml/2006/main" type="title" preserve="1">
   <p:cSld name="Title Slide">
     <p:spTree>
       <p:nvGrpSpPr>
@@ -138,538 +138,6 @@
           <a:chExt cx="0" cy="0"/>
         </a:xfrm>
       </p:grpSpPr>
-      <p:grpSp>
-        <p:nvGrpSpPr>
-          <p:cNvPr id="8" name="Group 7"/>
-          <p:cNvGrpSpPr/>
-          <p:nvPr/>
-        </p:nvGrpSpPr>
-        <p:grpSpPr>
-          <a:xfrm>
-            <a:off x="0" y="-8467"/>
-            <a:ext cx="12192000" cy="6866467"/>
-            <a:chOff x="0" y="-8467"/>
-            <a:chExt cx="12192000" cy="6866467"/>
-          </a:xfrm>
-        </p:grpSpPr>
-        <p:cxnSp>
-          <p:nvCxnSpPr>
-            <p:cNvPr id="32" name="Straight Connector 31"/>
-            <p:cNvCxnSpPr/>
-            <p:nvPr/>
-          </p:nvCxnSpPr>
-          <p:spPr>
-            <a:xfrm>
-              <a:off x="9371012" y="0"/>
-              <a:ext cx="1219200" cy="6858000"/>
-            </a:xfrm>
-            <a:prstGeom prst="line">
-              <a:avLst/>
-            </a:prstGeom>
-            <a:ln w="9525">
-              <a:solidFill>
-                <a:schemeClr val="bg1">
-                  <a:lumMod val="85000"/>
-                  <a:lumOff val="15000"/>
-                </a:schemeClr>
-              </a:solidFill>
-            </a:ln>
-          </p:spPr>
-          <p:style>
-            <a:lnRef idx="2">
-              <a:schemeClr val="accent1"/>
-            </a:lnRef>
-            <a:fillRef idx="0">
-              <a:schemeClr val="accent1"/>
-            </a:fillRef>
-            <a:effectRef idx="1">
-              <a:schemeClr val="accent1"/>
-            </a:effectRef>
-            <a:fontRef idx="minor">
-              <a:schemeClr val="tx1"/>
-            </a:fontRef>
-          </p:style>
-        </p:cxnSp>
-        <p:cxnSp>
-          <p:nvCxnSpPr>
-            <p:cNvPr id="21" name="Straight Connector 20"/>
-            <p:cNvCxnSpPr/>
-            <p:nvPr/>
-          </p:nvCxnSpPr>
-          <p:spPr>
-            <a:xfrm flipH="1">
-              <a:off x="7425267" y="3681413"/>
-              <a:ext cx="4763558" cy="3176587"/>
-            </a:xfrm>
-            <a:prstGeom prst="line">
-              <a:avLst/>
-            </a:prstGeom>
-            <a:ln w="9525">
-              <a:solidFill>
-                <a:schemeClr val="bg1">
-                  <a:lumMod val="85000"/>
-                  <a:lumOff val="15000"/>
-                </a:schemeClr>
-              </a:solidFill>
-            </a:ln>
-          </p:spPr>
-          <p:style>
-            <a:lnRef idx="2">
-              <a:schemeClr val="accent1"/>
-            </a:lnRef>
-            <a:fillRef idx="0">
-              <a:schemeClr val="accent1"/>
-            </a:fillRef>
-            <a:effectRef idx="1">
-              <a:schemeClr val="accent1"/>
-            </a:effectRef>
-            <a:fontRef idx="minor">
-              <a:schemeClr val="tx1"/>
-            </a:fontRef>
-          </p:style>
-        </p:cxnSp>
-        <p:sp>
-          <p:nvSpPr>
-            <p:cNvPr id="24" name="Rectangle 23"/>
-            <p:cNvSpPr/>
-            <p:nvPr/>
-          </p:nvSpPr>
-          <p:spPr>
-            <a:xfrm>
-              <a:off x="9181476" y="-8467"/>
-              <a:ext cx="3007349" cy="6866467"/>
-            </a:xfrm>
-            <a:custGeom>
-              <a:avLst/>
-              <a:gdLst/>
-              <a:ahLst/>
-              <a:cxnLst/>
-              <a:rect l="l" t="t" r="r" b="b"/>
-              <a:pathLst>
-                <a:path w="3007349" h="6866467">
-                  <a:moveTo>
-                    <a:pt x="2045532" y="0"/>
-                  </a:moveTo>
-                  <a:lnTo>
-                    <a:pt x="3007349" y="0"/>
-                  </a:lnTo>
-                  <a:lnTo>
-                    <a:pt x="3007349" y="6866467"/>
-                  </a:lnTo>
-                  <a:lnTo>
-                    <a:pt x="0" y="6866467"/>
-                  </a:lnTo>
-                  <a:lnTo>
-                    <a:pt x="2045532" y="0"/>
-                  </a:lnTo>
-                  <a:close/>
-                </a:path>
-              </a:pathLst>
-            </a:custGeom>
-            <a:solidFill>
-              <a:schemeClr val="accent1">
-                <a:alpha val="30000"/>
-              </a:schemeClr>
-            </a:solidFill>
-            <a:ln>
-              <a:noFill/>
-            </a:ln>
-            <a:effectLst/>
-          </p:spPr>
-          <p:style>
-            <a:lnRef idx="1">
-              <a:schemeClr val="accent1"/>
-            </a:lnRef>
-            <a:fillRef idx="3">
-              <a:schemeClr val="accent1"/>
-            </a:fillRef>
-            <a:effectRef idx="2">
-              <a:schemeClr val="accent1"/>
-            </a:effectRef>
-            <a:fontRef idx="minor">
-              <a:schemeClr val="lt1"/>
-            </a:fontRef>
-          </p:style>
-        </p:sp>
-        <p:sp>
-          <p:nvSpPr>
-            <p:cNvPr id="26" name="Rectangle 25"/>
-            <p:cNvSpPr/>
-            <p:nvPr/>
-          </p:nvSpPr>
-          <p:spPr>
-            <a:xfrm>
-              <a:off x="9603442" y="-8467"/>
-              <a:ext cx="2588558" cy="6866467"/>
-            </a:xfrm>
-            <a:custGeom>
-              <a:avLst/>
-              <a:gdLst/>
-              <a:ahLst/>
-              <a:cxnLst/>
-              <a:rect l="l" t="t" r="r" b="b"/>
-              <a:pathLst>
-                <a:path w="2573311" h="6866467">
-                  <a:moveTo>
-                    <a:pt x="0" y="0"/>
-                  </a:moveTo>
-                  <a:lnTo>
-                    <a:pt x="2573311" y="0"/>
-                  </a:lnTo>
-                  <a:lnTo>
-                    <a:pt x="2573311" y="6866467"/>
-                  </a:lnTo>
-                  <a:lnTo>
-                    <a:pt x="1202336" y="6866467"/>
-                  </a:lnTo>
-                  <a:lnTo>
-                    <a:pt x="0" y="0"/>
-                  </a:lnTo>
-                  <a:close/>
-                </a:path>
-              </a:pathLst>
-            </a:custGeom>
-            <a:solidFill>
-              <a:schemeClr val="accent1">
-                <a:alpha val="20000"/>
-              </a:schemeClr>
-            </a:solidFill>
-            <a:ln>
-              <a:noFill/>
-            </a:ln>
-            <a:effectLst/>
-          </p:spPr>
-          <p:style>
-            <a:lnRef idx="1">
-              <a:schemeClr val="accent1"/>
-            </a:lnRef>
-            <a:fillRef idx="3">
-              <a:schemeClr val="accent1"/>
-            </a:fillRef>
-            <a:effectRef idx="2">
-              <a:schemeClr val="accent1"/>
-            </a:effectRef>
-            <a:fontRef idx="minor">
-              <a:schemeClr val="lt1"/>
-            </a:fontRef>
-          </p:style>
-        </p:sp>
-        <p:sp>
-          <p:nvSpPr>
-            <p:cNvPr id="27" name="Isosceles Triangle 26"/>
-            <p:cNvSpPr/>
-            <p:nvPr/>
-          </p:nvSpPr>
-          <p:spPr>
-            <a:xfrm>
-              <a:off x="8932333" y="3048000"/>
-              <a:ext cx="3259667" cy="3810000"/>
-            </a:xfrm>
-            <a:prstGeom prst="triangle">
-              <a:avLst>
-                <a:gd name="adj" fmla="val 100000"/>
-              </a:avLst>
-            </a:prstGeom>
-            <a:solidFill>
-              <a:schemeClr val="accent2">
-                <a:alpha val="72000"/>
-              </a:schemeClr>
-            </a:solidFill>
-            <a:ln>
-              <a:noFill/>
-            </a:ln>
-            <a:effectLst/>
-          </p:spPr>
-          <p:style>
-            <a:lnRef idx="1">
-              <a:schemeClr val="accent1"/>
-            </a:lnRef>
-            <a:fillRef idx="3">
-              <a:schemeClr val="accent1"/>
-            </a:fillRef>
-            <a:effectRef idx="2">
-              <a:schemeClr val="accent1"/>
-            </a:effectRef>
-            <a:fontRef idx="minor">
-              <a:schemeClr val="lt1"/>
-            </a:fontRef>
-          </p:style>
-        </p:sp>
-        <p:sp>
-          <p:nvSpPr>
-            <p:cNvPr id="28" name="Rectangle 27"/>
-            <p:cNvSpPr/>
-            <p:nvPr/>
-          </p:nvSpPr>
-          <p:spPr>
-            <a:xfrm>
-              <a:off x="9334500" y="-8467"/>
-              <a:ext cx="2854326" cy="6866467"/>
-            </a:xfrm>
-            <a:custGeom>
-              <a:avLst/>
-              <a:gdLst/>
-              <a:ahLst/>
-              <a:cxnLst/>
-              <a:rect l="l" t="t" r="r" b="b"/>
-              <a:pathLst>
-                <a:path w="2858013" h="6866467">
-                  <a:moveTo>
-                    <a:pt x="0" y="0"/>
-                  </a:moveTo>
-                  <a:lnTo>
-                    <a:pt x="2858013" y="0"/>
-                  </a:lnTo>
-                  <a:lnTo>
-                    <a:pt x="2858013" y="6866467"/>
-                  </a:lnTo>
-                  <a:lnTo>
-                    <a:pt x="2473942" y="6866467"/>
-                  </a:lnTo>
-                  <a:lnTo>
-                    <a:pt x="0" y="0"/>
-                  </a:lnTo>
-                  <a:close/>
-                </a:path>
-              </a:pathLst>
-            </a:custGeom>
-            <a:solidFill>
-              <a:schemeClr val="accent2">
-                <a:lumMod val="75000"/>
-                <a:alpha val="70000"/>
-              </a:schemeClr>
-            </a:solidFill>
-            <a:ln>
-              <a:noFill/>
-            </a:ln>
-            <a:effectLst/>
-          </p:spPr>
-          <p:style>
-            <a:lnRef idx="1">
-              <a:schemeClr val="accent1"/>
-            </a:lnRef>
-            <a:fillRef idx="3">
-              <a:schemeClr val="accent1"/>
-            </a:fillRef>
-            <a:effectRef idx="2">
-              <a:schemeClr val="accent1"/>
-            </a:effectRef>
-            <a:fontRef idx="minor">
-              <a:schemeClr val="lt1"/>
-            </a:fontRef>
-          </p:style>
-        </p:sp>
-        <p:sp>
-          <p:nvSpPr>
-            <p:cNvPr id="29" name="Rectangle 28"/>
-            <p:cNvSpPr/>
-            <p:nvPr/>
-          </p:nvSpPr>
-          <p:spPr>
-            <a:xfrm>
-              <a:off x="10898730" y="-8467"/>
-              <a:ext cx="1290094" cy="6866467"/>
-            </a:xfrm>
-            <a:custGeom>
-              <a:avLst/>
-              <a:gdLst/>
-              <a:ahLst/>
-              <a:cxnLst/>
-              <a:rect l="l" t="t" r="r" b="b"/>
-              <a:pathLst>
-                <a:path w="1290094" h="6858000">
-                  <a:moveTo>
-                    <a:pt x="1019735" y="0"/>
-                  </a:moveTo>
-                  <a:lnTo>
-                    <a:pt x="1290094" y="0"/>
-                  </a:lnTo>
-                  <a:lnTo>
-                    <a:pt x="1290094" y="6858000"/>
-                  </a:lnTo>
-                  <a:lnTo>
-                    <a:pt x="0" y="6858000"/>
-                  </a:lnTo>
-                  <a:lnTo>
-                    <a:pt x="1019735" y="0"/>
-                  </a:lnTo>
-                  <a:close/>
-                </a:path>
-              </a:pathLst>
-            </a:custGeom>
-            <a:solidFill>
-              <a:schemeClr val="accent1">
-                <a:lumMod val="60000"/>
-                <a:lumOff val="40000"/>
-                <a:alpha val="70000"/>
-              </a:schemeClr>
-            </a:solidFill>
-            <a:ln>
-              <a:noFill/>
-            </a:ln>
-            <a:effectLst/>
-          </p:spPr>
-          <p:style>
-            <a:lnRef idx="1">
-              <a:schemeClr val="accent1"/>
-            </a:lnRef>
-            <a:fillRef idx="3">
-              <a:schemeClr val="accent1"/>
-            </a:fillRef>
-            <a:effectRef idx="2">
-              <a:schemeClr val="accent1"/>
-            </a:effectRef>
-            <a:fontRef idx="minor">
-              <a:schemeClr val="lt1"/>
-            </a:fontRef>
-          </p:style>
-        </p:sp>
-        <p:sp>
-          <p:nvSpPr>
-            <p:cNvPr id="30" name="Rectangle 29"/>
-            <p:cNvSpPr/>
-            <p:nvPr/>
-          </p:nvSpPr>
-          <p:spPr>
-            <a:xfrm>
-              <a:off x="10938999" y="-8467"/>
-              <a:ext cx="1249825" cy="6866467"/>
-            </a:xfrm>
-            <a:custGeom>
-              <a:avLst/>
-              <a:gdLst/>
-              <a:ahLst/>
-              <a:cxnLst/>
-              <a:rect l="l" t="t" r="r" b="b"/>
-              <a:pathLst>
-                <a:path w="1249825" h="6858000">
-                  <a:moveTo>
-                    <a:pt x="0" y="0"/>
-                  </a:moveTo>
-                  <a:lnTo>
-                    <a:pt x="1249825" y="0"/>
-                  </a:lnTo>
-                  <a:lnTo>
-                    <a:pt x="1249825" y="6858000"/>
-                  </a:lnTo>
-                  <a:lnTo>
-                    <a:pt x="1109382" y="6858000"/>
-                  </a:lnTo>
-                  <a:lnTo>
-                    <a:pt x="0" y="0"/>
-                  </a:lnTo>
-                  <a:close/>
-                </a:path>
-              </a:pathLst>
-            </a:custGeom>
-            <a:solidFill>
-              <a:schemeClr val="accent1">
-                <a:alpha val="65000"/>
-              </a:schemeClr>
-            </a:solidFill>
-            <a:ln>
-              <a:noFill/>
-            </a:ln>
-            <a:effectLst/>
-          </p:spPr>
-          <p:style>
-            <a:lnRef idx="1">
-              <a:schemeClr val="accent1"/>
-            </a:lnRef>
-            <a:fillRef idx="3">
-              <a:schemeClr val="accent1"/>
-            </a:fillRef>
-            <a:effectRef idx="2">
-              <a:schemeClr val="accent1"/>
-            </a:effectRef>
-            <a:fontRef idx="minor">
-              <a:schemeClr val="lt1"/>
-            </a:fontRef>
-          </p:style>
-        </p:sp>
-        <p:sp>
-          <p:nvSpPr>
-            <p:cNvPr id="31" name="Isosceles Triangle 30"/>
-            <p:cNvSpPr/>
-            <p:nvPr/>
-          </p:nvSpPr>
-          <p:spPr>
-            <a:xfrm>
-              <a:off x="10371666" y="3589867"/>
-              <a:ext cx="1817159" cy="3268133"/>
-            </a:xfrm>
-            <a:prstGeom prst="triangle">
-              <a:avLst>
-                <a:gd name="adj" fmla="val 100000"/>
-              </a:avLst>
-            </a:prstGeom>
-            <a:solidFill>
-              <a:schemeClr val="accent1">
-                <a:alpha val="80000"/>
-              </a:schemeClr>
-            </a:solidFill>
-            <a:ln>
-              <a:noFill/>
-            </a:ln>
-            <a:effectLst/>
-          </p:spPr>
-          <p:style>
-            <a:lnRef idx="1">
-              <a:schemeClr val="accent1"/>
-            </a:lnRef>
-            <a:fillRef idx="3">
-              <a:schemeClr val="accent1"/>
-            </a:fillRef>
-            <a:effectRef idx="2">
-              <a:schemeClr val="accent1"/>
-            </a:effectRef>
-            <a:fontRef idx="minor">
-              <a:schemeClr val="lt1"/>
-            </a:fontRef>
-          </p:style>
-        </p:sp>
-        <p:sp>
-          <p:nvSpPr>
-            <p:cNvPr id="19" name="Isosceles Triangle 18"/>
-            <p:cNvSpPr/>
-            <p:nvPr/>
-          </p:nvSpPr>
-          <p:spPr>
-            <a:xfrm rot="10800000">
-              <a:off x="0" y="0"/>
-              <a:ext cx="842596" cy="5666154"/>
-            </a:xfrm>
-            <a:prstGeom prst="triangle">
-              <a:avLst>
-                <a:gd name="adj" fmla="val 100000"/>
-              </a:avLst>
-            </a:prstGeom>
-            <a:solidFill>
-              <a:schemeClr val="accent1">
-                <a:alpha val="85000"/>
-              </a:schemeClr>
-            </a:solidFill>
-            <a:ln>
-              <a:noFill/>
-            </a:ln>
-            <a:effectLst/>
-          </p:spPr>
-          <p:style>
-            <a:lnRef idx="1">
-              <a:schemeClr val="accent1"/>
-            </a:lnRef>
-            <a:fillRef idx="3">
-              <a:schemeClr val="accent1"/>
-            </a:fillRef>
-            <a:effectRef idx="2">
-              <a:schemeClr val="accent1"/>
-            </a:effectRef>
-            <a:fontRef idx="minor">
-              <a:schemeClr val="lt1"/>
-            </a:fontRef>
-          </p:style>
-        </p:sp>
-      </p:grpSp>
       <p:sp>
         <p:nvSpPr>
           <p:cNvPr id="2" name="Title 1"/>
@@ -682,21 +150,17 @@
         </p:nvSpPr>
         <p:spPr>
           <a:xfrm>
-            <a:off x="1507067" y="2404534"/>
-            <a:ext cx="7766936" cy="1646302"/>
+            <a:off x="1370693" y="1769540"/>
+            <a:ext cx="9440034" cy="1828801"/>
           </a:xfrm>
         </p:spPr>
         <p:txBody>
           <a:bodyPr anchor="b">
-            <a:noAutofit/>
+            <a:normAutofit/>
           </a:bodyPr>
           <a:lstStyle>
-            <a:lvl1pPr algn="r">
-              <a:defRPr sz="5400">
-                <a:solidFill>
-                  <a:schemeClr val="accent1"/>
-                </a:solidFill>
-              </a:defRPr>
+            <a:lvl1pPr algn="ctr">
+              <a:defRPr sz="5400"/>
             </a:lvl1pPr>
           </a:lstStyle>
           <a:p>
@@ -720,21 +184,18 @@
         </p:nvSpPr>
         <p:spPr>
           <a:xfrm>
-            <a:off x="1507067" y="4050833"/>
-            <a:ext cx="7766936" cy="1096899"/>
+            <a:off x="1370693" y="3598339"/>
+            <a:ext cx="9440034" cy="1049867"/>
           </a:xfrm>
         </p:spPr>
         <p:txBody>
           <a:bodyPr anchor="t"/>
           <a:lstStyle>
-            <a:lvl1pPr marL="0" indent="0" algn="r">
+            <a:lvl1pPr marL="0" indent="0" algn="ctr">
               <a:buNone/>
               <a:defRPr>
                 <a:solidFill>
-                  <a:schemeClr val="tx1">
-                    <a:lumMod val="50000"/>
-                    <a:lumOff val="50000"/>
-                  </a:schemeClr>
+                  <a:schemeClr val="tx1"/>
                 </a:solidFill>
               </a:defRPr>
             </a:lvl1pPr>
@@ -896,7 +357,7 @@
     </p:spTree>
     <p:extLst>
       <p:ext uri="{BB962C8B-B14F-4D97-AF65-F5344CB8AC3E}">
-        <p14:creationId xmlns:p14="http://schemas.microsoft.com/office/powerpoint/2010/main" val="2932261150"/>
+        <p14:creationId xmlns:p14="http://schemas.microsoft.com/office/powerpoint/2010/main" val="1743360413"/>
       </p:ext>
     </p:extLst>
   </p:cSld>
@@ -907,6 +368,304 @@
 </file>
 
 <file path=ppt/slideLayouts/slideLayout10.xml><?xml version="1.0" encoding="utf-8"?>
+<p:sldLayout xmlns:a="http://schemas.openxmlformats.org/drawingml/2006/main" xmlns:r="http://schemas.openxmlformats.org/officeDocument/2006/relationships" xmlns:p="http://schemas.openxmlformats.org/presentationml/2006/main" preserve="1">
+  <p:cSld name="Panoramic Picture with Caption">
+    <p:spTree>
+      <p:nvGrpSpPr>
+        <p:cNvPr id="1" name=""/>
+        <p:cNvGrpSpPr/>
+        <p:nvPr/>
+      </p:nvGrpSpPr>
+      <p:grpSpPr>
+        <a:xfrm>
+          <a:off x="0" y="0"/>
+          <a:ext cx="0" cy="0"/>
+          <a:chOff x="0" y="0"/>
+          <a:chExt cx="0" cy="0"/>
+        </a:xfrm>
+      </p:grpSpPr>
+      <p:pic>
+        <p:nvPicPr>
+          <p:cNvPr id="16" name="Picture 15" descr="Slate-V2-HD-panoPhotoInset.png"/>
+          <p:cNvPicPr>
+            <a:picLocks noChangeAspect="1"/>
+          </p:cNvPicPr>
+          <p:nvPr/>
+        </p:nvPicPr>
+        <p:blipFill>
+          <a:blip r:embed="rId2">
+            <a:extLst>
+              <a:ext uri="{28A0092B-C50C-407E-A947-70E740481C1C}">
+                <a14:useLocalDpi xmlns:a14="http://schemas.microsoft.com/office/drawing/2010/main" val="0"/>
+              </a:ext>
+            </a:extLst>
+          </a:blip>
+          <a:stretch>
+            <a:fillRect/>
+          </a:stretch>
+        </p:blipFill>
+        <p:spPr>
+          <a:xfrm>
+            <a:off x="1013883" y="547807"/>
+            <a:ext cx="10141799" cy="3816806"/>
+          </a:xfrm>
+          <a:prstGeom prst="rect">
+            <a:avLst/>
+          </a:prstGeom>
+        </p:spPr>
+      </p:pic>
+      <p:sp>
+        <p:nvSpPr>
+          <p:cNvPr id="2" name="Title 1"/>
+          <p:cNvSpPr>
+            <a:spLocks noGrp="1"/>
+          </p:cNvSpPr>
+          <p:nvPr>
+            <p:ph type="title"/>
+          </p:nvPr>
+        </p:nvSpPr>
+        <p:spPr>
+          <a:xfrm>
+            <a:off x="913806" y="4565255"/>
+            <a:ext cx="10355326" cy="543472"/>
+          </a:xfrm>
+        </p:spPr>
+        <p:txBody>
+          <a:bodyPr anchor="b">
+            <a:normAutofit/>
+          </a:bodyPr>
+          <a:lstStyle>
+            <a:lvl1pPr algn="ctr">
+              <a:defRPr sz="2800"/>
+            </a:lvl1pPr>
+          </a:lstStyle>
+          <a:p>
+            <a:r>
+              <a:rPr lang="en-US"/>
+              <a:t>Click to edit Master title style</a:t>
+            </a:r>
+            <a:endParaRPr lang="en-US" dirty="0"/>
+          </a:p>
+        </p:txBody>
+      </p:sp>
+      <p:sp>
+        <p:nvSpPr>
+          <p:cNvPr id="3" name="Picture Placeholder 2"/>
+          <p:cNvSpPr>
+            <a:spLocks noGrp="1" noChangeAspect="1"/>
+          </p:cNvSpPr>
+          <p:nvPr>
+            <p:ph type="pic" idx="1"/>
+          </p:nvPr>
+        </p:nvSpPr>
+        <p:spPr>
+          <a:xfrm>
+            <a:off x="1169349" y="695009"/>
+            <a:ext cx="9845346" cy="3525671"/>
+          </a:xfrm>
+          <a:effectLst>
+            <a:outerShdw blurRad="38100" dist="25400" dir="4440000">
+              <a:srgbClr val="000000">
+                <a:alpha val="36000"/>
+              </a:srgbClr>
+            </a:outerShdw>
+          </a:effectLst>
+        </p:spPr>
+        <p:txBody>
+          <a:bodyPr anchor="t">
+            <a:normAutofit/>
+          </a:bodyPr>
+          <a:lstStyle>
+            <a:lvl1pPr marL="0" indent="0" algn="ctr">
+              <a:buNone/>
+              <a:defRPr sz="2000"/>
+            </a:lvl1pPr>
+            <a:lvl2pPr marL="457200" indent="0">
+              <a:buNone/>
+              <a:defRPr sz="2000"/>
+            </a:lvl2pPr>
+            <a:lvl3pPr marL="914400" indent="0">
+              <a:buNone/>
+              <a:defRPr sz="2000"/>
+            </a:lvl3pPr>
+            <a:lvl4pPr marL="1371600" indent="0">
+              <a:buNone/>
+              <a:defRPr sz="2000"/>
+            </a:lvl4pPr>
+            <a:lvl5pPr marL="1828800" indent="0">
+              <a:buNone/>
+              <a:defRPr sz="2000"/>
+            </a:lvl5pPr>
+            <a:lvl6pPr marL="2286000" indent="0">
+              <a:buNone/>
+              <a:defRPr sz="2000"/>
+            </a:lvl6pPr>
+            <a:lvl7pPr marL="2743200" indent="0">
+              <a:buNone/>
+              <a:defRPr sz="2000"/>
+            </a:lvl7pPr>
+            <a:lvl8pPr marL="3200400" indent="0">
+              <a:buNone/>
+              <a:defRPr sz="2000"/>
+            </a:lvl8pPr>
+            <a:lvl9pPr marL="3657600" indent="0">
+              <a:buNone/>
+              <a:defRPr sz="2000"/>
+            </a:lvl9pPr>
+          </a:lstStyle>
+          <a:p>
+            <a:r>
+              <a:rPr lang="en-US"/>
+              <a:t>Click icon to add picture</a:t>
+            </a:r>
+            <a:endParaRPr lang="en-US" dirty="0"/>
+          </a:p>
+        </p:txBody>
+      </p:sp>
+      <p:sp>
+        <p:nvSpPr>
+          <p:cNvPr id="4" name="Text Placeholder 3"/>
+          <p:cNvSpPr>
+            <a:spLocks noGrp="1"/>
+          </p:cNvSpPr>
+          <p:nvPr>
+            <p:ph type="body" sz="half" idx="2"/>
+          </p:nvPr>
+        </p:nvSpPr>
+        <p:spPr>
+          <a:xfrm>
+            <a:off x="913795" y="5108728"/>
+            <a:ext cx="10353762" cy="682472"/>
+          </a:xfrm>
+        </p:spPr>
+        <p:txBody>
+          <a:bodyPr anchor="t"/>
+          <a:lstStyle>
+            <a:lvl1pPr marL="0" indent="0" algn="ctr">
+              <a:buNone/>
+              <a:defRPr sz="1600"/>
+            </a:lvl1pPr>
+            <a:lvl2pPr marL="457200" indent="0">
+              <a:buNone/>
+              <a:defRPr sz="1400"/>
+            </a:lvl2pPr>
+            <a:lvl3pPr marL="914400" indent="0">
+              <a:buNone/>
+              <a:defRPr sz="1200"/>
+            </a:lvl3pPr>
+            <a:lvl4pPr marL="1371600" indent="0">
+              <a:buNone/>
+              <a:defRPr sz="1000"/>
+            </a:lvl4pPr>
+            <a:lvl5pPr marL="1828800" indent="0">
+              <a:buNone/>
+              <a:defRPr sz="1000"/>
+            </a:lvl5pPr>
+            <a:lvl6pPr marL="2286000" indent="0">
+              <a:buNone/>
+              <a:defRPr sz="1000"/>
+            </a:lvl6pPr>
+            <a:lvl7pPr marL="2743200" indent="0">
+              <a:buNone/>
+              <a:defRPr sz="1000"/>
+            </a:lvl7pPr>
+            <a:lvl8pPr marL="3200400" indent="0">
+              <a:buNone/>
+              <a:defRPr sz="1000"/>
+            </a:lvl8pPr>
+            <a:lvl9pPr marL="3657600" indent="0">
+              <a:buNone/>
+              <a:defRPr sz="1000"/>
+            </a:lvl9pPr>
+          </a:lstStyle>
+          <a:p>
+            <a:pPr lvl="0"/>
+            <a:r>
+              <a:rPr lang="en-US"/>
+              <a:t>Click to edit Master text styles</a:t>
+            </a:r>
+          </a:p>
+        </p:txBody>
+      </p:sp>
+      <p:sp>
+        <p:nvSpPr>
+          <p:cNvPr id="5" name="Date Placeholder 4"/>
+          <p:cNvSpPr>
+            <a:spLocks noGrp="1"/>
+          </p:cNvSpPr>
+          <p:nvPr>
+            <p:ph type="dt" sz="half" idx="10"/>
+          </p:nvPr>
+        </p:nvSpPr>
+        <p:spPr/>
+        <p:txBody>
+          <a:bodyPr/>
+          <a:lstStyle/>
+          <a:p>
+            <a:fld id="{0AA10519-4691-4DA4-924E-7D5EAB3084DC}" type="datetimeFigureOut">
+              <a:rPr lang="en-IN" smtClean="0"/>
+              <a:t>22-02-2021</a:t>
+            </a:fld>
+            <a:endParaRPr lang="en-IN"/>
+          </a:p>
+        </p:txBody>
+      </p:sp>
+      <p:sp>
+        <p:nvSpPr>
+          <p:cNvPr id="6" name="Footer Placeholder 5"/>
+          <p:cNvSpPr>
+            <a:spLocks noGrp="1"/>
+          </p:cNvSpPr>
+          <p:nvPr>
+            <p:ph type="ftr" sz="quarter" idx="11"/>
+          </p:nvPr>
+        </p:nvSpPr>
+        <p:spPr/>
+        <p:txBody>
+          <a:bodyPr/>
+          <a:lstStyle/>
+          <a:p>
+            <a:endParaRPr lang="en-IN"/>
+          </a:p>
+        </p:txBody>
+      </p:sp>
+      <p:sp>
+        <p:nvSpPr>
+          <p:cNvPr id="7" name="Slide Number Placeholder 6"/>
+          <p:cNvSpPr>
+            <a:spLocks noGrp="1"/>
+          </p:cNvSpPr>
+          <p:nvPr>
+            <p:ph type="sldNum" sz="quarter" idx="12"/>
+          </p:nvPr>
+        </p:nvSpPr>
+        <p:spPr/>
+        <p:txBody>
+          <a:bodyPr/>
+          <a:lstStyle/>
+          <a:p>
+            <a:fld id="{4D148D33-E6E4-421C-A326-E484F899E373}" type="slidenum">
+              <a:rPr lang="en-IN" smtClean="0"/>
+              <a:t>‹#›</a:t>
+            </a:fld>
+            <a:endParaRPr lang="en-IN"/>
+          </a:p>
+        </p:txBody>
+      </p:sp>
+    </p:spTree>
+    <p:extLst>
+      <p:ext uri="{BB962C8B-B14F-4D97-AF65-F5344CB8AC3E}">
+        <p14:creationId xmlns:p14="http://schemas.microsoft.com/office/powerpoint/2010/main" val="3629588925"/>
+      </p:ext>
+    </p:extLst>
+  </p:cSld>
+  <p:clrMapOvr>
+    <a:masterClrMapping/>
+  </p:clrMapOvr>
+</p:sldLayout>
+</file>
+
+<file path=ppt/slideLayouts/slideLayout11.xml><?xml version="1.0" encoding="utf-8"?>
 <p:sldLayout xmlns:a="http://schemas.openxmlformats.org/drawingml/2006/main" xmlns:r="http://schemas.openxmlformats.org/officeDocument/2006/relationships" xmlns:p="http://schemas.openxmlformats.org/presentationml/2006/main" preserve="1">
   <p:cSld name="Title and Caption">
     <p:spTree>
@@ -935,17 +694,15 @@
         </p:nvSpPr>
         <p:spPr>
           <a:xfrm>
-            <a:off x="677335" y="609600"/>
-            <a:ext cx="8596668" cy="3403600"/>
+            <a:off x="913795" y="608437"/>
+            <a:ext cx="10353762" cy="3534344"/>
           </a:xfrm>
         </p:spPr>
         <p:txBody>
-          <a:bodyPr anchor="ctr">
-            <a:normAutofit/>
-          </a:bodyPr>
+          <a:bodyPr anchor="ctr"/>
           <a:lstStyle>
-            <a:lvl1pPr algn="l">
-              <a:defRPr sz="4400" b="0" cap="none"/>
+            <a:lvl1pPr>
+              <a:defRPr sz="3200"/>
             </a:lvl1pPr>
           </a:lstStyle>
           <a:p>
@@ -959,115 +716,58 @@
       </p:sp>
       <p:sp>
         <p:nvSpPr>
-          <p:cNvPr id="3" name="Text Placeholder 2"/>
-          <p:cNvSpPr>
-            <a:spLocks noGrp="1"/>
-          </p:cNvSpPr>
-          <p:nvPr>
-            <p:ph type="body" idx="1"/>
+          <p:cNvPr id="4" name="Text Placeholder 3"/>
+          <p:cNvSpPr>
+            <a:spLocks noGrp="1"/>
+          </p:cNvSpPr>
+          <p:nvPr>
+            <p:ph type="body" sz="half" idx="2"/>
           </p:nvPr>
         </p:nvSpPr>
         <p:spPr>
           <a:xfrm>
-            <a:off x="677335" y="4470400"/>
-            <a:ext cx="8596668" cy="1570962"/>
+            <a:off x="913794" y="4295180"/>
+            <a:ext cx="10353763" cy="1501826"/>
           </a:xfrm>
         </p:spPr>
         <p:txBody>
-          <a:bodyPr anchor="ctr">
-            <a:normAutofit/>
-          </a:bodyPr>
+          <a:bodyPr anchor="ctr"/>
           <a:lstStyle>
-            <a:lvl1pPr marL="0" indent="0" algn="l">
-              <a:buNone/>
-              <a:defRPr sz="1800">
-                <a:solidFill>
-                  <a:schemeClr val="tx1">
-                    <a:lumMod val="75000"/>
-                    <a:lumOff val="25000"/>
-                  </a:schemeClr>
-                </a:solidFill>
-              </a:defRPr>
+            <a:lvl1pPr marL="0" indent="0" algn="ctr">
+              <a:buNone/>
+              <a:defRPr sz="1600"/>
             </a:lvl1pPr>
             <a:lvl2pPr marL="457200" indent="0">
               <a:buNone/>
-              <a:defRPr sz="1800">
-                <a:solidFill>
-                  <a:schemeClr val="tx1">
-                    <a:tint val="75000"/>
-                  </a:schemeClr>
-                </a:solidFill>
-              </a:defRPr>
+              <a:defRPr sz="1400"/>
             </a:lvl2pPr>
             <a:lvl3pPr marL="914400" indent="0">
               <a:buNone/>
-              <a:defRPr sz="1600">
-                <a:solidFill>
-                  <a:schemeClr val="tx1">
-                    <a:tint val="75000"/>
-                  </a:schemeClr>
-                </a:solidFill>
-              </a:defRPr>
+              <a:defRPr sz="1200"/>
             </a:lvl3pPr>
             <a:lvl4pPr marL="1371600" indent="0">
               <a:buNone/>
-              <a:defRPr sz="1400">
-                <a:solidFill>
-                  <a:schemeClr val="tx1">
-                    <a:tint val="75000"/>
-                  </a:schemeClr>
-                </a:solidFill>
-              </a:defRPr>
+              <a:defRPr sz="1000"/>
             </a:lvl4pPr>
             <a:lvl5pPr marL="1828800" indent="0">
               <a:buNone/>
-              <a:defRPr sz="1400">
-                <a:solidFill>
-                  <a:schemeClr val="tx1">
-                    <a:tint val="75000"/>
-                  </a:schemeClr>
-                </a:solidFill>
-              </a:defRPr>
+              <a:defRPr sz="1000"/>
             </a:lvl5pPr>
             <a:lvl6pPr marL="2286000" indent="0">
               <a:buNone/>
-              <a:defRPr sz="1400">
-                <a:solidFill>
-                  <a:schemeClr val="tx1">
-                    <a:tint val="75000"/>
-                  </a:schemeClr>
-                </a:solidFill>
-              </a:defRPr>
+              <a:defRPr sz="1000"/>
             </a:lvl6pPr>
             <a:lvl7pPr marL="2743200" indent="0">
               <a:buNone/>
-              <a:defRPr sz="1400">
-                <a:solidFill>
-                  <a:schemeClr val="tx1">
-                    <a:tint val="75000"/>
-                  </a:schemeClr>
-                </a:solidFill>
-              </a:defRPr>
+              <a:defRPr sz="1000"/>
             </a:lvl7pPr>
             <a:lvl8pPr marL="3200400" indent="0">
               <a:buNone/>
-              <a:defRPr sz="1400">
-                <a:solidFill>
-                  <a:schemeClr val="tx1">
-                    <a:tint val="75000"/>
-                  </a:schemeClr>
-                </a:solidFill>
-              </a:defRPr>
+              <a:defRPr sz="1000"/>
             </a:lvl8pPr>
             <a:lvl9pPr marL="3657600" indent="0">
               <a:buNone/>
-              <a:defRPr sz="1400">
-                <a:solidFill>
-                  <a:schemeClr val="tx1">
-                    <a:tint val="75000"/>
-                  </a:schemeClr>
-                </a:solidFill>
-              </a:defRPr>
+              <a:defRPr sz="1000"/>
             </a:lvl9pPr>
           </a:lstStyle>
           <a:p>
@@ -1081,7 +781,7 @@
       </p:sp>
       <p:sp>
         <p:nvSpPr>
-          <p:cNvPr id="4" name="Date Placeholder 3"/>
+          <p:cNvPr id="5" name="Date Placeholder 4"/>
           <p:cNvSpPr>
             <a:spLocks noGrp="1"/>
           </p:cNvSpPr>
@@ -1104,7 +804,7 @@
       </p:sp>
       <p:sp>
         <p:nvSpPr>
-          <p:cNvPr id="5" name="Footer Placeholder 4"/>
+          <p:cNvPr id="6" name="Footer Placeholder 5"/>
           <p:cNvSpPr>
             <a:spLocks noGrp="1"/>
           </p:cNvSpPr>
@@ -1123,7 +823,7 @@
       </p:sp>
       <p:sp>
         <p:nvSpPr>
-          <p:cNvPr id="6" name="Slide Number Placeholder 5"/>
+          <p:cNvPr id="7" name="Slide Number Placeholder 6"/>
           <p:cNvSpPr>
             <a:spLocks noGrp="1"/>
           </p:cNvSpPr>
@@ -1147,7 +847,7 @@
     </p:spTree>
     <p:extLst>
       <p:ext uri="{BB962C8B-B14F-4D97-AF65-F5344CB8AC3E}">
-        <p14:creationId xmlns:p14="http://schemas.microsoft.com/office/powerpoint/2010/main" val="1552838003"/>
+        <p14:creationId xmlns:p14="http://schemas.microsoft.com/office/powerpoint/2010/main" val="4119132462"/>
       </p:ext>
     </p:extLst>
   </p:cSld>
@@ -1157,7 +857,7 @@
 </p:sldLayout>
 </file>
 
-<file path=ppt/slideLayouts/slideLayout11.xml><?xml version="1.0" encoding="utf-8"?>
+<file path=ppt/slideLayouts/slideLayout12.xml><?xml version="1.0" encoding="utf-8"?>
 <p:sldLayout xmlns:a="http://schemas.openxmlformats.org/drawingml/2006/main" xmlns:r="http://schemas.openxmlformats.org/officeDocument/2006/relationships" xmlns:p="http://schemas.openxmlformats.org/presentationml/2006/main" preserve="1">
   <p:cSld name="Quote with Caption">
     <p:spTree>
@@ -1186,8 +886,107 @@
         </p:nvSpPr>
         <p:spPr>
           <a:xfrm>
-            <a:off x="931334" y="609600"/>
-            <a:ext cx="8094134" cy="3022600"/>
+            <a:off x="1446212" y="609600"/>
+            <a:ext cx="9302752" cy="2992904"/>
+          </a:xfrm>
+        </p:spPr>
+        <p:txBody>
+          <a:bodyPr anchor="ctr"/>
+          <a:lstStyle>
+            <a:lvl1pPr>
+              <a:defRPr sz="3200"/>
+            </a:lvl1pPr>
+          </a:lstStyle>
+          <a:p>
+            <a:r>
+              <a:rPr lang="en-US"/>
+              <a:t>Click to edit Master title style</a:t>
+            </a:r>
+            <a:endParaRPr lang="en-US" dirty="0"/>
+          </a:p>
+        </p:txBody>
+      </p:sp>
+      <p:sp>
+        <p:nvSpPr>
+          <p:cNvPr id="12" name="Text Placeholder 3"/>
+          <p:cNvSpPr>
+            <a:spLocks noGrp="1"/>
+          </p:cNvSpPr>
+          <p:nvPr>
+            <p:ph type="body" sz="half" idx="13"/>
+          </p:nvPr>
+        </p:nvSpPr>
+        <p:spPr>
+          <a:xfrm>
+            <a:off x="1720644" y="3610032"/>
+            <a:ext cx="8752299" cy="532749"/>
+          </a:xfrm>
+        </p:spPr>
+        <p:txBody>
+          <a:bodyPr anchor="t">
+            <a:normAutofit/>
+          </a:bodyPr>
+          <a:lstStyle>
+            <a:lvl1pPr marL="0" indent="0" algn="r">
+              <a:buNone/>
+              <a:defRPr sz="1400"/>
+            </a:lvl1pPr>
+            <a:lvl2pPr marL="457200" indent="0">
+              <a:buNone/>
+              <a:defRPr sz="1400"/>
+            </a:lvl2pPr>
+            <a:lvl3pPr marL="914400" indent="0">
+              <a:buNone/>
+              <a:defRPr sz="1200"/>
+            </a:lvl3pPr>
+            <a:lvl4pPr marL="1371600" indent="0">
+              <a:buNone/>
+              <a:defRPr sz="1000"/>
+            </a:lvl4pPr>
+            <a:lvl5pPr marL="1828800" indent="0">
+              <a:buNone/>
+              <a:defRPr sz="1000"/>
+            </a:lvl5pPr>
+            <a:lvl6pPr marL="2286000" indent="0">
+              <a:buNone/>
+              <a:defRPr sz="1000"/>
+            </a:lvl6pPr>
+            <a:lvl7pPr marL="2743200" indent="0">
+              <a:buNone/>
+              <a:defRPr sz="1000"/>
+            </a:lvl7pPr>
+            <a:lvl8pPr marL="3200400" indent="0">
+              <a:buNone/>
+              <a:defRPr sz="1000"/>
+            </a:lvl8pPr>
+            <a:lvl9pPr marL="3657600" indent="0">
+              <a:buNone/>
+              <a:defRPr sz="1000"/>
+            </a:lvl9pPr>
+          </a:lstStyle>
+          <a:p>
+            <a:pPr lvl="0"/>
+            <a:r>
+              <a:rPr lang="en-US"/>
+              <a:t>Click to edit Master text styles</a:t>
+            </a:r>
+          </a:p>
+        </p:txBody>
+      </p:sp>
+      <p:sp>
+        <p:nvSpPr>
+          <p:cNvPr id="4" name="Text Placeholder 3"/>
+          <p:cNvSpPr>
+            <a:spLocks noGrp="1"/>
+          </p:cNvSpPr>
+          <p:nvPr>
+            <p:ph type="body" sz="half" idx="2"/>
+          </p:nvPr>
+        </p:nvSpPr>
+        <p:spPr>
+          <a:xfrm>
+            <a:off x="913794" y="4304353"/>
+            <a:ext cx="10353763" cy="1489496"/>
           </a:xfrm>
         </p:spPr>
         <p:txBody>
@@ -1195,193 +994,41 @@
             <a:normAutofit/>
           </a:bodyPr>
           <a:lstStyle>
-            <a:lvl1pPr algn="l">
-              <a:defRPr sz="4400" b="0" cap="none"/>
-            </a:lvl1pPr>
-          </a:lstStyle>
-          <a:p>
-            <a:r>
-              <a:rPr lang="en-US"/>
-              <a:t>Click to edit Master title style</a:t>
-            </a:r>
-            <a:endParaRPr lang="en-US" dirty="0"/>
-          </a:p>
-        </p:txBody>
-      </p:sp>
-      <p:sp>
-        <p:nvSpPr>
-          <p:cNvPr id="23" name="Text Placeholder 9"/>
-          <p:cNvSpPr>
-            <a:spLocks noGrp="1"/>
-          </p:cNvSpPr>
-          <p:nvPr>
-            <p:ph type="body" sz="quarter" idx="13"/>
-          </p:nvPr>
-        </p:nvSpPr>
-        <p:spPr>
-          <a:xfrm>
-            <a:off x="1366139" y="3632200"/>
-            <a:ext cx="7224524" cy="381000"/>
-          </a:xfrm>
-        </p:spPr>
-        <p:txBody>
-          <a:bodyPr anchor="ctr">
-            <a:noAutofit/>
-          </a:bodyPr>
-          <a:lstStyle>
-            <a:lvl1pPr marL="0" indent="0">
-              <a:buFontTx/>
-              <a:buNone/>
-              <a:defRPr sz="1600">
-                <a:solidFill>
-                  <a:schemeClr val="tx1">
-                    <a:lumMod val="50000"/>
-                    <a:lumOff val="50000"/>
-                  </a:schemeClr>
-                </a:solidFill>
-              </a:defRPr>
+            <a:lvl1pPr marL="0" indent="0" algn="ctr">
+              <a:buNone/>
+              <a:defRPr sz="1600"/>
             </a:lvl1pPr>
             <a:lvl2pPr marL="457200" indent="0">
-              <a:buFontTx/>
-              <a:buNone/>
-              <a:defRPr/>
+              <a:buNone/>
+              <a:defRPr sz="1400"/>
             </a:lvl2pPr>
             <a:lvl3pPr marL="914400" indent="0">
-              <a:buFontTx/>
-              <a:buNone/>
-              <a:defRPr/>
+              <a:buNone/>
+              <a:defRPr sz="1200"/>
             </a:lvl3pPr>
             <a:lvl4pPr marL="1371600" indent="0">
-              <a:buFontTx/>
-              <a:buNone/>
-              <a:defRPr/>
+              <a:buNone/>
+              <a:defRPr sz="1000"/>
             </a:lvl4pPr>
             <a:lvl5pPr marL="1828800" indent="0">
-              <a:buFontTx/>
-              <a:buNone/>
-              <a:defRPr/>
-            </a:lvl5pPr>
-          </a:lstStyle>
-          <a:p>
-            <a:pPr lvl="0"/>
-            <a:r>
-              <a:rPr lang="en-US"/>
-              <a:t>Click to edit Master text styles</a:t>
-            </a:r>
-          </a:p>
-        </p:txBody>
-      </p:sp>
-      <p:sp>
-        <p:nvSpPr>
-          <p:cNvPr id="3" name="Text Placeholder 2"/>
-          <p:cNvSpPr>
-            <a:spLocks noGrp="1"/>
-          </p:cNvSpPr>
-          <p:nvPr>
-            <p:ph type="body" idx="1"/>
-          </p:nvPr>
-        </p:nvSpPr>
-        <p:spPr>
-          <a:xfrm>
-            <a:off x="677335" y="4470400"/>
-            <a:ext cx="8596668" cy="1570962"/>
-          </a:xfrm>
-        </p:spPr>
-        <p:txBody>
-          <a:bodyPr anchor="ctr">
-            <a:normAutofit/>
-          </a:bodyPr>
-          <a:lstStyle>
-            <a:lvl1pPr marL="0" indent="0" algn="l">
-              <a:buNone/>
-              <a:defRPr sz="1800">
-                <a:solidFill>
-                  <a:schemeClr val="tx1">
-                    <a:lumMod val="75000"/>
-                    <a:lumOff val="25000"/>
-                  </a:schemeClr>
-                </a:solidFill>
-              </a:defRPr>
-            </a:lvl1pPr>
-            <a:lvl2pPr marL="457200" indent="0">
-              <a:buNone/>
-              <a:defRPr sz="1800">
-                <a:solidFill>
-                  <a:schemeClr val="tx1">
-                    <a:tint val="75000"/>
-                  </a:schemeClr>
-                </a:solidFill>
-              </a:defRPr>
-            </a:lvl2pPr>
-            <a:lvl3pPr marL="914400" indent="0">
-              <a:buNone/>
-              <a:defRPr sz="1600">
-                <a:solidFill>
-                  <a:schemeClr val="tx1">
-                    <a:tint val="75000"/>
-                  </a:schemeClr>
-                </a:solidFill>
-              </a:defRPr>
-            </a:lvl3pPr>
-            <a:lvl4pPr marL="1371600" indent="0">
-              <a:buNone/>
-              <a:defRPr sz="1400">
-                <a:solidFill>
-                  <a:schemeClr val="tx1">
-                    <a:tint val="75000"/>
-                  </a:schemeClr>
-                </a:solidFill>
-              </a:defRPr>
-            </a:lvl4pPr>
-            <a:lvl5pPr marL="1828800" indent="0">
-              <a:buNone/>
-              <a:defRPr sz="1400">
-                <a:solidFill>
-                  <a:schemeClr val="tx1">
-                    <a:tint val="75000"/>
-                  </a:schemeClr>
-                </a:solidFill>
-              </a:defRPr>
+              <a:buNone/>
+              <a:defRPr sz="1000"/>
             </a:lvl5pPr>
             <a:lvl6pPr marL="2286000" indent="0">
               <a:buNone/>
-              <a:defRPr sz="1400">
-                <a:solidFill>
-                  <a:schemeClr val="tx1">
-                    <a:tint val="75000"/>
-                  </a:schemeClr>
-                </a:solidFill>
-              </a:defRPr>
+              <a:defRPr sz="1000"/>
             </a:lvl6pPr>
             <a:lvl7pPr marL="2743200" indent="0">
               <a:buNone/>
-              <a:defRPr sz="1400">
-                <a:solidFill>
-                  <a:schemeClr val="tx1">
-                    <a:tint val="75000"/>
-                  </a:schemeClr>
-                </a:solidFill>
-              </a:defRPr>
+              <a:defRPr sz="1000"/>
             </a:lvl7pPr>
             <a:lvl8pPr marL="3200400" indent="0">
               <a:buNone/>
-              <a:defRPr sz="1400">
-                <a:solidFill>
-                  <a:schemeClr val="tx1">
-                    <a:tint val="75000"/>
-                  </a:schemeClr>
-                </a:solidFill>
-              </a:defRPr>
+              <a:defRPr sz="1000"/>
             </a:lvl8pPr>
             <a:lvl9pPr marL="3657600" indent="0">
               <a:buNone/>
-              <a:defRPr sz="1400">
-                <a:solidFill>
-                  <a:schemeClr val="tx1">
-                    <a:tint val="75000"/>
-                  </a:schemeClr>
-                </a:solidFill>
-              </a:defRPr>
+              <a:defRPr sz="1000"/>
             </a:lvl9pPr>
           </a:lstStyle>
           <a:p>
@@ -1395,7 +1042,7 @@
       </p:sp>
       <p:sp>
         <p:nvSpPr>
-          <p:cNvPr id="4" name="Date Placeholder 3"/>
+          <p:cNvPr id="5" name="Date Placeholder 4"/>
           <p:cNvSpPr>
             <a:spLocks noGrp="1"/>
           </p:cNvSpPr>
@@ -1418,7 +1065,7 @@
       </p:sp>
       <p:sp>
         <p:nvSpPr>
-          <p:cNvPr id="5" name="Footer Placeholder 4"/>
+          <p:cNvPr id="6" name="Footer Placeholder 5"/>
           <p:cNvSpPr>
             <a:spLocks noGrp="1"/>
           </p:cNvSpPr>
@@ -1437,7 +1084,7 @@
       </p:sp>
       <p:sp>
         <p:nvSpPr>
-          <p:cNvPr id="6" name="Slide Number Placeholder 5"/>
+          <p:cNvPr id="7" name="Slide Number Placeholder 6"/>
           <p:cNvSpPr>
             <a:spLocks noGrp="1"/>
           </p:cNvSpPr>
@@ -1460,13 +1107,13 @@
       </p:sp>
       <p:sp>
         <p:nvSpPr>
-          <p:cNvPr id="20" name="TextBox 19"/>
+          <p:cNvPr id="11" name="TextBox 10"/>
           <p:cNvSpPr txBox="1"/>
           <p:nvPr/>
         </p:nvSpPr>
         <p:spPr>
           <a:xfrm>
-            <a:off x="541870" y="790378"/>
+            <a:off x="990600" y="884796"/>
             <a:ext cx="609600" cy="584776"/>
           </a:xfrm>
           <a:prstGeom prst="rect">
@@ -1477,19 +1124,97 @@
           <a:bodyPr vert="horz" lIns="91440" tIns="45720" rIns="91440" bIns="45720" rtlCol="0" anchor="ctr">
             <a:noAutofit/>
           </a:bodyPr>
-          <a:lstStyle/>
-          <a:p>
-            <a:pPr lvl="0"/>
-            <a:r>
-              <a:rPr lang="en-US" sz="8000" baseline="0" dirty="0">
+          <a:lstStyle>
+            <a:lvl1pPr>
+              <a:spcBef>
+                <a:spcPct val="0"/>
+              </a:spcBef>
+              <a:buNone/>
+              <a:defRPr sz="3200" b="0" cap="all">
                 <a:ln w="3175" cmpd="sng">
                   <a:noFill/>
                 </a:ln>
-                <a:solidFill>
-                  <a:schemeClr val="accent1"/>
+                <a:effectLst>
+                  <a:glow rad="38100">
+                    <a:schemeClr val="bg1">
+                      <a:lumMod val="65000"/>
+                      <a:lumOff val="35000"/>
+                      <a:alpha val="40000"/>
+                    </a:schemeClr>
+                  </a:glow>
+                  <a:outerShdw blurRad="28575" dist="38100" dir="14040000" algn="tl" rotWithShape="0">
+                    <a:srgbClr val="000000">
+                      <a:alpha val="25000"/>
+                    </a:srgbClr>
+                  </a:outerShdw>
+                </a:effectLst>
+              </a:defRPr>
+            </a:lvl1pPr>
+            <a:lvl2pPr>
+              <a:defRPr>
+                <a:solidFill>
+                  <a:schemeClr val="tx2"/>
+                </a:solidFill>
+              </a:defRPr>
+            </a:lvl2pPr>
+            <a:lvl3pPr>
+              <a:defRPr>
+                <a:solidFill>
+                  <a:schemeClr val="tx2"/>
+                </a:solidFill>
+              </a:defRPr>
+            </a:lvl3pPr>
+            <a:lvl4pPr>
+              <a:defRPr>
+                <a:solidFill>
+                  <a:schemeClr val="tx2"/>
+                </a:solidFill>
+              </a:defRPr>
+            </a:lvl4pPr>
+            <a:lvl5pPr>
+              <a:defRPr>
+                <a:solidFill>
+                  <a:schemeClr val="tx2"/>
+                </a:solidFill>
+              </a:defRPr>
+            </a:lvl5pPr>
+            <a:lvl6pPr>
+              <a:defRPr>
+                <a:solidFill>
+                  <a:schemeClr val="tx2"/>
+                </a:solidFill>
+              </a:defRPr>
+            </a:lvl6pPr>
+            <a:lvl7pPr>
+              <a:defRPr>
+                <a:solidFill>
+                  <a:schemeClr val="tx2"/>
+                </a:solidFill>
+              </a:defRPr>
+            </a:lvl7pPr>
+            <a:lvl8pPr>
+              <a:defRPr>
+                <a:solidFill>
+                  <a:schemeClr val="tx2"/>
+                </a:solidFill>
+              </a:defRPr>
+            </a:lvl8pPr>
+            <a:lvl9pPr>
+              <a:defRPr>
+                <a:solidFill>
+                  <a:schemeClr val="tx2"/>
+                </a:solidFill>
+              </a:defRPr>
+            </a:lvl9pPr>
+          </a:lstStyle>
+          <a:p>
+            <a:pPr lvl="0"/>
+            <a:r>
+              <a:rPr lang="en-US" sz="8000" dirty="0">
+                <a:solidFill>
+                  <a:schemeClr val="tx1"/>
                 </a:solidFill>
                 <a:effectLst/>
-                <a:latin typeface="Arial"/>
               </a:rPr>
               <a:t>“</a:t>
             </a:r>
@@ -1498,13 +1223,13 @@
       </p:sp>
       <p:sp>
         <p:nvSpPr>
-          <p:cNvPr id="22" name="TextBox 21"/>
+          <p:cNvPr id="13" name="TextBox 12"/>
           <p:cNvSpPr txBox="1"/>
           <p:nvPr/>
         </p:nvSpPr>
         <p:spPr>
           <a:xfrm>
-            <a:off x="8893011" y="2886556"/>
+            <a:off x="10504716" y="2928258"/>
             <a:ext cx="609600" cy="584776"/>
           </a:xfrm>
           <a:prstGeom prst="rect">
@@ -1515,19 +1240,97 @@
           <a:bodyPr vert="horz" lIns="91440" tIns="45720" rIns="91440" bIns="45720" rtlCol="0" anchor="ctr">
             <a:noAutofit/>
           </a:bodyPr>
-          <a:lstStyle/>
-          <a:p>
-            <a:pPr lvl="0"/>
-            <a:r>
-              <a:rPr lang="en-US" sz="8000" baseline="0" dirty="0">
+          <a:lstStyle>
+            <a:lvl1pPr>
+              <a:spcBef>
+                <a:spcPct val="0"/>
+              </a:spcBef>
+              <a:buNone/>
+              <a:defRPr sz="3200" b="0" cap="all">
                 <a:ln w="3175" cmpd="sng">
                   <a:noFill/>
                 </a:ln>
-                <a:solidFill>
-                  <a:schemeClr val="accent1"/>
+                <a:effectLst>
+                  <a:glow rad="38100">
+                    <a:schemeClr val="bg1">
+                      <a:lumMod val="65000"/>
+                      <a:lumOff val="35000"/>
+                      <a:alpha val="40000"/>
+                    </a:schemeClr>
+                  </a:glow>
+                  <a:outerShdw blurRad="28575" dist="38100" dir="14040000" algn="tl" rotWithShape="0">
+                    <a:srgbClr val="000000">
+                      <a:alpha val="25000"/>
+                    </a:srgbClr>
+                  </a:outerShdw>
+                </a:effectLst>
+              </a:defRPr>
+            </a:lvl1pPr>
+            <a:lvl2pPr>
+              <a:defRPr>
+                <a:solidFill>
+                  <a:schemeClr val="tx2"/>
+                </a:solidFill>
+              </a:defRPr>
+            </a:lvl2pPr>
+            <a:lvl3pPr>
+              <a:defRPr>
+                <a:solidFill>
+                  <a:schemeClr val="tx2"/>
+                </a:solidFill>
+              </a:defRPr>
+            </a:lvl3pPr>
+            <a:lvl4pPr>
+              <a:defRPr>
+                <a:solidFill>
+                  <a:schemeClr val="tx2"/>
+                </a:solidFill>
+              </a:defRPr>
+            </a:lvl4pPr>
+            <a:lvl5pPr>
+              <a:defRPr>
+                <a:solidFill>
+                  <a:schemeClr val="tx2"/>
+                </a:solidFill>
+              </a:defRPr>
+            </a:lvl5pPr>
+            <a:lvl6pPr>
+              <a:defRPr>
+                <a:solidFill>
+                  <a:schemeClr val="tx2"/>
+                </a:solidFill>
+              </a:defRPr>
+            </a:lvl6pPr>
+            <a:lvl7pPr>
+              <a:defRPr>
+                <a:solidFill>
+                  <a:schemeClr val="tx2"/>
+                </a:solidFill>
+              </a:defRPr>
+            </a:lvl7pPr>
+            <a:lvl8pPr>
+              <a:defRPr>
+                <a:solidFill>
+                  <a:schemeClr val="tx2"/>
+                </a:solidFill>
+              </a:defRPr>
+            </a:lvl8pPr>
+            <a:lvl9pPr>
+              <a:defRPr>
+                <a:solidFill>
+                  <a:schemeClr val="tx2"/>
+                </a:solidFill>
+              </a:defRPr>
+            </a:lvl9pPr>
+          </a:lstStyle>
+          <a:p>
+            <a:pPr lvl="0" algn="r"/>
+            <a:r>
+              <a:rPr lang="en-US" sz="8000" dirty="0">
+                <a:solidFill>
+                  <a:schemeClr val="tx1"/>
                 </a:solidFill>
                 <a:effectLst/>
-                <a:latin typeface="Arial"/>
               </a:rPr>
               <a:t>”</a:t>
             </a:r>
@@ -1537,7 +1340,7 @@
     </p:spTree>
     <p:extLst>
       <p:ext uri="{BB962C8B-B14F-4D97-AF65-F5344CB8AC3E}">
-        <p14:creationId xmlns:p14="http://schemas.microsoft.com/office/powerpoint/2010/main" val="504341539"/>
+        <p14:creationId xmlns:p14="http://schemas.microsoft.com/office/powerpoint/2010/main" val="2363965944"/>
       </p:ext>
     </p:extLst>
   </p:cSld>
@@ -1547,7 +1350,7 @@
 </p:sldLayout>
 </file>
 
-<file path=ppt/slideLayouts/slideLayout12.xml><?xml version="1.0" encoding="utf-8"?>
+<file path=ppt/slideLayouts/slideLayout13.xml><?xml version="1.0" encoding="utf-8"?>
 <p:sldLayout xmlns:a="http://schemas.openxmlformats.org/drawingml/2006/main" xmlns:r="http://schemas.openxmlformats.org/officeDocument/2006/relationships" xmlns:p="http://schemas.openxmlformats.org/presentationml/2006/main" preserve="1">
   <p:cSld name="Name Card">
     <p:spTree>
@@ -1576,17 +1379,15 @@
         </p:nvSpPr>
         <p:spPr>
           <a:xfrm>
-            <a:off x="677335" y="1931988"/>
-            <a:ext cx="8596668" cy="2595460"/>
+            <a:off x="913794" y="2126942"/>
+            <a:ext cx="10353763" cy="2511835"/>
           </a:xfrm>
         </p:spPr>
         <p:txBody>
-          <a:bodyPr anchor="b">
-            <a:normAutofit/>
-          </a:bodyPr>
+          <a:bodyPr anchor="b"/>
           <a:lstStyle>
-            <a:lvl1pPr algn="l">
-              <a:defRPr sz="4400" b="0" cap="none"/>
+            <a:lvl1pPr>
+              <a:defRPr sz="3200"/>
             </a:lvl1pPr>
           </a:lstStyle>
           <a:p>
@@ -1600,115 +1401,58 @@
       </p:sp>
       <p:sp>
         <p:nvSpPr>
-          <p:cNvPr id="3" name="Text Placeholder 2"/>
-          <p:cNvSpPr>
-            <a:spLocks noGrp="1"/>
-          </p:cNvSpPr>
-          <p:nvPr>
-            <p:ph type="body" idx="1"/>
+          <p:cNvPr id="4" name="Text Placeholder 3"/>
+          <p:cNvSpPr>
+            <a:spLocks noGrp="1"/>
+          </p:cNvSpPr>
+          <p:nvPr>
+            <p:ph type="body" sz="half" idx="2"/>
           </p:nvPr>
         </p:nvSpPr>
         <p:spPr>
           <a:xfrm>
-            <a:off x="677335" y="4527448"/>
-            <a:ext cx="8596668" cy="1513914"/>
+            <a:off x="913784" y="4650556"/>
+            <a:ext cx="10352199" cy="1140644"/>
           </a:xfrm>
         </p:spPr>
         <p:txBody>
-          <a:bodyPr anchor="t">
-            <a:normAutofit/>
-          </a:bodyPr>
+          <a:bodyPr anchor="t"/>
           <a:lstStyle>
-            <a:lvl1pPr marL="0" indent="0" algn="l">
-              <a:buNone/>
-              <a:defRPr sz="1800">
-                <a:solidFill>
-                  <a:schemeClr val="tx1">
-                    <a:lumMod val="75000"/>
-                    <a:lumOff val="25000"/>
-                  </a:schemeClr>
-                </a:solidFill>
-              </a:defRPr>
+            <a:lvl1pPr marL="0" indent="0" algn="ctr">
+              <a:buNone/>
+              <a:defRPr sz="1600"/>
             </a:lvl1pPr>
             <a:lvl2pPr marL="457200" indent="0">
               <a:buNone/>
-              <a:defRPr sz="1800">
-                <a:solidFill>
-                  <a:schemeClr val="tx1">
-                    <a:tint val="75000"/>
-                  </a:schemeClr>
-                </a:solidFill>
-              </a:defRPr>
+              <a:defRPr sz="1400"/>
             </a:lvl2pPr>
             <a:lvl3pPr marL="914400" indent="0">
               <a:buNone/>
-              <a:defRPr sz="1600">
-                <a:solidFill>
-                  <a:schemeClr val="tx1">
-                    <a:tint val="75000"/>
-                  </a:schemeClr>
-                </a:solidFill>
-              </a:defRPr>
+              <a:defRPr sz="1200"/>
             </a:lvl3pPr>
             <a:lvl4pPr marL="1371600" indent="0">
               <a:buNone/>
-              <a:defRPr sz="1400">
-                <a:solidFill>
-                  <a:schemeClr val="tx1">
-                    <a:tint val="75000"/>
-                  </a:schemeClr>
-                </a:solidFill>
-              </a:defRPr>
+              <a:defRPr sz="1000"/>
             </a:lvl4pPr>
             <a:lvl5pPr marL="1828800" indent="0">
               <a:buNone/>
-              <a:defRPr sz="1400">
-                <a:solidFill>
-                  <a:schemeClr val="tx1">
-                    <a:tint val="75000"/>
-                  </a:schemeClr>
-                </a:solidFill>
-              </a:defRPr>
+              <a:defRPr sz="1000"/>
             </a:lvl5pPr>
             <a:lvl6pPr marL="2286000" indent="0">
               <a:buNone/>
-              <a:defRPr sz="1400">
-                <a:solidFill>
-                  <a:schemeClr val="tx1">
-                    <a:tint val="75000"/>
-                  </a:schemeClr>
-                </a:solidFill>
-              </a:defRPr>
+              <a:defRPr sz="1000"/>
             </a:lvl6pPr>
             <a:lvl7pPr marL="2743200" indent="0">
               <a:buNone/>
-              <a:defRPr sz="1400">
-                <a:solidFill>
-                  <a:schemeClr val="tx1">
-                    <a:tint val="75000"/>
-                  </a:schemeClr>
-                </a:solidFill>
-              </a:defRPr>
+              <a:defRPr sz="1000"/>
             </a:lvl7pPr>
             <a:lvl8pPr marL="3200400" indent="0">
               <a:buNone/>
-              <a:defRPr sz="1400">
-                <a:solidFill>
-                  <a:schemeClr val="tx1">
-                    <a:tint val="75000"/>
-                  </a:schemeClr>
-                </a:solidFill>
-              </a:defRPr>
+              <a:defRPr sz="1000"/>
             </a:lvl8pPr>
             <a:lvl9pPr marL="3657600" indent="0">
               <a:buNone/>
-              <a:defRPr sz="1400">
-                <a:solidFill>
-                  <a:schemeClr val="tx1">
-                    <a:tint val="75000"/>
-                  </a:schemeClr>
-                </a:solidFill>
-              </a:defRPr>
+              <a:defRPr sz="1000"/>
             </a:lvl9pPr>
           </a:lstStyle>
           <a:p>
@@ -1722,7 +1466,7 @@
       </p:sp>
       <p:sp>
         <p:nvSpPr>
-          <p:cNvPr id="4" name="Date Placeholder 3"/>
+          <p:cNvPr id="5" name="Date Placeholder 4"/>
           <p:cNvSpPr>
             <a:spLocks noGrp="1"/>
           </p:cNvSpPr>
@@ -1745,7 +1489,7 @@
       </p:sp>
       <p:sp>
         <p:nvSpPr>
-          <p:cNvPr id="5" name="Footer Placeholder 4"/>
+          <p:cNvPr id="6" name="Footer Placeholder 5"/>
           <p:cNvSpPr>
             <a:spLocks noGrp="1"/>
           </p:cNvSpPr>
@@ -1764,7 +1508,7 @@
       </p:sp>
       <p:sp>
         <p:nvSpPr>
-          <p:cNvPr id="6" name="Slide Number Placeholder 5"/>
+          <p:cNvPr id="7" name="Slide Number Placeholder 6"/>
           <p:cNvSpPr>
             <a:spLocks noGrp="1"/>
           </p:cNvSpPr>
@@ -1788,7 +1532,7 @@
     </p:spTree>
     <p:extLst>
       <p:ext uri="{BB962C8B-B14F-4D97-AF65-F5344CB8AC3E}">
-        <p14:creationId xmlns:p14="http://schemas.microsoft.com/office/powerpoint/2010/main" val="1194219521"/>
+        <p14:creationId xmlns:p14="http://schemas.microsoft.com/office/powerpoint/2010/main" val="957857816"/>
       </p:ext>
     </p:extLst>
   </p:cSld>
@@ -1798,9 +1542,9 @@
 </p:sldLayout>
 </file>
 
-<file path=ppt/slideLayouts/slideLayout13.xml><?xml version="1.0" encoding="utf-8"?>
+<file path=ppt/slideLayouts/slideLayout14.xml><?xml version="1.0" encoding="utf-8"?>
 <p:sldLayout xmlns:a="http://schemas.openxmlformats.org/drawingml/2006/main" xmlns:r="http://schemas.openxmlformats.org/officeDocument/2006/relationships" xmlns:p="http://schemas.openxmlformats.org/presentationml/2006/main" preserve="1">
-  <p:cSld name="Quote Name Card">
+  <p:cSld name="3 Column">
     <p:spTree>
       <p:nvGrpSpPr>
         <p:cNvPr id="1" name=""/>
@@ -1817,7 +1561,7 @@
       </p:grpSpPr>
       <p:sp>
         <p:nvSpPr>
-          <p:cNvPr id="2" name="Title 1"/>
+          <p:cNvPr id="15" name="Title 1"/>
           <p:cNvSpPr>
             <a:spLocks noGrp="1"/>
           </p:cNvSpPr>
@@ -1827,19 +1571,13 @@
         </p:nvSpPr>
         <p:spPr>
           <a:xfrm>
-            <a:off x="931334" y="609600"/>
-            <a:ext cx="8094134" cy="3022600"/>
+            <a:off x="913795" y="609600"/>
+            <a:ext cx="10353762" cy="970450"/>
           </a:xfrm>
         </p:spPr>
         <p:txBody>
-          <a:bodyPr anchor="ctr">
-            <a:normAutofit/>
-          </a:bodyPr>
-          <a:lstStyle>
-            <a:lvl1pPr algn="l">
-              <a:defRPr sz="4400" b="0" cap="none"/>
-            </a:lvl1pPr>
-          </a:lstStyle>
+          <a:bodyPr/>
+          <a:lstStyle/>
           <a:p>
             <a:r>
               <a:rPr lang="en-US"/>
@@ -1851,18 +1589,18 @@
       </p:sp>
       <p:sp>
         <p:nvSpPr>
-          <p:cNvPr id="23" name="Text Placeholder 9"/>
-          <p:cNvSpPr>
-            <a:spLocks noGrp="1"/>
-          </p:cNvSpPr>
-          <p:nvPr>
-            <p:ph type="body" sz="quarter" idx="13"/>
+          <p:cNvPr id="7" name="Text Placeholder 2"/>
+          <p:cNvSpPr>
+            <a:spLocks noGrp="1"/>
+          </p:cNvSpPr>
+          <p:nvPr>
+            <p:ph type="body" idx="1"/>
           </p:nvPr>
         </p:nvSpPr>
         <p:spPr>
           <a:xfrm>
-            <a:off x="677332" y="4013200"/>
-            <a:ext cx="8596669" cy="514248"/>
+            <a:off x="913795" y="1885950"/>
+            <a:ext cx="3300984" cy="576262"/>
           </a:xfrm>
         </p:spPr>
         <p:txBody>
@@ -1870,38 +1608,46 @@
             <a:noAutofit/>
           </a:bodyPr>
           <a:lstStyle>
-            <a:lvl1pPr marL="0" indent="0">
-              <a:buFontTx/>
-              <a:buNone/>
-              <a:defRPr sz="2400">
-                <a:solidFill>
-                  <a:schemeClr val="tx1">
-                    <a:lumMod val="75000"/>
-                    <a:lumOff val="25000"/>
-                  </a:schemeClr>
+            <a:lvl1pPr marL="0" indent="0" algn="ctr">
+              <a:buNone/>
+              <a:defRPr sz="2400" b="0">
+                <a:solidFill>
+                  <a:schemeClr val="tx1"/>
                 </a:solidFill>
               </a:defRPr>
             </a:lvl1pPr>
             <a:lvl2pPr marL="457200" indent="0">
-              <a:buFontTx/>
-              <a:buNone/>
-              <a:defRPr/>
+              <a:buNone/>
+              <a:defRPr sz="2000" b="1"/>
             </a:lvl2pPr>
             <a:lvl3pPr marL="914400" indent="0">
-              <a:buFontTx/>
-              <a:buNone/>
-              <a:defRPr/>
+              <a:buNone/>
+              <a:defRPr sz="1800" b="1"/>
             </a:lvl3pPr>
             <a:lvl4pPr marL="1371600" indent="0">
-              <a:buFontTx/>
-              <a:buNone/>
-              <a:defRPr/>
+              <a:buNone/>
+              <a:defRPr sz="1600" b="1"/>
             </a:lvl4pPr>
             <a:lvl5pPr marL="1828800" indent="0">
-              <a:buFontTx/>
-              <a:buNone/>
-              <a:defRPr/>
+              <a:buNone/>
+              <a:defRPr sz="1600" b="1"/>
             </a:lvl5pPr>
+            <a:lvl6pPr marL="2286000" indent="0">
+              <a:buNone/>
+              <a:defRPr sz="1600" b="1"/>
+            </a:lvl6pPr>
+            <a:lvl7pPr marL="2743200" indent="0">
+              <a:buNone/>
+              <a:defRPr sz="1600" b="1"/>
+            </a:lvl7pPr>
+            <a:lvl8pPr marL="3200400" indent="0">
+              <a:buNone/>
+              <a:defRPr sz="1600" b="1"/>
+            </a:lvl8pPr>
+            <a:lvl9pPr marL="3657600" indent="0">
+              <a:buNone/>
+              <a:defRPr sz="1600" b="1"/>
+            </a:lvl9pPr>
           </a:lstStyle>
           <a:p>
             <a:pPr lvl="0"/>
@@ -1914,18 +1660,18 @@
       </p:sp>
       <p:sp>
         <p:nvSpPr>
-          <p:cNvPr id="3" name="Text Placeholder 2"/>
-          <p:cNvSpPr>
-            <a:spLocks noGrp="1"/>
-          </p:cNvSpPr>
-          <p:nvPr>
-            <p:ph type="body" idx="1"/>
+          <p:cNvPr id="8" name="Text Placeholder 3"/>
+          <p:cNvSpPr>
+            <a:spLocks noGrp="1"/>
+          </p:cNvSpPr>
+          <p:nvPr>
+            <p:ph type="body" sz="half" idx="15"/>
           </p:nvPr>
         </p:nvSpPr>
         <p:spPr>
           <a:xfrm>
-            <a:off x="677335" y="4527448"/>
-            <a:ext cx="8596668" cy="1513914"/>
+            <a:off x="913795" y="2571750"/>
+            <a:ext cx="3300984" cy="3219450"/>
           </a:xfrm>
         </p:spPr>
         <p:txBody>
@@ -1933,96 +1679,112 @@
             <a:normAutofit/>
           </a:bodyPr>
           <a:lstStyle>
-            <a:lvl1pPr marL="0" indent="0" algn="l">
-              <a:buNone/>
-              <a:defRPr sz="1800">
-                <a:solidFill>
-                  <a:schemeClr val="tx1">
-                    <a:lumMod val="50000"/>
-                    <a:lumOff val="50000"/>
-                  </a:schemeClr>
+            <a:lvl1pPr marL="0" indent="0" algn="ctr">
+              <a:buNone/>
+              <a:defRPr sz="1400"/>
+            </a:lvl1pPr>
+            <a:lvl2pPr marL="457200" indent="0">
+              <a:buNone/>
+              <a:defRPr sz="1200"/>
+            </a:lvl2pPr>
+            <a:lvl3pPr marL="914400" indent="0">
+              <a:buNone/>
+              <a:defRPr sz="1000"/>
+            </a:lvl3pPr>
+            <a:lvl4pPr marL="1371600" indent="0">
+              <a:buNone/>
+              <a:defRPr sz="900"/>
+            </a:lvl4pPr>
+            <a:lvl5pPr marL="1828800" indent="0">
+              <a:buNone/>
+              <a:defRPr sz="900"/>
+            </a:lvl5pPr>
+            <a:lvl6pPr marL="2286000" indent="0">
+              <a:buNone/>
+              <a:defRPr sz="900"/>
+            </a:lvl6pPr>
+            <a:lvl7pPr marL="2743200" indent="0">
+              <a:buNone/>
+              <a:defRPr sz="900"/>
+            </a:lvl7pPr>
+            <a:lvl8pPr marL="3200400" indent="0">
+              <a:buNone/>
+              <a:defRPr sz="900"/>
+            </a:lvl8pPr>
+            <a:lvl9pPr marL="3657600" indent="0">
+              <a:buNone/>
+              <a:defRPr sz="900"/>
+            </a:lvl9pPr>
+          </a:lstStyle>
+          <a:p>
+            <a:pPr lvl="0"/>
+            <a:r>
+              <a:rPr lang="en-US"/>
+              <a:t>Click to edit Master text styles</a:t>
+            </a:r>
+          </a:p>
+        </p:txBody>
+      </p:sp>
+      <p:sp>
+        <p:nvSpPr>
+          <p:cNvPr id="9" name="Text Placeholder 4"/>
+          <p:cNvSpPr>
+            <a:spLocks noGrp="1"/>
+          </p:cNvSpPr>
+          <p:nvPr>
+            <p:ph type="body" sz="quarter" idx="3"/>
+          </p:nvPr>
+        </p:nvSpPr>
+        <p:spPr>
+          <a:xfrm>
+            <a:off x="4446711" y="1885950"/>
+            <a:ext cx="3300984" cy="576262"/>
+          </a:xfrm>
+        </p:spPr>
+        <p:txBody>
+          <a:bodyPr anchor="b">
+            <a:noAutofit/>
+          </a:bodyPr>
+          <a:lstStyle>
+            <a:lvl1pPr marL="0" indent="0" algn="ctr">
+              <a:buNone/>
+              <a:defRPr sz="2400" b="0">
+                <a:solidFill>
+                  <a:schemeClr val="tx1"/>
                 </a:solidFill>
               </a:defRPr>
             </a:lvl1pPr>
             <a:lvl2pPr marL="457200" indent="0">
               <a:buNone/>
-              <a:defRPr sz="1800">
-                <a:solidFill>
-                  <a:schemeClr val="tx1">
-                    <a:tint val="75000"/>
-                  </a:schemeClr>
-                </a:solidFill>
-              </a:defRPr>
+              <a:defRPr sz="2000" b="1"/>
             </a:lvl2pPr>
             <a:lvl3pPr marL="914400" indent="0">
               <a:buNone/>
-              <a:defRPr sz="1600">
-                <a:solidFill>
-                  <a:schemeClr val="tx1">
-                    <a:tint val="75000"/>
-                  </a:schemeClr>
-                </a:solidFill>
-              </a:defRPr>
+              <a:defRPr sz="1800" b="1"/>
             </a:lvl3pPr>
             <a:lvl4pPr marL="1371600" indent="0">
               <a:buNone/>
-              <a:defRPr sz="1400">
-                <a:solidFill>
-                  <a:schemeClr val="tx1">
-                    <a:tint val="75000"/>
-                  </a:schemeClr>
-                </a:solidFill>
-              </a:defRPr>
+              <a:defRPr sz="1600" b="1"/>
             </a:lvl4pPr>
             <a:lvl5pPr marL="1828800" indent="0">
               <a:buNone/>
-              <a:defRPr sz="1400">
-                <a:solidFill>
-                  <a:schemeClr val="tx1">
-                    <a:tint val="75000"/>
-                  </a:schemeClr>
-                </a:solidFill>
-              </a:defRPr>
+              <a:defRPr sz="1600" b="1"/>
             </a:lvl5pPr>
             <a:lvl6pPr marL="2286000" indent="0">
               <a:buNone/>
-              <a:defRPr sz="1400">
-                <a:solidFill>
-                  <a:schemeClr val="tx1">
-                    <a:tint val="75000"/>
-                  </a:schemeClr>
-                </a:solidFill>
-              </a:defRPr>
+              <a:defRPr sz="1600" b="1"/>
             </a:lvl6pPr>
             <a:lvl7pPr marL="2743200" indent="0">
               <a:buNone/>
-              <a:defRPr sz="1400">
-                <a:solidFill>
-                  <a:schemeClr val="tx1">
-                    <a:tint val="75000"/>
-                  </a:schemeClr>
-                </a:solidFill>
-              </a:defRPr>
+              <a:defRPr sz="1600" b="1"/>
             </a:lvl7pPr>
             <a:lvl8pPr marL="3200400" indent="0">
               <a:buNone/>
-              <a:defRPr sz="1400">
-                <a:solidFill>
-                  <a:schemeClr val="tx1">
-                    <a:tint val="75000"/>
-                  </a:schemeClr>
-                </a:solidFill>
-              </a:defRPr>
+              <a:defRPr sz="1600" b="1"/>
             </a:lvl8pPr>
             <a:lvl9pPr marL="3657600" indent="0">
               <a:buNone/>
-              <a:defRPr sz="1400">
-                <a:solidFill>
-                  <a:schemeClr val="tx1">
-                    <a:tint val="75000"/>
-                  </a:schemeClr>
-                </a:solidFill>
-              </a:defRPr>
+              <a:defRPr sz="1600" b="1"/>
             </a:lvl9pPr>
           </a:lstStyle>
           <a:p>
@@ -2036,7 +1798,212 @@
       </p:sp>
       <p:sp>
         <p:nvSpPr>
-          <p:cNvPr id="4" name="Date Placeholder 3"/>
+          <p:cNvPr id="10" name="Text Placeholder 3"/>
+          <p:cNvSpPr>
+            <a:spLocks noGrp="1"/>
+          </p:cNvSpPr>
+          <p:nvPr>
+            <p:ph type="body" sz="half" idx="16"/>
+          </p:nvPr>
+        </p:nvSpPr>
+        <p:spPr>
+          <a:xfrm>
+            <a:off x="4441435" y="2571750"/>
+            <a:ext cx="3300984" cy="3219450"/>
+          </a:xfrm>
+        </p:spPr>
+        <p:txBody>
+          <a:bodyPr anchor="t">
+            <a:normAutofit/>
+          </a:bodyPr>
+          <a:lstStyle>
+            <a:lvl1pPr marL="0" indent="0" algn="ctr">
+              <a:buNone/>
+              <a:defRPr sz="1400"/>
+            </a:lvl1pPr>
+            <a:lvl2pPr marL="457200" indent="0">
+              <a:buNone/>
+              <a:defRPr sz="1200"/>
+            </a:lvl2pPr>
+            <a:lvl3pPr marL="914400" indent="0">
+              <a:buNone/>
+              <a:defRPr sz="1000"/>
+            </a:lvl3pPr>
+            <a:lvl4pPr marL="1371600" indent="0">
+              <a:buNone/>
+              <a:defRPr sz="900"/>
+            </a:lvl4pPr>
+            <a:lvl5pPr marL="1828800" indent="0">
+              <a:buNone/>
+              <a:defRPr sz="900"/>
+            </a:lvl5pPr>
+            <a:lvl6pPr marL="2286000" indent="0">
+              <a:buNone/>
+              <a:defRPr sz="900"/>
+            </a:lvl6pPr>
+            <a:lvl7pPr marL="2743200" indent="0">
+              <a:buNone/>
+              <a:defRPr sz="900"/>
+            </a:lvl7pPr>
+            <a:lvl8pPr marL="3200400" indent="0">
+              <a:buNone/>
+              <a:defRPr sz="900"/>
+            </a:lvl8pPr>
+            <a:lvl9pPr marL="3657600" indent="0">
+              <a:buNone/>
+              <a:defRPr sz="900"/>
+            </a:lvl9pPr>
+          </a:lstStyle>
+          <a:p>
+            <a:pPr lvl="0"/>
+            <a:r>
+              <a:rPr lang="en-US"/>
+              <a:t>Click to edit Master text styles</a:t>
+            </a:r>
+          </a:p>
+        </p:txBody>
+      </p:sp>
+      <p:sp>
+        <p:nvSpPr>
+          <p:cNvPr id="11" name="Text Placeholder 4"/>
+          <p:cNvSpPr>
+            <a:spLocks noGrp="1"/>
+          </p:cNvSpPr>
+          <p:nvPr>
+            <p:ph type="body" sz="quarter" idx="13"/>
+          </p:nvPr>
+        </p:nvSpPr>
+        <p:spPr>
+          <a:xfrm>
+            <a:off x="7966572" y="1885950"/>
+            <a:ext cx="3300984" cy="576262"/>
+          </a:xfrm>
+        </p:spPr>
+        <p:txBody>
+          <a:bodyPr anchor="b">
+            <a:noAutofit/>
+          </a:bodyPr>
+          <a:lstStyle>
+            <a:lvl1pPr marL="0" indent="0" algn="ctr">
+              <a:buNone/>
+              <a:defRPr sz="2400" b="0">
+                <a:solidFill>
+                  <a:schemeClr val="tx1"/>
+                </a:solidFill>
+              </a:defRPr>
+            </a:lvl1pPr>
+            <a:lvl2pPr marL="457200" indent="0">
+              <a:buNone/>
+              <a:defRPr sz="2000" b="1"/>
+            </a:lvl2pPr>
+            <a:lvl3pPr marL="914400" indent="0">
+              <a:buNone/>
+              <a:defRPr sz="1800" b="1"/>
+            </a:lvl3pPr>
+            <a:lvl4pPr marL="1371600" indent="0">
+              <a:buNone/>
+              <a:defRPr sz="1600" b="1"/>
+            </a:lvl4pPr>
+            <a:lvl5pPr marL="1828800" indent="0">
+              <a:buNone/>
+              <a:defRPr sz="1600" b="1"/>
+            </a:lvl5pPr>
+            <a:lvl6pPr marL="2286000" indent="0">
+              <a:buNone/>
+              <a:defRPr sz="1600" b="1"/>
+            </a:lvl6pPr>
+            <a:lvl7pPr marL="2743200" indent="0">
+              <a:buNone/>
+              <a:defRPr sz="1600" b="1"/>
+            </a:lvl7pPr>
+            <a:lvl8pPr marL="3200400" indent="0">
+              <a:buNone/>
+              <a:defRPr sz="1600" b="1"/>
+            </a:lvl8pPr>
+            <a:lvl9pPr marL="3657600" indent="0">
+              <a:buNone/>
+              <a:defRPr sz="1600" b="1"/>
+            </a:lvl9pPr>
+          </a:lstStyle>
+          <a:p>
+            <a:pPr lvl="0"/>
+            <a:r>
+              <a:rPr lang="en-US"/>
+              <a:t>Click to edit Master text styles</a:t>
+            </a:r>
+          </a:p>
+        </p:txBody>
+      </p:sp>
+      <p:sp>
+        <p:nvSpPr>
+          <p:cNvPr id="12" name="Text Placeholder 3"/>
+          <p:cNvSpPr>
+            <a:spLocks noGrp="1"/>
+          </p:cNvSpPr>
+          <p:nvPr>
+            <p:ph type="body" sz="half" idx="17"/>
+          </p:nvPr>
+        </p:nvSpPr>
+        <p:spPr>
+          <a:xfrm>
+            <a:off x="7966572" y="2571750"/>
+            <a:ext cx="3300984" cy="3219450"/>
+          </a:xfrm>
+        </p:spPr>
+        <p:txBody>
+          <a:bodyPr anchor="t">
+            <a:normAutofit/>
+          </a:bodyPr>
+          <a:lstStyle>
+            <a:lvl1pPr marL="0" indent="0" algn="ctr">
+              <a:buNone/>
+              <a:defRPr sz="1400"/>
+            </a:lvl1pPr>
+            <a:lvl2pPr marL="457200" indent="0">
+              <a:buNone/>
+              <a:defRPr sz="1200"/>
+            </a:lvl2pPr>
+            <a:lvl3pPr marL="914400" indent="0">
+              <a:buNone/>
+              <a:defRPr sz="1000"/>
+            </a:lvl3pPr>
+            <a:lvl4pPr marL="1371600" indent="0">
+              <a:buNone/>
+              <a:defRPr sz="900"/>
+            </a:lvl4pPr>
+            <a:lvl5pPr marL="1828800" indent="0">
+              <a:buNone/>
+              <a:defRPr sz="900"/>
+            </a:lvl5pPr>
+            <a:lvl6pPr marL="2286000" indent="0">
+              <a:buNone/>
+              <a:defRPr sz="900"/>
+            </a:lvl6pPr>
+            <a:lvl7pPr marL="2743200" indent="0">
+              <a:buNone/>
+              <a:defRPr sz="900"/>
+            </a:lvl7pPr>
+            <a:lvl8pPr marL="3200400" indent="0">
+              <a:buNone/>
+              <a:defRPr sz="900"/>
+            </a:lvl8pPr>
+            <a:lvl9pPr marL="3657600" indent="0">
+              <a:buNone/>
+              <a:defRPr sz="900"/>
+            </a:lvl9pPr>
+          </a:lstStyle>
+          <a:p>
+            <a:pPr lvl="0"/>
+            <a:r>
+              <a:rPr lang="en-US"/>
+              <a:t>Click to edit Master text styles</a:t>
+            </a:r>
+          </a:p>
+        </p:txBody>
+      </p:sp>
+      <p:sp>
+        <p:nvSpPr>
+          <p:cNvPr id="3" name="Date Placeholder 2"/>
           <p:cNvSpPr>
             <a:spLocks noGrp="1"/>
           </p:cNvSpPr>
@@ -2059,7 +2026,7 @@
       </p:sp>
       <p:sp>
         <p:nvSpPr>
-          <p:cNvPr id="5" name="Footer Placeholder 4"/>
+          <p:cNvPr id="4" name="Footer Placeholder 3"/>
           <p:cNvSpPr>
             <a:spLocks noGrp="1"/>
           </p:cNvSpPr>
@@ -2078,7 +2045,7 @@
       </p:sp>
       <p:sp>
         <p:nvSpPr>
-          <p:cNvPr id="6" name="Slide Number Placeholder 5"/>
+          <p:cNvPr id="5" name="Slide Number Placeholder 4"/>
           <p:cNvSpPr>
             <a:spLocks noGrp="1"/>
           </p:cNvSpPr>
@@ -2099,86 +2066,10 @@
           </a:p>
         </p:txBody>
       </p:sp>
-      <p:sp>
-        <p:nvSpPr>
-          <p:cNvPr id="24" name="TextBox 23"/>
-          <p:cNvSpPr txBox="1"/>
-          <p:nvPr/>
-        </p:nvSpPr>
-        <p:spPr>
-          <a:xfrm>
-            <a:off x="541870" y="790378"/>
-            <a:ext cx="609600" cy="584776"/>
-          </a:xfrm>
-          <a:prstGeom prst="rect">
-            <a:avLst/>
-          </a:prstGeom>
-        </p:spPr>
-        <p:txBody>
-          <a:bodyPr vert="horz" lIns="91440" tIns="45720" rIns="91440" bIns="45720" rtlCol="0" anchor="ctr">
-            <a:noAutofit/>
-          </a:bodyPr>
-          <a:lstStyle/>
-          <a:p>
-            <a:pPr lvl="0"/>
-            <a:r>
-              <a:rPr lang="en-US" sz="8000" baseline="0" dirty="0">
-                <a:ln w="3175" cmpd="sng">
-                  <a:noFill/>
-                </a:ln>
-                <a:solidFill>
-                  <a:schemeClr val="accent1"/>
-                </a:solidFill>
-                <a:effectLst/>
-                <a:latin typeface="Arial"/>
-              </a:rPr>
-              <a:t>“</a:t>
-            </a:r>
-          </a:p>
-        </p:txBody>
-      </p:sp>
-      <p:sp>
-        <p:nvSpPr>
-          <p:cNvPr id="25" name="TextBox 24"/>
-          <p:cNvSpPr txBox="1"/>
-          <p:nvPr/>
-        </p:nvSpPr>
-        <p:spPr>
-          <a:xfrm>
-            <a:off x="8893011" y="2886556"/>
-            <a:ext cx="609600" cy="584776"/>
-          </a:xfrm>
-          <a:prstGeom prst="rect">
-            <a:avLst/>
-          </a:prstGeom>
-        </p:spPr>
-        <p:txBody>
-          <a:bodyPr vert="horz" lIns="91440" tIns="45720" rIns="91440" bIns="45720" rtlCol="0" anchor="ctr">
-            <a:noAutofit/>
-          </a:bodyPr>
-          <a:lstStyle/>
-          <a:p>
-            <a:pPr lvl="0"/>
-            <a:r>
-              <a:rPr lang="en-US" sz="8000" baseline="0" dirty="0">
-                <a:ln w="3175" cmpd="sng">
-                  <a:noFill/>
-                </a:ln>
-                <a:solidFill>
-                  <a:schemeClr val="accent1"/>
-                </a:solidFill>
-                <a:effectLst/>
-                <a:latin typeface="Arial"/>
-              </a:rPr>
-              <a:t>”</a:t>
-            </a:r>
-          </a:p>
-        </p:txBody>
-      </p:sp>
     </p:spTree>
     <p:extLst>
       <p:ext uri="{BB962C8B-B14F-4D97-AF65-F5344CB8AC3E}">
-        <p14:creationId xmlns:p14="http://schemas.microsoft.com/office/powerpoint/2010/main" val="3862012463"/>
+        <p14:creationId xmlns:p14="http://schemas.microsoft.com/office/powerpoint/2010/main" val="1048307259"/>
       </p:ext>
     </p:extLst>
   </p:cSld>
@@ -2188,9 +2079,9 @@
 </p:sldLayout>
 </file>
 
-<file path=ppt/slideLayouts/slideLayout14.xml><?xml version="1.0" encoding="utf-8"?>
+<file path=ppt/slideLayouts/slideLayout15.xml><?xml version="1.0" encoding="utf-8"?>
 <p:sldLayout xmlns:a="http://schemas.openxmlformats.org/drawingml/2006/main" xmlns:r="http://schemas.openxmlformats.org/officeDocument/2006/relationships" xmlns:p="http://schemas.openxmlformats.org/presentationml/2006/main" preserve="1">
-  <p:cSld name="True or False">
+  <p:cSld name="3 Picture Column">
     <p:spTree>
       <p:nvGrpSpPr>
         <p:cNvPr id="1" name=""/>
@@ -2205,31 +2096,115 @@
           <a:chExt cx="0" cy="0"/>
         </a:xfrm>
       </p:grpSpPr>
-      <p:sp>
-        <p:nvSpPr>
-          <p:cNvPr id="2" name="Title 1"/>
-          <p:cNvSpPr>
-            <a:spLocks noGrp="1"/>
-          </p:cNvSpPr>
-          <p:nvPr>
-            <p:ph type="title"/>
-          </p:nvPr>
-        </p:nvSpPr>
+      <p:pic>
+        <p:nvPicPr>
+          <p:cNvPr id="2" name="Picture 1" descr="Slate-V2-HD-3colPhotoInset.png"/>
+          <p:cNvPicPr>
+            <a:picLocks noChangeAspect="1"/>
+          </p:cNvPicPr>
+          <p:nvPr/>
+        </p:nvPicPr>
+        <p:blipFill>
+          <a:blip r:embed="rId2">
+            <a:extLst>
+              <a:ext uri="{28A0092B-C50C-407E-A947-70E740481C1C}">
+                <a14:useLocalDpi xmlns:a14="http://schemas.microsoft.com/office/drawing/2010/main" val="0"/>
+              </a:ext>
+            </a:extLst>
+          </a:blip>
+          <a:stretch>
+            <a:fillRect/>
+          </a:stretch>
+        </p:blipFill>
         <p:spPr>
           <a:xfrm>
-            <a:off x="685799" y="609600"/>
-            <a:ext cx="8588203" cy="3022600"/>
+            <a:off x="897962" y="1818214"/>
+            <a:ext cx="3339972" cy="1847851"/>
+          </a:xfrm>
+          <a:prstGeom prst="rect">
+            <a:avLst/>
+          </a:prstGeom>
+        </p:spPr>
+      </p:pic>
+      <p:pic>
+        <p:nvPicPr>
+          <p:cNvPr id="36" name="Picture 35" descr="Slate-V2-HD-3colPhotoInset.png"/>
+          <p:cNvPicPr>
+            <a:picLocks noChangeAspect="1"/>
+          </p:cNvPicPr>
+          <p:nvPr/>
+        </p:nvPicPr>
+        <p:blipFill>
+          <a:blip r:embed="rId2">
+            <a:extLst>
+              <a:ext uri="{28A0092B-C50C-407E-A947-70E740481C1C}">
+                <a14:useLocalDpi xmlns:a14="http://schemas.microsoft.com/office/drawing/2010/main" val="0"/>
+              </a:ext>
+            </a:extLst>
+          </a:blip>
+          <a:stretch>
+            <a:fillRect/>
+          </a:stretch>
+        </p:blipFill>
+        <p:spPr>
+          <a:xfrm>
+            <a:off x="4403800" y="1818214"/>
+            <a:ext cx="3339972" cy="1847851"/>
+          </a:xfrm>
+          <a:prstGeom prst="rect">
+            <a:avLst/>
+          </a:prstGeom>
+        </p:spPr>
+      </p:pic>
+      <p:pic>
+        <p:nvPicPr>
+          <p:cNvPr id="37" name="Picture 36" descr="Slate-V2-HD-3colPhotoInset.png"/>
+          <p:cNvPicPr>
+            <a:picLocks noChangeAspect="1"/>
+          </p:cNvPicPr>
+          <p:nvPr/>
+        </p:nvPicPr>
+        <p:blipFill>
+          <a:blip r:embed="rId2">
+            <a:extLst>
+              <a:ext uri="{28A0092B-C50C-407E-A947-70E740481C1C}">
+                <a14:useLocalDpi xmlns:a14="http://schemas.microsoft.com/office/drawing/2010/main" val="0"/>
+              </a:ext>
+            </a:extLst>
+          </a:blip>
+          <a:stretch>
+            <a:fillRect/>
+          </a:stretch>
+        </p:blipFill>
+        <p:spPr>
+          <a:xfrm>
+            <a:off x="7936051" y="1818214"/>
+            <a:ext cx="3339972" cy="1847851"/>
+          </a:xfrm>
+          <a:prstGeom prst="rect">
+            <a:avLst/>
+          </a:prstGeom>
+        </p:spPr>
+      </p:pic>
+      <p:sp>
+        <p:nvSpPr>
+          <p:cNvPr id="30" name="Title 1"/>
+          <p:cNvSpPr>
+            <a:spLocks noGrp="1"/>
+          </p:cNvSpPr>
+          <p:nvPr>
+            <p:ph type="title"/>
+          </p:nvPr>
+        </p:nvSpPr>
+        <p:spPr>
+          <a:xfrm>
+            <a:off x="913794" y="609600"/>
+            <a:ext cx="10353763" cy="970450"/>
           </a:xfrm>
         </p:spPr>
         <p:txBody>
-          <a:bodyPr anchor="ctr">
-            <a:normAutofit/>
-          </a:bodyPr>
-          <a:lstStyle>
-            <a:lvl1pPr algn="l">
-              <a:defRPr sz="4400" b="0" cap="none"/>
-            </a:lvl1pPr>
-          </a:lstStyle>
+          <a:bodyPr/>
+          <a:lstStyle/>
           <a:p>
             <a:r>
               <a:rPr lang="en-US"/>
@@ -2241,18 +2216,18 @@
       </p:sp>
       <p:sp>
         <p:nvSpPr>
-          <p:cNvPr id="23" name="Text Placeholder 9"/>
-          <p:cNvSpPr>
-            <a:spLocks noGrp="1"/>
-          </p:cNvSpPr>
-          <p:nvPr>
-            <p:ph type="body" sz="quarter" idx="13"/>
+          <p:cNvPr id="19" name="Text Placeholder 2"/>
+          <p:cNvSpPr>
+            <a:spLocks noGrp="1"/>
+          </p:cNvSpPr>
+          <p:nvPr>
+            <p:ph type="body" idx="1"/>
           </p:nvPr>
         </p:nvSpPr>
         <p:spPr>
           <a:xfrm>
-            <a:off x="677332" y="4013200"/>
-            <a:ext cx="8596669" cy="514248"/>
+            <a:off x="913795" y="3904106"/>
+            <a:ext cx="3300984" cy="576262"/>
           </a:xfrm>
         </p:spPr>
         <p:txBody>
@@ -2260,35 +2235,46 @@
             <a:noAutofit/>
           </a:bodyPr>
           <a:lstStyle>
-            <a:lvl1pPr marL="0" indent="0">
-              <a:buFontTx/>
-              <a:buNone/>
-              <a:defRPr sz="2400">
-                <a:solidFill>
-                  <a:schemeClr val="accent1"/>
+            <a:lvl1pPr marL="0" indent="0" algn="ctr">
+              <a:buNone/>
+              <a:defRPr sz="2000" b="0">
+                <a:solidFill>
+                  <a:schemeClr val="tx1"/>
                 </a:solidFill>
               </a:defRPr>
             </a:lvl1pPr>
             <a:lvl2pPr marL="457200" indent="0">
-              <a:buFontTx/>
-              <a:buNone/>
-              <a:defRPr/>
+              <a:buNone/>
+              <a:defRPr sz="2000" b="1"/>
             </a:lvl2pPr>
             <a:lvl3pPr marL="914400" indent="0">
-              <a:buFontTx/>
-              <a:buNone/>
-              <a:defRPr/>
+              <a:buNone/>
+              <a:defRPr sz="1800" b="1"/>
             </a:lvl3pPr>
             <a:lvl4pPr marL="1371600" indent="0">
-              <a:buFontTx/>
-              <a:buNone/>
-              <a:defRPr/>
+              <a:buNone/>
+              <a:defRPr sz="1600" b="1"/>
             </a:lvl4pPr>
             <a:lvl5pPr marL="1828800" indent="0">
-              <a:buFontTx/>
-              <a:buNone/>
-              <a:defRPr/>
+              <a:buNone/>
+              <a:defRPr sz="1600" b="1"/>
             </a:lvl5pPr>
+            <a:lvl6pPr marL="2286000" indent="0">
+              <a:buNone/>
+              <a:defRPr sz="1600" b="1"/>
+            </a:lvl6pPr>
+            <a:lvl7pPr marL="2743200" indent="0">
+              <a:buNone/>
+              <a:defRPr sz="1600" b="1"/>
+            </a:lvl7pPr>
+            <a:lvl8pPr marL="3200400" indent="0">
+              <a:buNone/>
+              <a:defRPr sz="1600" b="1"/>
+            </a:lvl8pPr>
+            <a:lvl9pPr marL="3657600" indent="0">
+              <a:buNone/>
+              <a:defRPr sz="1600" b="1"/>
+            </a:lvl9pPr>
           </a:lstStyle>
           <a:p>
             <a:pPr lvl="0"/>
@@ -2301,115 +2287,210 @@
       </p:sp>
       <p:sp>
         <p:nvSpPr>
-          <p:cNvPr id="3" name="Text Placeholder 2"/>
-          <p:cNvSpPr>
-            <a:spLocks noGrp="1"/>
-          </p:cNvSpPr>
-          <p:nvPr>
-            <p:ph type="body" idx="1"/>
+          <p:cNvPr id="20" name="Picture Placeholder 2"/>
+          <p:cNvSpPr>
+            <a:spLocks noGrp="1" noChangeAspect="1"/>
+          </p:cNvSpPr>
+          <p:nvPr>
+            <p:ph type="pic" idx="15"/>
           </p:nvPr>
         </p:nvSpPr>
         <p:spPr>
           <a:xfrm>
-            <a:off x="677335" y="4527448"/>
-            <a:ext cx="8596668" cy="1513914"/>
+            <a:off x="1018102" y="1938918"/>
+            <a:ext cx="3092368" cy="1602954"/>
           </a:xfrm>
+          <a:prstGeom prst="roundRect">
+            <a:avLst>
+              <a:gd name="adj" fmla="val 1858"/>
+            </a:avLst>
+          </a:prstGeom>
+          <a:effectLst>
+            <a:outerShdw blurRad="38100" dist="25400" dir="4440000">
+              <a:srgbClr val="000000">
+                <a:alpha val="36000"/>
+              </a:srgbClr>
+            </a:outerShdw>
+          </a:effectLst>
         </p:spPr>
         <p:txBody>
           <a:bodyPr anchor="t">
             <a:normAutofit/>
           </a:bodyPr>
           <a:lstStyle>
-            <a:lvl1pPr marL="0" indent="0" algn="l">
-              <a:buNone/>
-              <a:defRPr sz="1800">
-                <a:solidFill>
-                  <a:schemeClr val="tx1">
-                    <a:lumMod val="50000"/>
-                    <a:lumOff val="50000"/>
-                  </a:schemeClr>
+            <a:lvl1pPr marL="0" indent="0" algn="ctr">
+              <a:buNone/>
+              <a:defRPr sz="1600"/>
+            </a:lvl1pPr>
+            <a:lvl2pPr marL="457200" indent="0">
+              <a:buNone/>
+              <a:defRPr sz="1600"/>
+            </a:lvl2pPr>
+            <a:lvl3pPr marL="914400" indent="0">
+              <a:buNone/>
+              <a:defRPr sz="1600"/>
+            </a:lvl3pPr>
+            <a:lvl4pPr marL="1371600" indent="0">
+              <a:buNone/>
+              <a:defRPr sz="1600"/>
+            </a:lvl4pPr>
+            <a:lvl5pPr marL="1828800" indent="0">
+              <a:buNone/>
+              <a:defRPr sz="1600"/>
+            </a:lvl5pPr>
+            <a:lvl6pPr marL="2286000" indent="0">
+              <a:buNone/>
+              <a:defRPr sz="1600"/>
+            </a:lvl6pPr>
+            <a:lvl7pPr marL="2743200" indent="0">
+              <a:buNone/>
+              <a:defRPr sz="1600"/>
+            </a:lvl7pPr>
+            <a:lvl8pPr marL="3200400" indent="0">
+              <a:buNone/>
+              <a:defRPr sz="1600"/>
+            </a:lvl8pPr>
+            <a:lvl9pPr marL="3657600" indent="0">
+              <a:buNone/>
+              <a:defRPr sz="1600"/>
+            </a:lvl9pPr>
+          </a:lstStyle>
+          <a:p>
+            <a:r>
+              <a:rPr lang="en-US"/>
+              <a:t>Click icon to add picture</a:t>
+            </a:r>
+            <a:endParaRPr lang="en-US" dirty="0"/>
+          </a:p>
+        </p:txBody>
+      </p:sp>
+      <p:sp>
+        <p:nvSpPr>
+          <p:cNvPr id="21" name="Text Placeholder 3"/>
+          <p:cNvSpPr>
+            <a:spLocks noGrp="1"/>
+          </p:cNvSpPr>
+          <p:nvPr>
+            <p:ph type="body" sz="half" idx="18"/>
+          </p:nvPr>
+        </p:nvSpPr>
+        <p:spPr>
+          <a:xfrm>
+            <a:off x="913795" y="4480368"/>
+            <a:ext cx="3300984" cy="1310833"/>
+          </a:xfrm>
+        </p:spPr>
+        <p:txBody>
+          <a:bodyPr anchor="t">
+            <a:normAutofit/>
+          </a:bodyPr>
+          <a:lstStyle>
+            <a:lvl1pPr marL="0" indent="0" algn="ctr">
+              <a:buNone/>
+              <a:defRPr sz="1400"/>
+            </a:lvl1pPr>
+            <a:lvl2pPr marL="457200" indent="0">
+              <a:buNone/>
+              <a:defRPr sz="1200"/>
+            </a:lvl2pPr>
+            <a:lvl3pPr marL="914400" indent="0">
+              <a:buNone/>
+              <a:defRPr sz="1000"/>
+            </a:lvl3pPr>
+            <a:lvl4pPr marL="1371600" indent="0">
+              <a:buNone/>
+              <a:defRPr sz="900"/>
+            </a:lvl4pPr>
+            <a:lvl5pPr marL="1828800" indent="0">
+              <a:buNone/>
+              <a:defRPr sz="900"/>
+            </a:lvl5pPr>
+            <a:lvl6pPr marL="2286000" indent="0">
+              <a:buNone/>
+              <a:defRPr sz="900"/>
+            </a:lvl6pPr>
+            <a:lvl7pPr marL="2743200" indent="0">
+              <a:buNone/>
+              <a:defRPr sz="900"/>
+            </a:lvl7pPr>
+            <a:lvl8pPr marL="3200400" indent="0">
+              <a:buNone/>
+              <a:defRPr sz="900"/>
+            </a:lvl8pPr>
+            <a:lvl9pPr marL="3657600" indent="0">
+              <a:buNone/>
+              <a:defRPr sz="900"/>
+            </a:lvl9pPr>
+          </a:lstStyle>
+          <a:p>
+            <a:pPr lvl="0"/>
+            <a:r>
+              <a:rPr lang="en-US"/>
+              <a:t>Click to edit Master text styles</a:t>
+            </a:r>
+          </a:p>
+        </p:txBody>
+      </p:sp>
+      <p:sp>
+        <p:nvSpPr>
+          <p:cNvPr id="22" name="Text Placeholder 4"/>
+          <p:cNvSpPr>
+            <a:spLocks noGrp="1"/>
+          </p:cNvSpPr>
+          <p:nvPr>
+            <p:ph type="body" sz="quarter" idx="3"/>
+          </p:nvPr>
+        </p:nvSpPr>
+        <p:spPr>
+          <a:xfrm>
+            <a:off x="4442788" y="3904106"/>
+            <a:ext cx="3300984" cy="576262"/>
+          </a:xfrm>
+        </p:spPr>
+        <p:txBody>
+          <a:bodyPr anchor="b">
+            <a:noAutofit/>
+          </a:bodyPr>
+          <a:lstStyle>
+            <a:lvl1pPr marL="0" indent="0" algn="ctr">
+              <a:buNone/>
+              <a:defRPr sz="2000" b="0">
+                <a:solidFill>
+                  <a:schemeClr val="tx1"/>
                 </a:solidFill>
               </a:defRPr>
             </a:lvl1pPr>
             <a:lvl2pPr marL="457200" indent="0">
               <a:buNone/>
-              <a:defRPr sz="1800">
-                <a:solidFill>
-                  <a:schemeClr val="tx1">
-                    <a:tint val="75000"/>
-                  </a:schemeClr>
-                </a:solidFill>
-              </a:defRPr>
+              <a:defRPr sz="2000" b="1"/>
             </a:lvl2pPr>
             <a:lvl3pPr marL="914400" indent="0">
               <a:buNone/>
-              <a:defRPr sz="1600">
-                <a:solidFill>
-                  <a:schemeClr val="tx1">
-                    <a:tint val="75000"/>
-                  </a:schemeClr>
-                </a:solidFill>
-              </a:defRPr>
+              <a:defRPr sz="1800" b="1"/>
             </a:lvl3pPr>
             <a:lvl4pPr marL="1371600" indent="0">
               <a:buNone/>
-              <a:defRPr sz="1400">
-                <a:solidFill>
-                  <a:schemeClr val="tx1">
-                    <a:tint val="75000"/>
-                  </a:schemeClr>
-                </a:solidFill>
-              </a:defRPr>
+              <a:defRPr sz="1600" b="1"/>
             </a:lvl4pPr>
             <a:lvl5pPr marL="1828800" indent="0">
               <a:buNone/>
-              <a:defRPr sz="1400">
-                <a:solidFill>
-                  <a:schemeClr val="tx1">
-                    <a:tint val="75000"/>
-                  </a:schemeClr>
-                </a:solidFill>
-              </a:defRPr>
+              <a:defRPr sz="1600" b="1"/>
             </a:lvl5pPr>
             <a:lvl6pPr marL="2286000" indent="0">
               <a:buNone/>
-              <a:defRPr sz="1400">
-                <a:solidFill>
-                  <a:schemeClr val="tx1">
-                    <a:tint val="75000"/>
-                  </a:schemeClr>
-                </a:solidFill>
-              </a:defRPr>
+              <a:defRPr sz="1600" b="1"/>
             </a:lvl6pPr>
             <a:lvl7pPr marL="2743200" indent="0">
               <a:buNone/>
-              <a:defRPr sz="1400">
-                <a:solidFill>
-                  <a:schemeClr val="tx1">
-                    <a:tint val="75000"/>
-                  </a:schemeClr>
-                </a:solidFill>
-              </a:defRPr>
+              <a:defRPr sz="1600" b="1"/>
             </a:lvl7pPr>
             <a:lvl8pPr marL="3200400" indent="0">
               <a:buNone/>
-              <a:defRPr sz="1400">
-                <a:solidFill>
-                  <a:schemeClr val="tx1">
-                    <a:tint val="75000"/>
-                  </a:schemeClr>
-                </a:solidFill>
-              </a:defRPr>
+              <a:defRPr sz="1600" b="1"/>
             </a:lvl8pPr>
             <a:lvl9pPr marL="3657600" indent="0">
               <a:buNone/>
-              <a:defRPr sz="1400">
-                <a:solidFill>
-                  <a:schemeClr val="tx1">
-                    <a:tint val="75000"/>
-                  </a:schemeClr>
-                </a:solidFill>
-              </a:defRPr>
+              <a:defRPr sz="1600" b="1"/>
             </a:lvl9pPr>
           </a:lstStyle>
           <a:p>
@@ -2423,7 +2504,370 @@
       </p:sp>
       <p:sp>
         <p:nvSpPr>
-          <p:cNvPr id="4" name="Date Placeholder 3"/>
+          <p:cNvPr id="23" name="Picture Placeholder 2"/>
+          <p:cNvSpPr>
+            <a:spLocks noGrp="1" noChangeAspect="1"/>
+          </p:cNvSpPr>
+          <p:nvPr>
+            <p:ph type="pic" idx="21"/>
+          </p:nvPr>
+        </p:nvSpPr>
+        <p:spPr>
+          <a:xfrm>
+            <a:off x="4545743" y="1939094"/>
+            <a:ext cx="3092368" cy="1608164"/>
+          </a:xfrm>
+          <a:prstGeom prst="roundRect">
+            <a:avLst>
+              <a:gd name="adj" fmla="val 1858"/>
+            </a:avLst>
+          </a:prstGeom>
+          <a:effectLst>
+            <a:outerShdw blurRad="38100" dist="25400" dir="4440000">
+              <a:srgbClr val="000000">
+                <a:alpha val="36000"/>
+              </a:srgbClr>
+            </a:outerShdw>
+          </a:effectLst>
+        </p:spPr>
+        <p:txBody>
+          <a:bodyPr anchor="t">
+            <a:normAutofit/>
+          </a:bodyPr>
+          <a:lstStyle>
+            <a:lvl1pPr marL="0" indent="0" algn="ctr">
+              <a:buNone/>
+              <a:defRPr sz="1600"/>
+            </a:lvl1pPr>
+            <a:lvl2pPr marL="457200" indent="0">
+              <a:buNone/>
+              <a:defRPr sz="1600"/>
+            </a:lvl2pPr>
+            <a:lvl3pPr marL="914400" indent="0">
+              <a:buNone/>
+              <a:defRPr sz="1600"/>
+            </a:lvl3pPr>
+            <a:lvl4pPr marL="1371600" indent="0">
+              <a:buNone/>
+              <a:defRPr sz="1600"/>
+            </a:lvl4pPr>
+            <a:lvl5pPr marL="1828800" indent="0">
+              <a:buNone/>
+              <a:defRPr sz="1600"/>
+            </a:lvl5pPr>
+            <a:lvl6pPr marL="2286000" indent="0">
+              <a:buNone/>
+              <a:defRPr sz="1600"/>
+            </a:lvl6pPr>
+            <a:lvl7pPr marL="2743200" indent="0">
+              <a:buNone/>
+              <a:defRPr sz="1600"/>
+            </a:lvl7pPr>
+            <a:lvl8pPr marL="3200400" indent="0">
+              <a:buNone/>
+              <a:defRPr sz="1600"/>
+            </a:lvl8pPr>
+            <a:lvl9pPr marL="3657600" indent="0">
+              <a:buNone/>
+              <a:defRPr sz="1600"/>
+            </a:lvl9pPr>
+          </a:lstStyle>
+          <a:p>
+            <a:r>
+              <a:rPr lang="en-US"/>
+              <a:t>Click icon to add picture</a:t>
+            </a:r>
+            <a:endParaRPr lang="en-US" dirty="0"/>
+          </a:p>
+        </p:txBody>
+      </p:sp>
+      <p:sp>
+        <p:nvSpPr>
+          <p:cNvPr id="24" name="Text Placeholder 3"/>
+          <p:cNvSpPr>
+            <a:spLocks noGrp="1"/>
+          </p:cNvSpPr>
+          <p:nvPr>
+            <p:ph type="body" sz="half" idx="19"/>
+          </p:nvPr>
+        </p:nvSpPr>
+        <p:spPr>
+          <a:xfrm>
+            <a:off x="4441435" y="4480367"/>
+            <a:ext cx="3300984" cy="1310833"/>
+          </a:xfrm>
+        </p:spPr>
+        <p:txBody>
+          <a:bodyPr anchor="t">
+            <a:normAutofit/>
+          </a:bodyPr>
+          <a:lstStyle>
+            <a:lvl1pPr marL="0" indent="0" algn="ctr">
+              <a:buNone/>
+              <a:defRPr sz="1400"/>
+            </a:lvl1pPr>
+            <a:lvl2pPr marL="457200" indent="0">
+              <a:buNone/>
+              <a:defRPr sz="1200"/>
+            </a:lvl2pPr>
+            <a:lvl3pPr marL="914400" indent="0">
+              <a:buNone/>
+              <a:defRPr sz="1000"/>
+            </a:lvl3pPr>
+            <a:lvl4pPr marL="1371600" indent="0">
+              <a:buNone/>
+              <a:defRPr sz="900"/>
+            </a:lvl4pPr>
+            <a:lvl5pPr marL="1828800" indent="0">
+              <a:buNone/>
+              <a:defRPr sz="900"/>
+            </a:lvl5pPr>
+            <a:lvl6pPr marL="2286000" indent="0">
+              <a:buNone/>
+              <a:defRPr sz="900"/>
+            </a:lvl6pPr>
+            <a:lvl7pPr marL="2743200" indent="0">
+              <a:buNone/>
+              <a:defRPr sz="900"/>
+            </a:lvl7pPr>
+            <a:lvl8pPr marL="3200400" indent="0">
+              <a:buNone/>
+              <a:defRPr sz="900"/>
+            </a:lvl8pPr>
+            <a:lvl9pPr marL="3657600" indent="0">
+              <a:buNone/>
+              <a:defRPr sz="900"/>
+            </a:lvl9pPr>
+          </a:lstStyle>
+          <a:p>
+            <a:pPr lvl="0"/>
+            <a:r>
+              <a:rPr lang="en-US"/>
+              <a:t>Click to edit Master text styles</a:t>
+            </a:r>
+          </a:p>
+        </p:txBody>
+      </p:sp>
+      <p:sp>
+        <p:nvSpPr>
+          <p:cNvPr id="25" name="Text Placeholder 4"/>
+          <p:cNvSpPr>
+            <a:spLocks noGrp="1"/>
+          </p:cNvSpPr>
+          <p:nvPr>
+            <p:ph type="body" sz="quarter" idx="13"/>
+          </p:nvPr>
+        </p:nvSpPr>
+        <p:spPr>
+          <a:xfrm>
+            <a:off x="7966697" y="3904106"/>
+            <a:ext cx="3300984" cy="576262"/>
+          </a:xfrm>
+        </p:spPr>
+        <p:txBody>
+          <a:bodyPr anchor="b">
+            <a:noAutofit/>
+          </a:bodyPr>
+          <a:lstStyle>
+            <a:lvl1pPr marL="0" indent="0" algn="ctr">
+              <a:buNone/>
+              <a:defRPr sz="2000" b="0">
+                <a:solidFill>
+                  <a:schemeClr val="tx1"/>
+                </a:solidFill>
+              </a:defRPr>
+            </a:lvl1pPr>
+            <a:lvl2pPr marL="457200" indent="0">
+              <a:buNone/>
+              <a:defRPr sz="2000" b="1"/>
+            </a:lvl2pPr>
+            <a:lvl3pPr marL="914400" indent="0">
+              <a:buNone/>
+              <a:defRPr sz="1800" b="1"/>
+            </a:lvl3pPr>
+            <a:lvl4pPr marL="1371600" indent="0">
+              <a:buNone/>
+              <a:defRPr sz="1600" b="1"/>
+            </a:lvl4pPr>
+            <a:lvl5pPr marL="1828800" indent="0">
+              <a:buNone/>
+              <a:defRPr sz="1600" b="1"/>
+            </a:lvl5pPr>
+            <a:lvl6pPr marL="2286000" indent="0">
+              <a:buNone/>
+              <a:defRPr sz="1600" b="1"/>
+            </a:lvl6pPr>
+            <a:lvl7pPr marL="2743200" indent="0">
+              <a:buNone/>
+              <a:defRPr sz="1600" b="1"/>
+            </a:lvl7pPr>
+            <a:lvl8pPr marL="3200400" indent="0">
+              <a:buNone/>
+              <a:defRPr sz="1600" b="1"/>
+            </a:lvl8pPr>
+            <a:lvl9pPr marL="3657600" indent="0">
+              <a:buNone/>
+              <a:defRPr sz="1600" b="1"/>
+            </a:lvl9pPr>
+          </a:lstStyle>
+          <a:p>
+            <a:pPr lvl="0"/>
+            <a:r>
+              <a:rPr lang="en-US"/>
+              <a:t>Click to edit Master text styles</a:t>
+            </a:r>
+          </a:p>
+        </p:txBody>
+      </p:sp>
+      <p:sp>
+        <p:nvSpPr>
+          <p:cNvPr id="26" name="Picture Placeholder 2"/>
+          <p:cNvSpPr>
+            <a:spLocks noGrp="1" noChangeAspect="1"/>
+          </p:cNvSpPr>
+          <p:nvPr>
+            <p:ph type="pic" idx="22"/>
+          </p:nvPr>
+        </p:nvSpPr>
+        <p:spPr>
+          <a:xfrm>
+            <a:off x="8075698" y="1934432"/>
+            <a:ext cx="3092368" cy="1607294"/>
+          </a:xfrm>
+          <a:prstGeom prst="roundRect">
+            <a:avLst>
+              <a:gd name="adj" fmla="val 1858"/>
+            </a:avLst>
+          </a:prstGeom>
+          <a:effectLst>
+            <a:outerShdw blurRad="38100" dist="25400" dir="4440000">
+              <a:srgbClr val="000000">
+                <a:alpha val="36000"/>
+              </a:srgbClr>
+            </a:outerShdw>
+          </a:effectLst>
+        </p:spPr>
+        <p:txBody>
+          <a:bodyPr anchor="t">
+            <a:normAutofit/>
+          </a:bodyPr>
+          <a:lstStyle>
+            <a:lvl1pPr marL="0" indent="0" algn="ctr">
+              <a:buNone/>
+              <a:defRPr sz="1600"/>
+            </a:lvl1pPr>
+            <a:lvl2pPr marL="457200" indent="0">
+              <a:buNone/>
+              <a:defRPr sz="1600"/>
+            </a:lvl2pPr>
+            <a:lvl3pPr marL="914400" indent="0">
+              <a:buNone/>
+              <a:defRPr sz="1600"/>
+            </a:lvl3pPr>
+            <a:lvl4pPr marL="1371600" indent="0">
+              <a:buNone/>
+              <a:defRPr sz="1600"/>
+            </a:lvl4pPr>
+            <a:lvl5pPr marL="1828800" indent="0">
+              <a:buNone/>
+              <a:defRPr sz="1600"/>
+            </a:lvl5pPr>
+            <a:lvl6pPr marL="2286000" indent="0">
+              <a:buNone/>
+              <a:defRPr sz="1600"/>
+            </a:lvl6pPr>
+            <a:lvl7pPr marL="2743200" indent="0">
+              <a:buNone/>
+              <a:defRPr sz="1600"/>
+            </a:lvl7pPr>
+            <a:lvl8pPr marL="3200400" indent="0">
+              <a:buNone/>
+              <a:defRPr sz="1600"/>
+            </a:lvl8pPr>
+            <a:lvl9pPr marL="3657600" indent="0">
+              <a:buNone/>
+              <a:defRPr sz="1600"/>
+            </a:lvl9pPr>
+          </a:lstStyle>
+          <a:p>
+            <a:r>
+              <a:rPr lang="en-US"/>
+              <a:t>Click icon to add picture</a:t>
+            </a:r>
+            <a:endParaRPr lang="en-US" dirty="0"/>
+          </a:p>
+        </p:txBody>
+      </p:sp>
+      <p:sp>
+        <p:nvSpPr>
+          <p:cNvPr id="27" name="Text Placeholder 3"/>
+          <p:cNvSpPr>
+            <a:spLocks noGrp="1"/>
+          </p:cNvSpPr>
+          <p:nvPr>
+            <p:ph type="body" sz="half" idx="20"/>
+          </p:nvPr>
+        </p:nvSpPr>
+        <p:spPr>
+          <a:xfrm>
+            <a:off x="7966572" y="4480365"/>
+            <a:ext cx="3300984" cy="1310835"/>
+          </a:xfrm>
+        </p:spPr>
+        <p:txBody>
+          <a:bodyPr anchor="t">
+            <a:normAutofit/>
+          </a:bodyPr>
+          <a:lstStyle>
+            <a:lvl1pPr marL="0" indent="0" algn="ctr">
+              <a:buNone/>
+              <a:defRPr sz="1400"/>
+            </a:lvl1pPr>
+            <a:lvl2pPr marL="457200" indent="0">
+              <a:buNone/>
+              <a:defRPr sz="1200"/>
+            </a:lvl2pPr>
+            <a:lvl3pPr marL="914400" indent="0">
+              <a:buNone/>
+              <a:defRPr sz="1000"/>
+            </a:lvl3pPr>
+            <a:lvl4pPr marL="1371600" indent="0">
+              <a:buNone/>
+              <a:defRPr sz="900"/>
+            </a:lvl4pPr>
+            <a:lvl5pPr marL="1828800" indent="0">
+              <a:buNone/>
+              <a:defRPr sz="900"/>
+            </a:lvl5pPr>
+            <a:lvl6pPr marL="2286000" indent="0">
+              <a:buNone/>
+              <a:defRPr sz="900"/>
+            </a:lvl6pPr>
+            <a:lvl7pPr marL="2743200" indent="0">
+              <a:buNone/>
+              <a:defRPr sz="900"/>
+            </a:lvl7pPr>
+            <a:lvl8pPr marL="3200400" indent="0">
+              <a:buNone/>
+              <a:defRPr sz="900"/>
+            </a:lvl8pPr>
+            <a:lvl9pPr marL="3657600" indent="0">
+              <a:buNone/>
+              <a:defRPr sz="900"/>
+            </a:lvl9pPr>
+          </a:lstStyle>
+          <a:p>
+            <a:pPr lvl="0"/>
+            <a:r>
+              <a:rPr lang="en-US"/>
+              <a:t>Click to edit Master text styles</a:t>
+            </a:r>
+          </a:p>
+        </p:txBody>
+      </p:sp>
+      <p:sp>
+        <p:nvSpPr>
+          <p:cNvPr id="3" name="Date Placeholder 2"/>
           <p:cNvSpPr>
             <a:spLocks noGrp="1"/>
           </p:cNvSpPr>
@@ -2446,7 +2890,7 @@
       </p:sp>
       <p:sp>
         <p:nvSpPr>
-          <p:cNvPr id="5" name="Footer Placeholder 4"/>
+          <p:cNvPr id="4" name="Footer Placeholder 3"/>
           <p:cNvSpPr>
             <a:spLocks noGrp="1"/>
           </p:cNvSpPr>
@@ -2465,7 +2909,7 @@
       </p:sp>
       <p:sp>
         <p:nvSpPr>
-          <p:cNvPr id="6" name="Slide Number Placeholder 5"/>
+          <p:cNvPr id="5" name="Slide Number Placeholder 4"/>
           <p:cNvSpPr>
             <a:spLocks noGrp="1"/>
           </p:cNvSpPr>
@@ -2489,7 +2933,7 @@
     </p:spTree>
     <p:extLst>
       <p:ext uri="{BB962C8B-B14F-4D97-AF65-F5344CB8AC3E}">
-        <p14:creationId xmlns:p14="http://schemas.microsoft.com/office/powerpoint/2010/main" val="69213685"/>
+        <p14:creationId xmlns:p14="http://schemas.microsoft.com/office/powerpoint/2010/main" val="1954559581"/>
       </p:ext>
     </p:extLst>
   </p:cSld>
@@ -2499,7 +2943,7 @@
 </p:sldLayout>
 </file>
 
-<file path=ppt/slideLayouts/slideLayout15.xml><?xml version="1.0" encoding="utf-8"?>
+<file path=ppt/slideLayouts/slideLayout16.xml><?xml version="1.0" encoding="utf-8"?>
 <p:sldLayout xmlns:a="http://schemas.openxmlformats.org/drawingml/2006/main" xmlns:r="http://schemas.openxmlformats.org/officeDocument/2006/relationships" xmlns:p="http://schemas.openxmlformats.org/presentationml/2006/main" type="vertTx" preserve="1">
   <p:cSld name="Title and Vertical Text">
     <p:spTree>
@@ -2551,7 +2995,7 @@
         </p:nvSpPr>
         <p:spPr/>
         <p:txBody>
-          <a:bodyPr vert="eaVert"/>
+          <a:bodyPr vert="eaVert" anchor="t"/>
           <a:lstStyle/>
           <a:p>
             <a:pPr lvl="0"/>
@@ -2659,7 +3103,7 @@
     </p:spTree>
     <p:extLst>
       <p:ext uri="{BB962C8B-B14F-4D97-AF65-F5344CB8AC3E}">
-        <p14:creationId xmlns:p14="http://schemas.microsoft.com/office/powerpoint/2010/main" val="3373066060"/>
+        <p14:creationId xmlns:p14="http://schemas.microsoft.com/office/powerpoint/2010/main" val="558540972"/>
       </p:ext>
     </p:extLst>
   </p:cSld>
@@ -2669,7 +3113,7 @@
 </p:sldLayout>
 </file>
 
-<file path=ppt/slideLayouts/slideLayout16.xml><?xml version="1.0" encoding="utf-8"?>
+<file path=ppt/slideLayouts/slideLayout17.xml><?xml version="1.0" encoding="utf-8"?>
 <p:sldLayout xmlns:a="http://schemas.openxmlformats.org/drawingml/2006/main" xmlns:r="http://schemas.openxmlformats.org/officeDocument/2006/relationships" xmlns:p="http://schemas.openxmlformats.org/presentationml/2006/main" type="vertTitleAndTx" preserve="1">
   <p:cSld name="Vertical Title and Text">
     <p:spTree>
@@ -2698,13 +3142,17 @@
         </p:nvSpPr>
         <p:spPr>
           <a:xfrm>
-            <a:off x="7967673" y="609599"/>
-            <a:ext cx="1304743" cy="5251451"/>
+            <a:off x="8983068" y="609599"/>
+            <a:ext cx="2284487" cy="5181601"/>
           </a:xfrm>
         </p:spPr>
         <p:txBody>
-          <a:bodyPr vert="eaVert" anchor="ctr"/>
-          <a:lstStyle/>
+          <a:bodyPr vert="eaVert"/>
+          <a:lstStyle>
+            <a:lvl1pPr algn="l">
+              <a:defRPr/>
+            </a:lvl1pPr>
+          </a:lstStyle>
           <a:p>
             <a:r>
               <a:rPr lang="en-US"/>
@@ -2726,12 +3174,12 @@
         </p:nvSpPr>
         <p:spPr>
           <a:xfrm>
-            <a:off x="677335" y="609600"/>
-            <a:ext cx="7060150" cy="5251450"/>
+            <a:off x="913796" y="609599"/>
+            <a:ext cx="7916872" cy="5181601"/>
           </a:xfrm>
         </p:spPr>
         <p:txBody>
-          <a:bodyPr vert="eaVert"/>
+          <a:bodyPr vert="eaVert" anchor="t"/>
           <a:lstStyle/>
           <a:p>
             <a:pPr lvl="0"/>
@@ -2839,7 +3287,7 @@
     </p:spTree>
     <p:extLst>
       <p:ext uri="{BB962C8B-B14F-4D97-AF65-F5344CB8AC3E}">
-        <p14:creationId xmlns:p14="http://schemas.microsoft.com/office/powerpoint/2010/main" val="3154065439"/>
+        <p14:creationId xmlns:p14="http://schemas.microsoft.com/office/powerpoint/2010/main" val="1705964103"/>
       </p:ext>
     </p:extLst>
   </p:cSld>
@@ -2878,14 +3326,8 @@
         </p:nvSpPr>
         <p:spPr/>
         <p:txBody>
-          <a:bodyPr>
-            <a:normAutofit/>
-          </a:bodyPr>
-          <a:lstStyle>
-            <a:lvl1pPr>
-              <a:defRPr sz="3600"/>
-            </a:lvl1pPr>
-          </a:lstStyle>
+          <a:bodyPr/>
+          <a:lstStyle/>
           <a:p>
             <a:r>
               <a:rPr lang="en-US"/>
@@ -3015,7 +3457,7 @@
     </p:spTree>
     <p:extLst>
       <p:ext uri="{BB962C8B-B14F-4D97-AF65-F5344CB8AC3E}">
-        <p14:creationId xmlns:p14="http://schemas.microsoft.com/office/powerpoint/2010/main" val="3462603034"/>
+        <p14:creationId xmlns:p14="http://schemas.microsoft.com/office/powerpoint/2010/main" val="860748189"/>
       </p:ext>
     </p:extLst>
   </p:cSld>
@@ -3054,14 +3496,14 @@
         </p:nvSpPr>
         <p:spPr>
           <a:xfrm>
-            <a:off x="677335" y="2700867"/>
-            <a:ext cx="8596668" cy="1826581"/>
+            <a:off x="1295401" y="1761067"/>
+            <a:ext cx="9590550" cy="1828813"/>
           </a:xfrm>
         </p:spPr>
         <p:txBody>
           <a:bodyPr anchor="b"/>
           <a:lstStyle>
-            <a:lvl1pPr algn="l">
+            <a:lvl1pPr algn="ctr">
               <a:defRPr sz="4000" b="0" cap="none"/>
             </a:lvl1pPr>
           </a:lstStyle>
@@ -3086,21 +3528,18 @@
         </p:nvSpPr>
         <p:spPr>
           <a:xfrm>
-            <a:off x="677335" y="4527448"/>
-            <a:ext cx="8596668" cy="860400"/>
+            <a:off x="1295401" y="3589879"/>
+            <a:ext cx="9590550" cy="1507054"/>
           </a:xfrm>
         </p:spPr>
         <p:txBody>
           <a:bodyPr anchor="t"/>
           <a:lstStyle>
-            <a:lvl1pPr marL="0" indent="0" algn="l">
+            <a:lvl1pPr marL="0" indent="0" algn="ctr">
               <a:buNone/>
               <a:defRPr sz="2000">
                 <a:solidFill>
-                  <a:schemeClr val="tx1">
-                    <a:lumMod val="50000"/>
-                    <a:lumOff val="50000"/>
-                  </a:schemeClr>
+                  <a:schemeClr val="tx1"/>
                 </a:solidFill>
               </a:defRPr>
             </a:lvl1pPr>
@@ -3262,7 +3701,7 @@
     </p:spTree>
     <p:extLst>
       <p:ext uri="{BB962C8B-B14F-4D97-AF65-F5344CB8AC3E}">
-        <p14:creationId xmlns:p14="http://schemas.microsoft.com/office/powerpoint/2010/main" val="691593972"/>
+        <p14:creationId xmlns:p14="http://schemas.microsoft.com/office/powerpoint/2010/main" val="3741493293"/>
       </p:ext>
     </p:extLst>
   </p:cSld>
@@ -3324,12 +3763,14 @@
         </p:nvSpPr>
         <p:spPr>
           <a:xfrm>
-            <a:off x="677334" y="2160589"/>
-            <a:ext cx="4184035" cy="3880772"/>
+            <a:off x="913795" y="1732449"/>
+            <a:ext cx="5060497" cy="4058750"/>
           </a:xfrm>
         </p:spPr>
         <p:txBody>
-          <a:bodyPr/>
+          <a:bodyPr anchor="t">
+            <a:normAutofit/>
+          </a:bodyPr>
           <a:lstStyle/>
           <a:p>
             <a:pPr lvl="0"/>
@@ -3381,12 +3822,14 @@
         </p:nvSpPr>
         <p:spPr>
           <a:xfrm>
-            <a:off x="5089970" y="2160589"/>
-            <a:ext cx="4184034" cy="3880773"/>
+            <a:off x="6202892" y="1732449"/>
+            <a:ext cx="5064665" cy="4058751"/>
           </a:xfrm>
         </p:spPr>
         <p:txBody>
-          <a:bodyPr/>
+          <a:bodyPr anchor="t">
+            <a:normAutofit/>
+          </a:bodyPr>
           <a:lstStyle/>
           <a:p>
             <a:pPr lvl="0"/>
@@ -3494,7 +3937,7 @@
     </p:spTree>
     <p:extLst>
       <p:ext uri="{BB962C8B-B14F-4D97-AF65-F5344CB8AC3E}">
-        <p14:creationId xmlns:p14="http://schemas.microsoft.com/office/powerpoint/2010/main" val="2200097749"/>
+        <p14:creationId xmlns:p14="http://schemas.microsoft.com/office/powerpoint/2010/main" val="72237192"/>
       </p:ext>
     </p:extLst>
   </p:cSld>
@@ -3521,6 +3964,66 @@
           <a:chExt cx="0" cy="0"/>
         </a:xfrm>
       </p:grpSpPr>
+      <p:pic>
+        <p:nvPicPr>
+          <p:cNvPr id="20" name="Picture 19" descr="Slate-V2-HD-compPhotoInset.png"/>
+          <p:cNvPicPr>
+            <a:picLocks noChangeAspect="1"/>
+          </p:cNvPicPr>
+          <p:nvPr/>
+        </p:nvPicPr>
+        <p:blipFill>
+          <a:blip r:embed="rId2">
+            <a:extLst>
+              <a:ext uri="{28A0092B-C50C-407E-A947-70E740481C1C}">
+                <a14:useLocalDpi xmlns:a14="http://schemas.microsoft.com/office/drawing/2010/main" val="0"/>
+              </a:ext>
+            </a:extLst>
+          </a:blip>
+          <a:stretch>
+            <a:fillRect/>
+          </a:stretch>
+        </p:blipFill>
+        <p:spPr>
+          <a:xfrm>
+            <a:off x="913795" y="1734506"/>
+            <a:ext cx="5089072" cy="4148769"/>
+          </a:xfrm>
+          <a:prstGeom prst="rect">
+            <a:avLst/>
+          </a:prstGeom>
+        </p:spPr>
+      </p:pic>
+      <p:pic>
+        <p:nvPicPr>
+          <p:cNvPr id="21" name="Picture 20" descr="Slate-V2-HD-compPhotoInset.png"/>
+          <p:cNvPicPr>
+            <a:picLocks noChangeAspect="1"/>
+          </p:cNvPicPr>
+          <p:nvPr/>
+        </p:nvPicPr>
+        <p:blipFill>
+          <a:blip r:embed="rId2">
+            <a:extLst>
+              <a:ext uri="{28A0092B-C50C-407E-A947-70E740481C1C}">
+                <a14:useLocalDpi xmlns:a14="http://schemas.microsoft.com/office/drawing/2010/main" val="0"/>
+              </a:ext>
+            </a:extLst>
+          </a:blip>
+          <a:stretch>
+            <a:fillRect/>
+          </a:stretch>
+        </p:blipFill>
+        <p:spPr>
+          <a:xfrm>
+            <a:off x="6178485" y="1734506"/>
+            <a:ext cx="5089072" cy="4148769"/>
+          </a:xfrm>
+          <a:prstGeom prst="rect">
+            <a:avLst/>
+          </a:prstGeom>
+        </p:spPr>
+      </p:pic>
       <p:sp>
         <p:nvSpPr>
           <p:cNvPr id="2" name="Title 1"/>
@@ -3560,8 +4063,8 @@
         </p:nvSpPr>
         <p:spPr>
           <a:xfrm>
-            <a:off x="675745" y="2160983"/>
-            <a:ext cx="4185623" cy="576262"/>
+            <a:off x="1005872" y="1835254"/>
+            <a:ext cx="4876344" cy="544884"/>
           </a:xfrm>
         </p:spPr>
         <p:txBody>
@@ -3569,7 +4072,7 @@
             <a:noAutofit/>
           </a:bodyPr>
           <a:lstStyle>
-            <a:lvl1pPr marL="0" indent="0">
+            <a:lvl1pPr marL="0" indent="0" algn="ctr">
               <a:buNone/>
               <a:defRPr sz="2400" b="0"/>
             </a:lvl1pPr>
@@ -3627,15 +4130,31 @@
         </p:nvSpPr>
         <p:spPr>
           <a:xfrm>
-            <a:off x="675745" y="2737245"/>
-            <a:ext cx="4185623" cy="3304117"/>
+            <a:off x="1005872" y="2380137"/>
+            <a:ext cx="4876344" cy="3411063"/>
           </a:xfrm>
         </p:spPr>
         <p:txBody>
-          <a:bodyPr>
+          <a:bodyPr anchor="t">
             <a:normAutofit/>
           </a:bodyPr>
-          <a:lstStyle/>
+          <a:lstStyle>
+            <a:lvl1pPr>
+              <a:defRPr sz="1800"/>
+            </a:lvl1pPr>
+            <a:lvl2pPr>
+              <a:defRPr sz="1600"/>
+            </a:lvl2pPr>
+            <a:lvl3pPr>
+              <a:defRPr sz="1400"/>
+            </a:lvl3pPr>
+            <a:lvl4pPr>
+              <a:defRPr sz="1200"/>
+            </a:lvl4pPr>
+            <a:lvl5pPr>
+              <a:defRPr sz="1200"/>
+            </a:lvl5pPr>
+          </a:lstStyle>
           <a:p>
             <a:pPr lvl="0"/>
             <a:r>
@@ -3686,8 +4205,8 @@
         </p:nvSpPr>
         <p:spPr>
           <a:xfrm>
-            <a:off x="5088383" y="2160983"/>
-            <a:ext cx="4185618" cy="576262"/>
+            <a:off x="6294967" y="1835254"/>
+            <a:ext cx="4895330" cy="544883"/>
           </a:xfrm>
         </p:spPr>
         <p:txBody>
@@ -3695,7 +4214,7 @@
             <a:noAutofit/>
           </a:bodyPr>
           <a:lstStyle>
-            <a:lvl1pPr marL="0" indent="0">
+            <a:lvl1pPr marL="0" indent="0" algn="ctr">
               <a:buNone/>
               <a:defRPr sz="2400" b="0"/>
             </a:lvl1pPr>
@@ -3753,15 +4272,31 @@
         </p:nvSpPr>
         <p:spPr>
           <a:xfrm>
-            <a:off x="5088384" y="2737245"/>
-            <a:ext cx="4185617" cy="3304117"/>
+            <a:off x="6294967" y="2380137"/>
+            <a:ext cx="4895330" cy="3411063"/>
           </a:xfrm>
         </p:spPr>
         <p:txBody>
-          <a:bodyPr>
+          <a:bodyPr anchor="t">
             <a:normAutofit/>
           </a:bodyPr>
-          <a:lstStyle/>
+          <a:lstStyle>
+            <a:lvl1pPr>
+              <a:defRPr sz="1800"/>
+            </a:lvl1pPr>
+            <a:lvl2pPr>
+              <a:defRPr sz="1600"/>
+            </a:lvl2pPr>
+            <a:lvl3pPr>
+              <a:defRPr sz="1400"/>
+            </a:lvl3pPr>
+            <a:lvl4pPr>
+              <a:defRPr sz="1200"/>
+            </a:lvl4pPr>
+            <a:lvl5pPr>
+              <a:defRPr sz="1200"/>
+            </a:lvl5pPr>
+          </a:lstStyle>
           <a:p>
             <a:pPr lvl="0"/>
             <a:r>
@@ -3868,7 +4403,7 @@
     </p:spTree>
     <p:extLst>
       <p:ext uri="{BB962C8B-B14F-4D97-AF65-F5344CB8AC3E}">
-        <p14:creationId xmlns:p14="http://schemas.microsoft.com/office/powerpoint/2010/main" val="3164875818"/>
+        <p14:creationId xmlns:p14="http://schemas.microsoft.com/office/powerpoint/2010/main" val="442937367"/>
       </p:ext>
     </p:extLst>
   </p:cSld>
@@ -3905,12 +4440,7 @@
             <p:ph type="title"/>
           </p:nvPr>
         </p:nvSpPr>
-        <p:spPr>
-          <a:xfrm>
-            <a:off x="677334" y="609600"/>
-            <a:ext cx="8596668" cy="1320800"/>
-          </a:xfrm>
-        </p:spPr>
+        <p:spPr/>
         <p:txBody>
           <a:bodyPr/>
           <a:lstStyle/>
@@ -3991,7 +4521,7 @@
     </p:spTree>
     <p:extLst>
       <p:ext uri="{BB962C8B-B14F-4D97-AF65-F5344CB8AC3E}">
-        <p14:creationId xmlns:p14="http://schemas.microsoft.com/office/powerpoint/2010/main" val="1436812298"/>
+        <p14:creationId xmlns:p14="http://schemas.microsoft.com/office/powerpoint/2010/main" val="4017839194"/>
       </p:ext>
     </p:extLst>
   </p:cSld>
@@ -4086,7 +4616,7 @@
     </p:spTree>
     <p:extLst>
       <p:ext uri="{BB962C8B-B14F-4D97-AF65-F5344CB8AC3E}">
-        <p14:creationId xmlns:p14="http://schemas.microsoft.com/office/powerpoint/2010/main" val="3518103308"/>
+        <p14:creationId xmlns:p14="http://schemas.microsoft.com/office/powerpoint/2010/main" val="3334467013"/>
       </p:ext>
     </p:extLst>
   </p:cSld>
@@ -4125,8 +4655,8 @@
         </p:nvSpPr>
         <p:spPr>
           <a:xfrm>
-            <a:off x="677334" y="1498604"/>
-            <a:ext cx="3854528" cy="1278466"/>
+            <a:off x="913795" y="609600"/>
+            <a:ext cx="3706889" cy="1821918"/>
           </a:xfrm>
         </p:spPr>
         <p:txBody>
@@ -4134,8 +4664,8 @@
             <a:normAutofit/>
           </a:bodyPr>
           <a:lstStyle>
-            <a:lvl1pPr>
-              <a:defRPr sz="2000"/>
+            <a:lvl1pPr algn="ctr">
+              <a:defRPr sz="2400" b="0"/>
             </a:lvl1pPr>
           </a:lstStyle>
           <a:p>
@@ -4159,8 +4689,8 @@
         </p:nvSpPr>
         <p:spPr>
           <a:xfrm>
-            <a:off x="4760461" y="514924"/>
-            <a:ext cx="4513541" cy="5526437"/>
+            <a:off x="4855633" y="609600"/>
+            <a:ext cx="6411924" cy="5181600"/>
           </a:xfrm>
         </p:spPr>
         <p:txBody>
@@ -4218,50 +4748,50 @@
         </p:nvSpPr>
         <p:spPr>
           <a:xfrm>
-            <a:off x="677334" y="2777069"/>
-            <a:ext cx="3854528" cy="2584449"/>
+            <a:off x="913795" y="2431518"/>
+            <a:ext cx="3706889" cy="3359681"/>
           </a:xfrm>
         </p:spPr>
         <p:txBody>
-          <a:bodyPr>
+          <a:bodyPr anchor="t">
             <a:normAutofit/>
           </a:bodyPr>
           <a:lstStyle>
-            <a:lvl1pPr marL="0" indent="0">
-              <a:buNone/>
-              <a:defRPr sz="1400"/>
+            <a:lvl1pPr marL="0" indent="0" algn="ctr">
+              <a:buNone/>
+              <a:defRPr sz="1600"/>
             </a:lvl1pPr>
-            <a:lvl2pPr marL="457063" indent="0">
-              <a:buNone/>
-              <a:defRPr sz="1400"/>
+            <a:lvl2pPr marL="457200" indent="0">
+              <a:buNone/>
+              <a:defRPr sz="1200"/>
             </a:lvl2pPr>
-            <a:lvl3pPr marL="914126" indent="0">
-              <a:buNone/>
-              <a:defRPr sz="1200"/>
+            <a:lvl3pPr marL="914400" indent="0">
+              <a:buNone/>
+              <a:defRPr sz="1000"/>
             </a:lvl3pPr>
-            <a:lvl4pPr marL="1371189" indent="0">
-              <a:buNone/>
-              <a:defRPr sz="1000"/>
+            <a:lvl4pPr marL="1371600" indent="0">
+              <a:buNone/>
+              <a:defRPr sz="900"/>
             </a:lvl4pPr>
-            <a:lvl5pPr marL="1828251" indent="0">
-              <a:buNone/>
-              <a:defRPr sz="1000"/>
+            <a:lvl5pPr marL="1828800" indent="0">
+              <a:buNone/>
+              <a:defRPr sz="900"/>
             </a:lvl5pPr>
-            <a:lvl6pPr marL="2285314" indent="0">
-              <a:buNone/>
-              <a:defRPr sz="1000"/>
+            <a:lvl6pPr marL="2286000" indent="0">
+              <a:buNone/>
+              <a:defRPr sz="900"/>
             </a:lvl6pPr>
-            <a:lvl7pPr marL="2742377" indent="0">
-              <a:buNone/>
-              <a:defRPr sz="1000"/>
+            <a:lvl7pPr marL="2743200" indent="0">
+              <a:buNone/>
+              <a:defRPr sz="900"/>
             </a:lvl7pPr>
-            <a:lvl8pPr marL="3199440" indent="0">
-              <a:buNone/>
-              <a:defRPr sz="1000"/>
+            <a:lvl8pPr marL="3200400" indent="0">
+              <a:buNone/>
+              <a:defRPr sz="900"/>
             </a:lvl8pPr>
-            <a:lvl9pPr marL="3656503" indent="0">
-              <a:buNone/>
-              <a:defRPr sz="1000"/>
+            <a:lvl9pPr marL="3657600" indent="0">
+              <a:buNone/>
+              <a:defRPr sz="900"/>
             </a:lvl9pPr>
           </a:lstStyle>
           <a:p>
@@ -4341,7 +4871,7 @@
     </p:spTree>
     <p:extLst>
       <p:ext uri="{BB962C8B-B14F-4D97-AF65-F5344CB8AC3E}">
-        <p14:creationId xmlns:p14="http://schemas.microsoft.com/office/powerpoint/2010/main" val="2849114993"/>
+        <p14:creationId xmlns:p14="http://schemas.microsoft.com/office/powerpoint/2010/main" val="3745906218"/>
       </p:ext>
     </p:extLst>
   </p:cSld>
@@ -4368,29 +4898,59 @@
           <a:chExt cx="0" cy="0"/>
         </a:xfrm>
       </p:grpSpPr>
-      <p:sp>
-        <p:nvSpPr>
-          <p:cNvPr id="2" name="Title 1"/>
-          <p:cNvSpPr>
-            <a:spLocks noGrp="1"/>
-          </p:cNvSpPr>
-          <p:nvPr>
-            <p:ph type="title"/>
-          </p:nvPr>
-        </p:nvSpPr>
+      <p:pic>
+        <p:nvPicPr>
+          <p:cNvPr id="22" name="Picture 21" descr="Slate-V2-HD-vertPhotoInset.png"/>
+          <p:cNvPicPr>
+            <a:picLocks noChangeAspect="1"/>
+          </p:cNvPicPr>
+          <p:nvPr/>
+        </p:nvPicPr>
+        <p:blipFill>
+          <a:blip r:embed="rId2">
+            <a:extLst>
+              <a:ext uri="{28A0092B-C50C-407E-A947-70E740481C1C}">
+                <a14:useLocalDpi xmlns:a14="http://schemas.microsoft.com/office/drawing/2010/main" val="0"/>
+              </a:ext>
+            </a:extLst>
+          </a:blip>
+          <a:stretch>
+            <a:fillRect/>
+          </a:stretch>
+        </p:blipFill>
         <p:spPr>
           <a:xfrm>
-            <a:off x="677334" y="4800600"/>
-            <a:ext cx="8596667" cy="566738"/>
+            <a:off x="7293665" y="609600"/>
+            <a:ext cx="3584166" cy="5204832"/>
+          </a:xfrm>
+          <a:prstGeom prst="rect">
+            <a:avLst/>
+          </a:prstGeom>
+        </p:spPr>
+      </p:pic>
+      <p:sp>
+        <p:nvSpPr>
+          <p:cNvPr id="2" name="Title 1"/>
+          <p:cNvSpPr>
+            <a:spLocks noGrp="1"/>
+          </p:cNvSpPr>
+          <p:nvPr>
+            <p:ph type="title"/>
+          </p:nvPr>
+        </p:nvSpPr>
+        <p:spPr>
+          <a:xfrm>
+            <a:off x="913795" y="609923"/>
+            <a:ext cx="5934949" cy="1829338"/>
           </a:xfrm>
         </p:spPr>
         <p:txBody>
           <a:bodyPr anchor="b">
-            <a:normAutofit/>
+            <a:noAutofit/>
           </a:bodyPr>
           <a:lstStyle>
-            <a:lvl1pPr algn="l">
-              <a:defRPr sz="2400" b="0"/>
+            <a:lvl1pPr algn="ctr">
+              <a:defRPr sz="3200" b="0"/>
             </a:lvl1pPr>
           </a:lstStyle>
           <a:p>
@@ -4414,9 +4974,16 @@
         </p:nvSpPr>
         <p:spPr>
           <a:xfrm>
-            <a:off x="677334" y="609600"/>
-            <a:ext cx="8596668" cy="3845718"/>
+            <a:off x="7442551" y="763702"/>
+            <a:ext cx="3275751" cy="4912822"/>
           </a:xfrm>
+          <a:effectLst>
+            <a:outerShdw blurRad="38100" dist="25400" dir="4440000">
+              <a:srgbClr val="000000">
+                <a:alpha val="36000"/>
+              </a:srgbClr>
+            </a:outerShdw>
+          </a:effectLst>
         </p:spPr>
         <p:txBody>
           <a:bodyPr anchor="t">
@@ -4481,18 +5048,18 @@
         </p:nvSpPr>
         <p:spPr>
           <a:xfrm>
-            <a:off x="677334" y="5367338"/>
-            <a:ext cx="8596667" cy="674024"/>
+            <a:off x="913795" y="2439261"/>
+            <a:ext cx="5934949" cy="3376134"/>
           </a:xfrm>
         </p:spPr>
         <p:txBody>
-          <a:bodyPr>
+          <a:bodyPr anchor="t">
             <a:normAutofit/>
           </a:bodyPr>
           <a:lstStyle>
-            <a:lvl1pPr marL="0" indent="0">
-              <a:buNone/>
-              <a:defRPr sz="1200"/>
+            <a:lvl1pPr marL="0" indent="0" algn="ctr">
+              <a:buNone/>
+              <a:defRPr sz="1600"/>
             </a:lvl1pPr>
             <a:lvl2pPr marL="457200" indent="0">
               <a:buNone/>
@@ -4604,7 +5171,7 @@
     </p:spTree>
     <p:extLst>
       <p:ext uri="{BB962C8B-B14F-4D97-AF65-F5344CB8AC3E}">
-        <p14:creationId xmlns:p14="http://schemas.microsoft.com/office/powerpoint/2010/main" val="3499858841"/>
+        <p14:creationId xmlns:p14="http://schemas.microsoft.com/office/powerpoint/2010/main" val="4121441774"/>
       </p:ext>
     </p:extLst>
   </p:cSld>
@@ -4618,7 +5185,7 @@
 <p:sldMaster xmlns:a="http://schemas.openxmlformats.org/drawingml/2006/main" xmlns:r="http://schemas.openxmlformats.org/officeDocument/2006/relationships" xmlns:p="http://schemas.openxmlformats.org/presentationml/2006/main">
   <p:cSld>
     <p:bg>
-      <p:bgRef idx="1001">
+      <p:bgRef idx="1003">
         <a:schemeClr val="bg2"/>
       </p:bgRef>
     </p:bg>
@@ -4636,538 +5203,6 @@
           <a:chExt cx="0" cy="0"/>
         </a:xfrm>
       </p:grpSpPr>
-      <p:grpSp>
-        <p:nvGrpSpPr>
-          <p:cNvPr id="8" name="Group 7"/>
-          <p:cNvGrpSpPr/>
-          <p:nvPr/>
-        </p:nvGrpSpPr>
-        <p:grpSpPr>
-          <a:xfrm>
-            <a:off x="0" y="-8467"/>
-            <a:ext cx="12192000" cy="6866467"/>
-            <a:chOff x="0" y="-8467"/>
-            <a:chExt cx="12192000" cy="6866467"/>
-          </a:xfrm>
-        </p:grpSpPr>
-        <p:cxnSp>
-          <p:nvCxnSpPr>
-            <p:cNvPr id="20" name="Straight Connector 19"/>
-            <p:cNvCxnSpPr/>
-            <p:nvPr/>
-          </p:nvCxnSpPr>
-          <p:spPr>
-            <a:xfrm>
-              <a:off x="9371012" y="0"/>
-              <a:ext cx="1219200" cy="6858000"/>
-            </a:xfrm>
-            <a:prstGeom prst="line">
-              <a:avLst/>
-            </a:prstGeom>
-            <a:ln w="9525">
-              <a:solidFill>
-                <a:schemeClr val="bg1">
-                  <a:lumMod val="85000"/>
-                  <a:lumOff val="15000"/>
-                </a:schemeClr>
-              </a:solidFill>
-            </a:ln>
-          </p:spPr>
-          <p:style>
-            <a:lnRef idx="2">
-              <a:schemeClr val="accent1"/>
-            </a:lnRef>
-            <a:fillRef idx="0">
-              <a:schemeClr val="accent1"/>
-            </a:fillRef>
-            <a:effectRef idx="1">
-              <a:schemeClr val="accent1"/>
-            </a:effectRef>
-            <a:fontRef idx="minor">
-              <a:schemeClr val="tx1"/>
-            </a:fontRef>
-          </p:style>
-        </p:cxnSp>
-        <p:cxnSp>
-          <p:nvCxnSpPr>
-            <p:cNvPr id="21" name="Straight Connector 20"/>
-            <p:cNvCxnSpPr/>
-            <p:nvPr/>
-          </p:nvCxnSpPr>
-          <p:spPr>
-            <a:xfrm flipH="1">
-              <a:off x="7425267" y="3681413"/>
-              <a:ext cx="4763558" cy="3176587"/>
-            </a:xfrm>
-            <a:prstGeom prst="line">
-              <a:avLst/>
-            </a:prstGeom>
-            <a:ln w="9525">
-              <a:solidFill>
-                <a:schemeClr val="bg1">
-                  <a:lumMod val="85000"/>
-                  <a:lumOff val="15000"/>
-                </a:schemeClr>
-              </a:solidFill>
-            </a:ln>
-          </p:spPr>
-          <p:style>
-            <a:lnRef idx="2">
-              <a:schemeClr val="accent1"/>
-            </a:lnRef>
-            <a:fillRef idx="0">
-              <a:schemeClr val="accent1"/>
-            </a:fillRef>
-            <a:effectRef idx="1">
-              <a:schemeClr val="accent1"/>
-            </a:effectRef>
-            <a:fontRef idx="minor">
-              <a:schemeClr val="tx1"/>
-            </a:fontRef>
-          </p:style>
-        </p:cxnSp>
-        <p:sp>
-          <p:nvSpPr>
-            <p:cNvPr id="22" name="Rectangle 23"/>
-            <p:cNvSpPr/>
-            <p:nvPr/>
-          </p:nvSpPr>
-          <p:spPr>
-            <a:xfrm>
-              <a:off x="9181476" y="-8467"/>
-              <a:ext cx="3007349" cy="6866467"/>
-            </a:xfrm>
-            <a:custGeom>
-              <a:avLst/>
-              <a:gdLst/>
-              <a:ahLst/>
-              <a:cxnLst/>
-              <a:rect l="l" t="t" r="r" b="b"/>
-              <a:pathLst>
-                <a:path w="3007349" h="6866467">
-                  <a:moveTo>
-                    <a:pt x="2045532" y="0"/>
-                  </a:moveTo>
-                  <a:lnTo>
-                    <a:pt x="3007349" y="0"/>
-                  </a:lnTo>
-                  <a:lnTo>
-                    <a:pt x="3007349" y="6866467"/>
-                  </a:lnTo>
-                  <a:lnTo>
-                    <a:pt x="0" y="6866467"/>
-                  </a:lnTo>
-                  <a:lnTo>
-                    <a:pt x="2045532" y="0"/>
-                  </a:lnTo>
-                  <a:close/>
-                </a:path>
-              </a:pathLst>
-            </a:custGeom>
-            <a:solidFill>
-              <a:schemeClr val="accent1">
-                <a:alpha val="30000"/>
-              </a:schemeClr>
-            </a:solidFill>
-            <a:ln>
-              <a:noFill/>
-            </a:ln>
-            <a:effectLst/>
-          </p:spPr>
-          <p:style>
-            <a:lnRef idx="1">
-              <a:schemeClr val="accent1"/>
-            </a:lnRef>
-            <a:fillRef idx="3">
-              <a:schemeClr val="accent1"/>
-            </a:fillRef>
-            <a:effectRef idx="2">
-              <a:schemeClr val="accent1"/>
-            </a:effectRef>
-            <a:fontRef idx="minor">
-              <a:schemeClr val="lt1"/>
-            </a:fontRef>
-          </p:style>
-        </p:sp>
-        <p:sp>
-          <p:nvSpPr>
-            <p:cNvPr id="23" name="Rectangle 25"/>
-            <p:cNvSpPr/>
-            <p:nvPr/>
-          </p:nvSpPr>
-          <p:spPr>
-            <a:xfrm>
-              <a:off x="9603442" y="-8467"/>
-              <a:ext cx="2588558" cy="6866467"/>
-            </a:xfrm>
-            <a:custGeom>
-              <a:avLst/>
-              <a:gdLst/>
-              <a:ahLst/>
-              <a:cxnLst/>
-              <a:rect l="l" t="t" r="r" b="b"/>
-              <a:pathLst>
-                <a:path w="2573311" h="6866467">
-                  <a:moveTo>
-                    <a:pt x="0" y="0"/>
-                  </a:moveTo>
-                  <a:lnTo>
-                    <a:pt x="2573311" y="0"/>
-                  </a:lnTo>
-                  <a:lnTo>
-                    <a:pt x="2573311" y="6866467"/>
-                  </a:lnTo>
-                  <a:lnTo>
-                    <a:pt x="1202336" y="6866467"/>
-                  </a:lnTo>
-                  <a:lnTo>
-                    <a:pt x="0" y="0"/>
-                  </a:lnTo>
-                  <a:close/>
-                </a:path>
-              </a:pathLst>
-            </a:custGeom>
-            <a:solidFill>
-              <a:schemeClr val="accent1">
-                <a:alpha val="20000"/>
-              </a:schemeClr>
-            </a:solidFill>
-            <a:ln>
-              <a:noFill/>
-            </a:ln>
-            <a:effectLst/>
-          </p:spPr>
-          <p:style>
-            <a:lnRef idx="1">
-              <a:schemeClr val="accent1"/>
-            </a:lnRef>
-            <a:fillRef idx="3">
-              <a:schemeClr val="accent1"/>
-            </a:fillRef>
-            <a:effectRef idx="2">
-              <a:schemeClr val="accent1"/>
-            </a:effectRef>
-            <a:fontRef idx="minor">
-              <a:schemeClr val="lt1"/>
-            </a:fontRef>
-          </p:style>
-        </p:sp>
-        <p:sp>
-          <p:nvSpPr>
-            <p:cNvPr id="24" name="Isosceles Triangle 23"/>
-            <p:cNvSpPr/>
-            <p:nvPr/>
-          </p:nvSpPr>
-          <p:spPr>
-            <a:xfrm>
-              <a:off x="8932333" y="3048000"/>
-              <a:ext cx="3259667" cy="3810000"/>
-            </a:xfrm>
-            <a:prstGeom prst="triangle">
-              <a:avLst>
-                <a:gd name="adj" fmla="val 100000"/>
-              </a:avLst>
-            </a:prstGeom>
-            <a:solidFill>
-              <a:schemeClr val="accent2">
-                <a:alpha val="72000"/>
-              </a:schemeClr>
-            </a:solidFill>
-            <a:ln>
-              <a:noFill/>
-            </a:ln>
-            <a:effectLst/>
-          </p:spPr>
-          <p:style>
-            <a:lnRef idx="1">
-              <a:schemeClr val="accent1"/>
-            </a:lnRef>
-            <a:fillRef idx="3">
-              <a:schemeClr val="accent1"/>
-            </a:fillRef>
-            <a:effectRef idx="2">
-              <a:schemeClr val="accent1"/>
-            </a:effectRef>
-            <a:fontRef idx="minor">
-              <a:schemeClr val="lt1"/>
-            </a:fontRef>
-          </p:style>
-        </p:sp>
-        <p:sp>
-          <p:nvSpPr>
-            <p:cNvPr id="25" name="Rectangle 27"/>
-            <p:cNvSpPr/>
-            <p:nvPr/>
-          </p:nvSpPr>
-          <p:spPr>
-            <a:xfrm>
-              <a:off x="9334500" y="-8467"/>
-              <a:ext cx="2854326" cy="6866467"/>
-            </a:xfrm>
-            <a:custGeom>
-              <a:avLst/>
-              <a:gdLst/>
-              <a:ahLst/>
-              <a:cxnLst/>
-              <a:rect l="l" t="t" r="r" b="b"/>
-              <a:pathLst>
-                <a:path w="2858013" h="6866467">
-                  <a:moveTo>
-                    <a:pt x="0" y="0"/>
-                  </a:moveTo>
-                  <a:lnTo>
-                    <a:pt x="2858013" y="0"/>
-                  </a:lnTo>
-                  <a:lnTo>
-                    <a:pt x="2858013" y="6866467"/>
-                  </a:lnTo>
-                  <a:lnTo>
-                    <a:pt x="2473942" y="6866467"/>
-                  </a:lnTo>
-                  <a:lnTo>
-                    <a:pt x="0" y="0"/>
-                  </a:lnTo>
-                  <a:close/>
-                </a:path>
-              </a:pathLst>
-            </a:custGeom>
-            <a:solidFill>
-              <a:schemeClr val="accent2">
-                <a:lumMod val="75000"/>
-                <a:alpha val="70000"/>
-              </a:schemeClr>
-            </a:solidFill>
-            <a:ln>
-              <a:noFill/>
-            </a:ln>
-            <a:effectLst/>
-          </p:spPr>
-          <p:style>
-            <a:lnRef idx="1">
-              <a:schemeClr val="accent1"/>
-            </a:lnRef>
-            <a:fillRef idx="3">
-              <a:schemeClr val="accent1"/>
-            </a:fillRef>
-            <a:effectRef idx="2">
-              <a:schemeClr val="accent1"/>
-            </a:effectRef>
-            <a:fontRef idx="minor">
-              <a:schemeClr val="lt1"/>
-            </a:fontRef>
-          </p:style>
-        </p:sp>
-        <p:sp>
-          <p:nvSpPr>
-            <p:cNvPr id="26" name="Rectangle 28"/>
-            <p:cNvSpPr/>
-            <p:nvPr/>
-          </p:nvSpPr>
-          <p:spPr>
-            <a:xfrm>
-              <a:off x="10898730" y="-8467"/>
-              <a:ext cx="1290094" cy="6866467"/>
-            </a:xfrm>
-            <a:custGeom>
-              <a:avLst/>
-              <a:gdLst/>
-              <a:ahLst/>
-              <a:cxnLst/>
-              <a:rect l="l" t="t" r="r" b="b"/>
-              <a:pathLst>
-                <a:path w="1290094" h="6858000">
-                  <a:moveTo>
-                    <a:pt x="1019735" y="0"/>
-                  </a:moveTo>
-                  <a:lnTo>
-                    <a:pt x="1290094" y="0"/>
-                  </a:lnTo>
-                  <a:lnTo>
-                    <a:pt x="1290094" y="6858000"/>
-                  </a:lnTo>
-                  <a:lnTo>
-                    <a:pt x="0" y="6858000"/>
-                  </a:lnTo>
-                  <a:lnTo>
-                    <a:pt x="1019735" y="0"/>
-                  </a:lnTo>
-                  <a:close/>
-                </a:path>
-              </a:pathLst>
-            </a:custGeom>
-            <a:solidFill>
-              <a:schemeClr val="accent1">
-                <a:lumMod val="60000"/>
-                <a:lumOff val="40000"/>
-                <a:alpha val="70000"/>
-              </a:schemeClr>
-            </a:solidFill>
-            <a:ln>
-              <a:noFill/>
-            </a:ln>
-            <a:effectLst/>
-          </p:spPr>
-          <p:style>
-            <a:lnRef idx="1">
-              <a:schemeClr val="accent1"/>
-            </a:lnRef>
-            <a:fillRef idx="3">
-              <a:schemeClr val="accent1"/>
-            </a:fillRef>
-            <a:effectRef idx="2">
-              <a:schemeClr val="accent1"/>
-            </a:effectRef>
-            <a:fontRef idx="minor">
-              <a:schemeClr val="lt1"/>
-            </a:fontRef>
-          </p:style>
-        </p:sp>
-        <p:sp>
-          <p:nvSpPr>
-            <p:cNvPr id="27" name="Rectangle 29"/>
-            <p:cNvSpPr/>
-            <p:nvPr/>
-          </p:nvSpPr>
-          <p:spPr>
-            <a:xfrm>
-              <a:off x="10938999" y="-8467"/>
-              <a:ext cx="1249825" cy="6866467"/>
-            </a:xfrm>
-            <a:custGeom>
-              <a:avLst/>
-              <a:gdLst/>
-              <a:ahLst/>
-              <a:cxnLst/>
-              <a:rect l="l" t="t" r="r" b="b"/>
-              <a:pathLst>
-                <a:path w="1249825" h="6858000">
-                  <a:moveTo>
-                    <a:pt x="0" y="0"/>
-                  </a:moveTo>
-                  <a:lnTo>
-                    <a:pt x="1249825" y="0"/>
-                  </a:lnTo>
-                  <a:lnTo>
-                    <a:pt x="1249825" y="6858000"/>
-                  </a:lnTo>
-                  <a:lnTo>
-                    <a:pt x="1109382" y="6858000"/>
-                  </a:lnTo>
-                  <a:lnTo>
-                    <a:pt x="0" y="0"/>
-                  </a:lnTo>
-                  <a:close/>
-                </a:path>
-              </a:pathLst>
-            </a:custGeom>
-            <a:solidFill>
-              <a:schemeClr val="accent1">
-                <a:alpha val="65000"/>
-              </a:schemeClr>
-            </a:solidFill>
-            <a:ln>
-              <a:noFill/>
-            </a:ln>
-            <a:effectLst/>
-          </p:spPr>
-          <p:style>
-            <a:lnRef idx="1">
-              <a:schemeClr val="accent1"/>
-            </a:lnRef>
-            <a:fillRef idx="3">
-              <a:schemeClr val="accent1"/>
-            </a:fillRef>
-            <a:effectRef idx="2">
-              <a:schemeClr val="accent1"/>
-            </a:effectRef>
-            <a:fontRef idx="minor">
-              <a:schemeClr val="lt1"/>
-            </a:fontRef>
-          </p:style>
-        </p:sp>
-        <p:sp>
-          <p:nvSpPr>
-            <p:cNvPr id="28" name="Isosceles Triangle 27"/>
-            <p:cNvSpPr/>
-            <p:nvPr/>
-          </p:nvSpPr>
-          <p:spPr>
-            <a:xfrm>
-              <a:off x="10371666" y="3589867"/>
-              <a:ext cx="1817159" cy="3268133"/>
-            </a:xfrm>
-            <a:prstGeom prst="triangle">
-              <a:avLst>
-                <a:gd name="adj" fmla="val 100000"/>
-              </a:avLst>
-            </a:prstGeom>
-            <a:solidFill>
-              <a:schemeClr val="accent1">
-                <a:alpha val="80000"/>
-              </a:schemeClr>
-            </a:solidFill>
-            <a:ln>
-              <a:noFill/>
-            </a:ln>
-            <a:effectLst/>
-          </p:spPr>
-          <p:style>
-            <a:lnRef idx="1">
-              <a:schemeClr val="accent1"/>
-            </a:lnRef>
-            <a:fillRef idx="3">
-              <a:schemeClr val="accent1"/>
-            </a:fillRef>
-            <a:effectRef idx="2">
-              <a:schemeClr val="accent1"/>
-            </a:effectRef>
-            <a:fontRef idx="minor">
-              <a:schemeClr val="lt1"/>
-            </a:fontRef>
-          </p:style>
-        </p:sp>
-        <p:sp>
-          <p:nvSpPr>
-            <p:cNvPr id="29" name="Isosceles Triangle 28"/>
-            <p:cNvSpPr/>
-            <p:nvPr/>
-          </p:nvSpPr>
-          <p:spPr>
-            <a:xfrm>
-              <a:off x="0" y="4013200"/>
-              <a:ext cx="448733" cy="2844800"/>
-            </a:xfrm>
-            <a:prstGeom prst="triangle">
-              <a:avLst>
-                <a:gd name="adj" fmla="val 0"/>
-              </a:avLst>
-            </a:prstGeom>
-            <a:solidFill>
-              <a:schemeClr val="accent1">
-                <a:alpha val="85000"/>
-              </a:schemeClr>
-            </a:solidFill>
-            <a:ln>
-              <a:noFill/>
-            </a:ln>
-            <a:effectLst/>
-          </p:spPr>
-          <p:style>
-            <a:lnRef idx="1">
-              <a:schemeClr val="accent1"/>
-            </a:lnRef>
-            <a:fillRef idx="3">
-              <a:schemeClr val="accent1"/>
-            </a:fillRef>
-            <a:effectRef idx="2">
-              <a:schemeClr val="accent1"/>
-            </a:effectRef>
-            <a:fontRef idx="minor">
-              <a:schemeClr val="lt1"/>
-            </a:fontRef>
-          </p:style>
-        </p:sp>
-      </p:grpSp>
       <p:sp>
         <p:nvSpPr>
           <p:cNvPr id="2" name="Title Placeholder 1"/>
@@ -5180,103 +5215,209 @@
         </p:nvSpPr>
         <p:spPr>
           <a:xfrm>
-            <a:off x="677334" y="609600"/>
-            <a:ext cx="8596668" cy="1320800"/>
+            <a:off x="913795" y="609600"/>
+            <a:ext cx="10353762" cy="970450"/>
+          </a:xfrm>
+          <a:prstGeom prst="rect">
+            <a:avLst/>
+          </a:prstGeom>
+          <a:effectLst>
+            <a:outerShdw blurRad="25400" dir="17880000">
+              <a:srgbClr val="000000">
+                <a:alpha val="46000"/>
+              </a:srgbClr>
+            </a:outerShdw>
+          </a:effectLst>
+        </p:spPr>
+        <p:txBody>
+          <a:bodyPr vert="horz" lIns="91440" tIns="45720" rIns="91440" bIns="45720" rtlCol="0" anchor="ctr">
+            <a:normAutofit/>
+          </a:bodyPr>
+          <a:lstStyle/>
+          <a:p>
+            <a:r>
+              <a:rPr lang="en-US"/>
+              <a:t>Click to edit Master title style</a:t>
+            </a:r>
+            <a:endParaRPr lang="en-US" dirty="0"/>
+          </a:p>
+        </p:txBody>
+      </p:sp>
+      <p:sp>
+        <p:nvSpPr>
+          <p:cNvPr id="3" name="Text Placeholder 2"/>
+          <p:cNvSpPr>
+            <a:spLocks noGrp="1"/>
+          </p:cNvSpPr>
+          <p:nvPr>
+            <p:ph type="body" idx="1"/>
+          </p:nvPr>
+        </p:nvSpPr>
+        <p:spPr>
+          <a:xfrm>
+            <a:off x="913795" y="1732449"/>
+            <a:ext cx="10353762" cy="4058751"/>
+          </a:xfrm>
+          <a:prstGeom prst="rect">
+            <a:avLst/>
+          </a:prstGeom>
+          <a:effectLst>
+            <a:outerShdw blurRad="25400" dir="17880000">
+              <a:srgbClr val="000000">
+                <a:alpha val="46000"/>
+              </a:srgbClr>
+            </a:outerShdw>
+          </a:effectLst>
+        </p:spPr>
+        <p:txBody>
+          <a:bodyPr vert="horz" lIns="91440" tIns="45720" rIns="91440" bIns="45720" rtlCol="0" anchor="t">
+            <a:normAutofit/>
+          </a:bodyPr>
+          <a:lstStyle/>
+          <a:p>
+            <a:pPr lvl="0"/>
+            <a:r>
+              <a:rPr lang="en-US"/>
+              <a:t>Click to edit Master text styles</a:t>
+            </a:r>
+          </a:p>
+          <a:p>
+            <a:pPr lvl="1"/>
+            <a:r>
+              <a:rPr lang="en-US"/>
+              <a:t>Second level</a:t>
+            </a:r>
+          </a:p>
+          <a:p>
+            <a:pPr lvl="2"/>
+            <a:r>
+              <a:rPr lang="en-US"/>
+              <a:t>Third level</a:t>
+            </a:r>
+          </a:p>
+          <a:p>
+            <a:pPr lvl="3"/>
+            <a:r>
+              <a:rPr lang="en-US"/>
+              <a:t>Fourth level</a:t>
+            </a:r>
+          </a:p>
+          <a:p>
+            <a:pPr lvl="4"/>
+            <a:r>
+              <a:rPr lang="en-US"/>
+              <a:t>Fifth level</a:t>
+            </a:r>
+            <a:endParaRPr lang="en-US" dirty="0"/>
+          </a:p>
+        </p:txBody>
+      </p:sp>
+      <p:sp>
+        <p:nvSpPr>
+          <p:cNvPr id="4" name="Date Placeholder 3"/>
+          <p:cNvSpPr>
+            <a:spLocks noGrp="1"/>
+          </p:cNvSpPr>
+          <p:nvPr>
+            <p:ph type="dt" sz="half" idx="2"/>
+          </p:nvPr>
+        </p:nvSpPr>
+        <p:spPr>
+          <a:xfrm>
+            <a:off x="7678736" y="5883275"/>
+            <a:ext cx="2743200" cy="365125"/>
           </a:xfrm>
           <a:prstGeom prst="rect">
             <a:avLst/>
           </a:prstGeom>
         </p:spPr>
         <p:txBody>
-          <a:bodyPr vert="horz" lIns="91440" tIns="45720" rIns="91440" bIns="45720" rtlCol="0" anchor="t">
-            <a:normAutofit/>
-          </a:bodyPr>
-          <a:lstStyle/>
-          <a:p>
-            <a:r>
-              <a:rPr lang="en-US"/>
-              <a:t>Click to edit Master title style</a:t>
-            </a:r>
-            <a:endParaRPr lang="en-US" dirty="0"/>
-          </a:p>
-        </p:txBody>
-      </p:sp>
-      <p:sp>
-        <p:nvSpPr>
-          <p:cNvPr id="3" name="Text Placeholder 2"/>
-          <p:cNvSpPr>
-            <a:spLocks noGrp="1"/>
-          </p:cNvSpPr>
-          <p:nvPr>
-            <p:ph type="body" idx="1"/>
+          <a:bodyPr vert="horz" lIns="91440" tIns="45720" rIns="91440" bIns="45720" rtlCol="0" anchor="ctr"/>
+          <a:lstStyle>
+            <a:lvl1pPr algn="r">
+              <a:defRPr sz="1000">
+                <a:solidFill>
+                  <a:schemeClr val="tx1">
+                    <a:lumMod val="95000"/>
+                  </a:schemeClr>
+                </a:solidFill>
+                <a:effectLst>
+                  <a:outerShdw blurRad="50800" dist="38100" dir="2700000" algn="tl" rotWithShape="0">
+                    <a:schemeClr val="bg1">
+                      <a:alpha val="43000"/>
+                    </a:schemeClr>
+                  </a:outerShdw>
+                </a:effectLst>
+              </a:defRPr>
+            </a:lvl1pPr>
+          </a:lstStyle>
+          <a:p>
+            <a:fld id="{0AA10519-4691-4DA4-924E-7D5EAB3084DC}" type="datetimeFigureOut">
+              <a:rPr lang="en-IN" smtClean="0"/>
+              <a:t>22-02-2021</a:t>
+            </a:fld>
+            <a:endParaRPr lang="en-IN"/>
+          </a:p>
+        </p:txBody>
+      </p:sp>
+      <p:sp>
+        <p:nvSpPr>
+          <p:cNvPr id="5" name="Footer Placeholder 4"/>
+          <p:cNvSpPr>
+            <a:spLocks noGrp="1"/>
+          </p:cNvSpPr>
+          <p:nvPr>
+            <p:ph type="ftr" sz="quarter" idx="3"/>
           </p:nvPr>
         </p:nvSpPr>
         <p:spPr>
           <a:xfrm>
-            <a:off x="677334" y="2160589"/>
-            <a:ext cx="8596668" cy="3880773"/>
+            <a:off x="913795" y="5883275"/>
+            <a:ext cx="6672865" cy="365125"/>
           </a:xfrm>
           <a:prstGeom prst="rect">
             <a:avLst/>
           </a:prstGeom>
         </p:spPr>
         <p:txBody>
-          <a:bodyPr vert="horz" lIns="91440" tIns="45720" rIns="91440" bIns="45720" rtlCol="0">
-            <a:normAutofit/>
-          </a:bodyPr>
-          <a:lstStyle/>
-          <a:p>
-            <a:pPr lvl="0"/>
-            <a:r>
-              <a:rPr lang="en-US"/>
-              <a:t>Click to edit Master text styles</a:t>
-            </a:r>
-          </a:p>
-          <a:p>
-            <a:pPr lvl="1"/>
-            <a:r>
-              <a:rPr lang="en-US"/>
-              <a:t>Second level</a:t>
-            </a:r>
-          </a:p>
-          <a:p>
-            <a:pPr lvl="2"/>
-            <a:r>
-              <a:rPr lang="en-US"/>
-              <a:t>Third level</a:t>
-            </a:r>
-          </a:p>
-          <a:p>
-            <a:pPr lvl="3"/>
-            <a:r>
-              <a:rPr lang="en-US"/>
-              <a:t>Fourth level</a:t>
-            </a:r>
-          </a:p>
-          <a:p>
-            <a:pPr lvl="4"/>
-            <a:r>
-              <a:rPr lang="en-US"/>
-              <a:t>Fifth level</a:t>
-            </a:r>
-            <a:endParaRPr lang="en-US" dirty="0"/>
-          </a:p>
-        </p:txBody>
-      </p:sp>
-      <p:sp>
-        <p:nvSpPr>
-          <p:cNvPr id="4" name="Date Placeholder 3"/>
-          <p:cNvSpPr>
-            <a:spLocks noGrp="1"/>
-          </p:cNvSpPr>
-          <p:nvPr>
-            <p:ph type="dt" sz="half" idx="2"/>
+          <a:bodyPr vert="horz" lIns="91440" tIns="45720" rIns="91440" bIns="45720" rtlCol="0" anchor="ctr"/>
+          <a:lstStyle>
+            <a:lvl1pPr algn="l">
+              <a:defRPr sz="1000">
+                <a:solidFill>
+                  <a:schemeClr val="tx1">
+                    <a:lumMod val="95000"/>
+                  </a:schemeClr>
+                </a:solidFill>
+                <a:effectLst>
+                  <a:outerShdw blurRad="50800" dist="38100" dir="2700000" algn="tl" rotWithShape="0">
+                    <a:schemeClr val="bg1">
+                      <a:alpha val="43000"/>
+                    </a:schemeClr>
+                  </a:outerShdw>
+                </a:effectLst>
+              </a:defRPr>
+            </a:lvl1pPr>
+          </a:lstStyle>
+          <a:p>
+            <a:endParaRPr lang="en-IN"/>
+          </a:p>
+        </p:txBody>
+      </p:sp>
+      <p:sp>
+        <p:nvSpPr>
+          <p:cNvPr id="6" name="Slide Number Placeholder 5"/>
+          <p:cNvSpPr>
+            <a:spLocks noGrp="1"/>
+          </p:cNvSpPr>
+          <p:nvPr>
+            <p:ph type="sldNum" sz="quarter" idx="4"/>
           </p:nvPr>
         </p:nvSpPr>
         <p:spPr>
           <a:xfrm>
-            <a:off x="7205133" y="6041362"/>
-            <a:ext cx="911939" cy="365125"/>
+            <a:off x="10514011" y="5883275"/>
+            <a:ext cx="753545" cy="365125"/>
           </a:xfrm>
           <a:prstGeom prst="rect">
             <a:avLst/>
@@ -5286,88 +5427,19 @@
           <a:bodyPr vert="horz" lIns="91440" tIns="45720" rIns="91440" bIns="45720" rtlCol="0" anchor="ctr"/>
           <a:lstStyle>
             <a:lvl1pPr algn="r">
-              <a:defRPr sz="900">
+              <a:defRPr sz="1000">
                 <a:solidFill>
                   <a:schemeClr val="tx1">
-                    <a:tint val="75000"/>
+                    <a:lumMod val="95000"/>
                   </a:schemeClr>
                 </a:solidFill>
-              </a:defRPr>
-            </a:lvl1pPr>
-          </a:lstStyle>
-          <a:p>
-            <a:fld id="{0AA10519-4691-4DA4-924E-7D5EAB3084DC}" type="datetimeFigureOut">
-              <a:rPr lang="en-IN" smtClean="0"/>
-              <a:t>22-02-2021</a:t>
-            </a:fld>
-            <a:endParaRPr lang="en-IN"/>
-          </a:p>
-        </p:txBody>
-      </p:sp>
-      <p:sp>
-        <p:nvSpPr>
-          <p:cNvPr id="5" name="Footer Placeholder 4"/>
-          <p:cNvSpPr>
-            <a:spLocks noGrp="1"/>
-          </p:cNvSpPr>
-          <p:nvPr>
-            <p:ph type="ftr" sz="quarter" idx="3"/>
-          </p:nvPr>
-        </p:nvSpPr>
-        <p:spPr>
-          <a:xfrm>
-            <a:off x="677334" y="6041362"/>
-            <a:ext cx="6297612" cy="365125"/>
-          </a:xfrm>
-          <a:prstGeom prst="rect">
-            <a:avLst/>
-          </a:prstGeom>
-        </p:spPr>
-        <p:txBody>
-          <a:bodyPr vert="horz" lIns="91440" tIns="45720" rIns="91440" bIns="45720" rtlCol="0" anchor="ctr"/>
-          <a:lstStyle>
-            <a:lvl1pPr algn="l">
-              <a:defRPr sz="900">
-                <a:solidFill>
-                  <a:schemeClr val="tx1">
-                    <a:tint val="75000"/>
-                  </a:schemeClr>
-                </a:solidFill>
-              </a:defRPr>
-            </a:lvl1pPr>
-          </a:lstStyle>
-          <a:p>
-            <a:endParaRPr lang="en-IN"/>
-          </a:p>
-        </p:txBody>
-      </p:sp>
-      <p:sp>
-        <p:nvSpPr>
-          <p:cNvPr id="6" name="Slide Number Placeholder 5"/>
-          <p:cNvSpPr>
-            <a:spLocks noGrp="1"/>
-          </p:cNvSpPr>
-          <p:nvPr>
-            <p:ph type="sldNum" sz="quarter" idx="4"/>
-          </p:nvPr>
-        </p:nvSpPr>
-        <p:spPr>
-          <a:xfrm>
-            <a:off x="8590663" y="6041362"/>
-            <a:ext cx="683339" cy="365125"/>
-          </a:xfrm>
-          <a:prstGeom prst="rect">
-            <a:avLst/>
-          </a:prstGeom>
-        </p:spPr>
-        <p:txBody>
-          <a:bodyPr vert="horz" lIns="91440" tIns="45720" rIns="91440" bIns="45720" rtlCol="0" anchor="ctr"/>
-          <a:lstStyle>
-            <a:lvl1pPr algn="r">
-              <a:defRPr sz="900">
-                <a:solidFill>
-                  <a:schemeClr val="accent1"/>
-                </a:solidFill>
+                <a:effectLst>
+                  <a:outerShdw blurRad="50800" dist="38100" dir="2700000" algn="tl" rotWithShape="0">
+                    <a:schemeClr val="bg1">
+                      <a:alpha val="43000"/>
+                    </a:schemeClr>
+                  </a:outerShdw>
+                </a:effectLst>
               </a:defRPr>
             </a:lvl1pPr>
           </a:lstStyle>
@@ -5383,43 +5455,60 @@
     </p:spTree>
     <p:extLst>
       <p:ext uri="{BB962C8B-B14F-4D97-AF65-F5344CB8AC3E}">
-        <p14:creationId xmlns:p14="http://schemas.microsoft.com/office/powerpoint/2010/main" val="2494770846"/>
+        <p14:creationId xmlns:p14="http://schemas.microsoft.com/office/powerpoint/2010/main" val="3277962254"/>
       </p:ext>
     </p:extLst>
   </p:cSld>
   <p:clrMap bg1="dk1" tx1="lt1" bg2="dk2" tx2="lt2" accent1="accent1" accent2="accent2" accent3="accent3" accent4="accent4" accent5="accent5" accent6="accent6" hlink="hlink" folHlink="folHlink"/>
   <p:sldLayoutIdLst>
-    <p:sldLayoutId id="2147483714" r:id="rId1"/>
-    <p:sldLayoutId id="2147483715" r:id="rId2"/>
-    <p:sldLayoutId id="2147483716" r:id="rId3"/>
-    <p:sldLayoutId id="2147483717" r:id="rId4"/>
-    <p:sldLayoutId id="2147483718" r:id="rId5"/>
-    <p:sldLayoutId id="2147483719" r:id="rId6"/>
-    <p:sldLayoutId id="2147483720" r:id="rId7"/>
-    <p:sldLayoutId id="2147483721" r:id="rId8"/>
-    <p:sldLayoutId id="2147483722" r:id="rId9"/>
-    <p:sldLayoutId id="2147483723" r:id="rId10"/>
-    <p:sldLayoutId id="2147483724" r:id="rId11"/>
-    <p:sldLayoutId id="2147483725" r:id="rId12"/>
-    <p:sldLayoutId id="2147483726" r:id="rId13"/>
-    <p:sldLayoutId id="2147483727" r:id="rId14"/>
-    <p:sldLayoutId id="2147483728" r:id="rId15"/>
-    <p:sldLayoutId id="2147483729" r:id="rId16"/>
+    <p:sldLayoutId id="2147483815" r:id="rId1"/>
+    <p:sldLayoutId id="2147483816" r:id="rId2"/>
+    <p:sldLayoutId id="2147483817" r:id="rId3"/>
+    <p:sldLayoutId id="2147483818" r:id="rId4"/>
+    <p:sldLayoutId id="2147483819" r:id="rId5"/>
+    <p:sldLayoutId id="2147483820" r:id="rId6"/>
+    <p:sldLayoutId id="2147483821" r:id="rId7"/>
+    <p:sldLayoutId id="2147483822" r:id="rId8"/>
+    <p:sldLayoutId id="2147483823" r:id="rId9"/>
+    <p:sldLayoutId id="2147483824" r:id="rId10"/>
+    <p:sldLayoutId id="2147483825" r:id="rId11"/>
+    <p:sldLayoutId id="2147483826" r:id="rId12"/>
+    <p:sldLayoutId id="2147483827" r:id="rId13"/>
+    <p:sldLayoutId id="2147483828" r:id="rId14"/>
+    <p:sldLayoutId id="2147483829" r:id="rId15"/>
+    <p:sldLayoutId id="2147483830" r:id="rId16"/>
+    <p:sldLayoutId id="2147483831" r:id="rId17"/>
   </p:sldLayoutIdLst>
   <p:txStyles>
     <p:titleStyle>
-      <a:lvl1pPr algn="l" defTabSz="457200" rtl="0" eaLnBrk="1" latinLnBrk="0" hangingPunct="1">
+      <a:lvl1pPr algn="ctr" defTabSz="457200" rtl="0" eaLnBrk="1" latinLnBrk="0" hangingPunct="1">
         <a:spcBef>
           <a:spcPct val="0"/>
         </a:spcBef>
         <a:buNone/>
-        <a:defRPr sz="3600" kern="1200">
+        <a:defRPr sz="4000" kern="1200">
+          <a:ln>
+            <a:solidFill>
+              <a:schemeClr val="bg1">
+                <a:lumMod val="75000"/>
+                <a:lumOff val="25000"/>
+                <a:alpha val="10000"/>
+              </a:schemeClr>
+            </a:solidFill>
+          </a:ln>
           <a:solidFill>
-            <a:schemeClr val="accent1"/>
+            <a:schemeClr val="tx2"/>
           </a:solidFill>
+          <a:effectLst>
+            <a:outerShdw blurRad="9525" dist="25400" dir="14640000" algn="tl" rotWithShape="0">
+              <a:schemeClr val="bg1">
+                <a:alpha val="30000"/>
+              </a:schemeClr>
+            </a:outerShdw>
+          </a:effectLst>
           <a:latin typeface="+mj-lt"/>
           <a:ea typeface="+mj-ea"/>
-          <a:cs typeface="+mj-cs"/>
+          <a:cs typeface="Trebuchet MS"/>
         </a:defRPr>
       </a:lvl1pPr>
       <a:lvl2pPr eaLnBrk="1" hangingPunct="1">
@@ -5480,226 +5569,343 @@
       </a:lvl9pPr>
     </p:titleStyle>
     <p:bodyStyle>
-      <a:lvl1pPr marL="342900" indent="-342900" algn="l" defTabSz="457200" rtl="0" eaLnBrk="1" latinLnBrk="0" hangingPunct="1">
+      <a:lvl1pPr marL="342900" indent="-306000" algn="l" defTabSz="457200" rtl="0" eaLnBrk="1" latinLnBrk="0" hangingPunct="1">
         <a:spcBef>
-          <a:spcPts val="1000"/>
+          <a:spcPct val="20000"/>
         </a:spcBef>
         <a:spcAft>
-          <a:spcPts val="0"/>
+          <a:spcPts val="600"/>
         </a:spcAft>
         <a:buClr>
-          <a:schemeClr val="accent1"/>
+          <a:schemeClr val="tx2"/>
         </a:buClr>
-        <a:buSzPct val="80000"/>
-        <a:buFont typeface="Wingdings 3" charset="2"/>
-        <a:buChar char=""/>
-        <a:defRPr sz="1800" kern="1200">
+        <a:buSzPct val="70000"/>
+        <a:buFont typeface="Wingdings 2" charset="2"/>
+        <a:buChar char=""/>
+        <a:defRPr sz="2000" kern="1200">
+          <a:ln>
+            <a:solidFill>
+              <a:schemeClr val="bg1">
+                <a:lumMod val="75000"/>
+                <a:lumOff val="25000"/>
+                <a:alpha val="10000"/>
+              </a:schemeClr>
+            </a:solidFill>
+          </a:ln>
           <a:solidFill>
-            <a:schemeClr val="tx1">
-              <a:lumMod val="75000"/>
-              <a:lumOff val="25000"/>
-            </a:schemeClr>
+            <a:schemeClr val="tx2"/>
           </a:solidFill>
+          <a:effectLst>
+            <a:outerShdw blurRad="9525" dist="25400" dir="14640000" algn="tl" rotWithShape="0">
+              <a:schemeClr val="bg1">
+                <a:alpha val="30000"/>
+              </a:schemeClr>
+            </a:outerShdw>
+          </a:effectLst>
           <a:latin typeface="+mn-lt"/>
           <a:ea typeface="+mn-ea"/>
           <a:cs typeface="+mn-cs"/>
         </a:defRPr>
       </a:lvl1pPr>
-      <a:lvl2pPr marL="742950" indent="-285750" algn="l" defTabSz="457200" rtl="0" eaLnBrk="1" latinLnBrk="0" hangingPunct="1">
+      <a:lvl2pPr marL="720000" indent="-270000" algn="l" defTabSz="457200" rtl="0" eaLnBrk="1" latinLnBrk="0" hangingPunct="1">
         <a:spcBef>
-          <a:spcPts val="1000"/>
+          <a:spcPct val="20000"/>
         </a:spcBef>
         <a:spcAft>
-          <a:spcPts val="0"/>
+          <a:spcPts val="600"/>
         </a:spcAft>
         <a:buClr>
-          <a:schemeClr val="accent1"/>
+          <a:schemeClr val="tx2"/>
         </a:buClr>
-        <a:buSzPct val="80000"/>
-        <a:buFont typeface="Wingdings 3" charset="2"/>
-        <a:buChar char=""/>
-        <a:defRPr sz="1600" kern="1200">
+        <a:buSzPct val="70000"/>
+        <a:buFont typeface="Wingdings 2" charset="2"/>
+        <a:buChar char=""/>
+        <a:defRPr sz="1800" kern="1200">
+          <a:ln>
+            <a:solidFill>
+              <a:schemeClr val="bg1">
+                <a:lumMod val="75000"/>
+                <a:lumOff val="25000"/>
+                <a:alpha val="10000"/>
+              </a:schemeClr>
+            </a:solidFill>
+          </a:ln>
           <a:solidFill>
-            <a:schemeClr val="tx1">
-              <a:lumMod val="75000"/>
-              <a:lumOff val="25000"/>
-            </a:schemeClr>
+            <a:schemeClr val="tx2"/>
           </a:solidFill>
+          <a:effectLst>
+            <a:outerShdw blurRad="9525" dist="25400" dir="14640000" algn="tl" rotWithShape="0">
+              <a:schemeClr val="bg1">
+                <a:alpha val="30000"/>
+              </a:schemeClr>
+            </a:outerShdw>
+          </a:effectLst>
           <a:latin typeface="+mn-lt"/>
           <a:ea typeface="+mn-ea"/>
           <a:cs typeface="+mn-cs"/>
         </a:defRPr>
       </a:lvl2pPr>
-      <a:lvl3pPr marL="1143000" indent="-228600" algn="l" defTabSz="457200" rtl="0" eaLnBrk="1" latinLnBrk="0" hangingPunct="1">
+      <a:lvl3pPr marL="1026000" indent="-216000" algn="l" defTabSz="457200" rtl="0" eaLnBrk="1" latinLnBrk="0" hangingPunct="1">
         <a:spcBef>
-          <a:spcPts val="1000"/>
+          <a:spcPct val="20000"/>
         </a:spcBef>
         <a:spcAft>
-          <a:spcPts val="0"/>
+          <a:spcPts val="600"/>
         </a:spcAft>
         <a:buClr>
-          <a:schemeClr val="accent1"/>
+          <a:schemeClr val="tx2"/>
         </a:buClr>
-        <a:buSzPct val="80000"/>
-        <a:buFont typeface="Wingdings 3" charset="2"/>
-        <a:buChar char=""/>
-        <a:defRPr sz="1400" kern="1200">
+        <a:buSzPct val="70000"/>
+        <a:buFont typeface="Wingdings 2" charset="2"/>
+        <a:buChar char=""/>
+        <a:defRPr sz="1600" kern="1200">
+          <a:ln>
+            <a:solidFill>
+              <a:schemeClr val="bg1">
+                <a:lumMod val="75000"/>
+                <a:lumOff val="25000"/>
+                <a:alpha val="10000"/>
+              </a:schemeClr>
+            </a:solidFill>
+          </a:ln>
           <a:solidFill>
-            <a:schemeClr val="tx1">
-              <a:lumMod val="75000"/>
-              <a:lumOff val="25000"/>
-            </a:schemeClr>
+            <a:schemeClr val="tx2"/>
           </a:solidFill>
+          <a:effectLst>
+            <a:outerShdw blurRad="9525" dist="25400" dir="14640000" algn="tl" rotWithShape="0">
+              <a:schemeClr val="bg1">
+                <a:alpha val="30000"/>
+              </a:schemeClr>
+            </a:outerShdw>
+          </a:effectLst>
           <a:latin typeface="+mn-lt"/>
           <a:ea typeface="+mn-ea"/>
           <a:cs typeface="+mn-cs"/>
         </a:defRPr>
       </a:lvl3pPr>
-      <a:lvl4pPr marL="1600200" indent="-228600" algn="l" defTabSz="457200" rtl="0" eaLnBrk="1" latinLnBrk="0" hangingPunct="1">
+      <a:lvl4pPr marL="1386000" indent="-216000" algn="l" defTabSz="457200" rtl="0" eaLnBrk="1" latinLnBrk="0" hangingPunct="1">
         <a:spcBef>
-          <a:spcPts val="1000"/>
+          <a:spcPct val="20000"/>
         </a:spcBef>
         <a:spcAft>
-          <a:spcPts val="0"/>
+          <a:spcPts val="600"/>
         </a:spcAft>
         <a:buClr>
-          <a:schemeClr val="accent1"/>
+          <a:schemeClr val="tx2"/>
         </a:buClr>
-        <a:buSzPct val="80000"/>
-        <a:buFont typeface="Wingdings 3" charset="2"/>
-        <a:buChar char=""/>
-        <a:defRPr sz="1200" kern="1200">
+        <a:buSzPct val="70000"/>
+        <a:buFont typeface="Wingdings 2" charset="2"/>
+        <a:buChar char=""/>
+        <a:defRPr sz="1400" kern="1200">
+          <a:ln>
+            <a:solidFill>
+              <a:schemeClr val="bg1">
+                <a:lumMod val="75000"/>
+                <a:lumOff val="25000"/>
+                <a:alpha val="10000"/>
+              </a:schemeClr>
+            </a:solidFill>
+          </a:ln>
           <a:solidFill>
-            <a:schemeClr val="tx1">
-              <a:lumMod val="75000"/>
-              <a:lumOff val="25000"/>
-            </a:schemeClr>
+            <a:schemeClr val="tx2"/>
           </a:solidFill>
+          <a:effectLst>
+            <a:outerShdw blurRad="9525" dist="25400" dir="14640000" algn="tl" rotWithShape="0">
+              <a:schemeClr val="bg1">
+                <a:alpha val="30000"/>
+              </a:schemeClr>
+            </a:outerShdw>
+          </a:effectLst>
           <a:latin typeface="+mn-lt"/>
           <a:ea typeface="+mn-ea"/>
           <a:cs typeface="+mn-cs"/>
         </a:defRPr>
       </a:lvl4pPr>
-      <a:lvl5pPr marL="2057400" indent="-228600" algn="l" defTabSz="457200" rtl="0" eaLnBrk="1" latinLnBrk="0" hangingPunct="1">
+      <a:lvl5pPr marL="1674000" indent="-216000" algn="l" defTabSz="457200" rtl="0" eaLnBrk="1" latinLnBrk="0" hangingPunct="1">
         <a:spcBef>
-          <a:spcPts val="1000"/>
+          <a:spcPct val="20000"/>
         </a:spcBef>
         <a:spcAft>
-          <a:spcPts val="0"/>
+          <a:spcPts val="600"/>
         </a:spcAft>
         <a:buClr>
-          <a:schemeClr val="accent1"/>
+          <a:schemeClr val="tx2"/>
         </a:buClr>
-        <a:buSzPct val="80000"/>
-        <a:buFont typeface="Wingdings 3" charset="2"/>
-        <a:buChar char=""/>
-        <a:defRPr sz="1200" kern="1200">
+        <a:buSzPct val="70000"/>
+        <a:buFont typeface="Wingdings 2" charset="2"/>
+        <a:buChar char=""/>
+        <a:defRPr sz="1400" kern="1200">
+          <a:ln>
+            <a:solidFill>
+              <a:schemeClr val="bg1">
+                <a:lumMod val="75000"/>
+                <a:lumOff val="25000"/>
+                <a:alpha val="10000"/>
+              </a:schemeClr>
+            </a:solidFill>
+          </a:ln>
           <a:solidFill>
-            <a:schemeClr val="tx1">
-              <a:lumMod val="75000"/>
-              <a:lumOff val="25000"/>
-            </a:schemeClr>
+            <a:schemeClr val="tx2"/>
           </a:solidFill>
+          <a:effectLst>
+            <a:outerShdw blurRad="9525" dist="25400" dir="14640000" algn="tl" rotWithShape="0">
+              <a:schemeClr val="bg1">
+                <a:alpha val="30000"/>
+              </a:schemeClr>
+            </a:outerShdw>
+          </a:effectLst>
           <a:latin typeface="+mn-lt"/>
           <a:ea typeface="+mn-ea"/>
           <a:cs typeface="+mn-cs"/>
         </a:defRPr>
       </a:lvl5pPr>
-      <a:lvl6pPr marL="2514600" indent="-228600" algn="l" defTabSz="457200" rtl="0" eaLnBrk="1" latinLnBrk="0" hangingPunct="1">
+      <a:lvl6pPr marL="2014600" indent="-228600" algn="l" defTabSz="457200" rtl="0" eaLnBrk="1" latinLnBrk="0" hangingPunct="1">
         <a:spcBef>
-          <a:spcPts val="1000"/>
+          <a:spcPct val="20000"/>
         </a:spcBef>
         <a:spcAft>
-          <a:spcPts val="0"/>
+          <a:spcPts val="600"/>
         </a:spcAft>
         <a:buClr>
-          <a:schemeClr val="accent1"/>
+          <a:schemeClr val="tx2"/>
         </a:buClr>
-        <a:buSzPct val="80000"/>
-        <a:buFont typeface="Wingdings 3" charset="2"/>
-        <a:buChar char=""/>
-        <a:defRPr sz="1200" kern="1200">
+        <a:buSzPct val="70000"/>
+        <a:buFont typeface="Wingdings 2" charset="2"/>
+        <a:buChar char=""/>
+        <a:defRPr sz="1400" kern="1200">
+          <a:ln>
+            <a:solidFill>
+              <a:schemeClr val="bg1">
+                <a:lumMod val="75000"/>
+                <a:lumOff val="25000"/>
+                <a:alpha val="10000"/>
+              </a:schemeClr>
+            </a:solidFill>
+          </a:ln>
           <a:solidFill>
-            <a:schemeClr val="tx1">
-              <a:lumMod val="75000"/>
-              <a:lumOff val="25000"/>
-            </a:schemeClr>
+            <a:schemeClr val="tx2"/>
           </a:solidFill>
+          <a:effectLst>
+            <a:outerShdw blurRad="9525" dist="25400" dir="14640000" algn="tl" rotWithShape="0">
+              <a:schemeClr val="bg1">
+                <a:alpha val="30000"/>
+              </a:schemeClr>
+            </a:outerShdw>
+          </a:effectLst>
           <a:latin typeface="+mn-lt"/>
           <a:ea typeface="+mn-ea"/>
           <a:cs typeface="+mn-cs"/>
         </a:defRPr>
       </a:lvl6pPr>
-      <a:lvl7pPr marL="2971800" indent="-228600" algn="l" defTabSz="457200" rtl="0" eaLnBrk="1" latinLnBrk="0" hangingPunct="1">
+      <a:lvl7pPr marL="2401800" indent="-228600" algn="l" defTabSz="457200" rtl="0" eaLnBrk="1" latinLnBrk="0" hangingPunct="1">
         <a:spcBef>
-          <a:spcPts val="1000"/>
+          <a:spcPct val="20000"/>
         </a:spcBef>
         <a:spcAft>
-          <a:spcPts val="0"/>
+          <a:spcPts val="600"/>
         </a:spcAft>
         <a:buClr>
-          <a:schemeClr val="accent1"/>
+          <a:schemeClr val="tx2"/>
         </a:buClr>
-        <a:buSzPct val="80000"/>
-        <a:buFont typeface="Wingdings 3" charset="2"/>
-        <a:buChar char=""/>
-        <a:defRPr sz="1200" kern="1200">
+        <a:buSzPct val="70000"/>
+        <a:buFont typeface="Wingdings 2" charset="2"/>
+        <a:buChar char=""/>
+        <a:defRPr sz="1400" kern="1200">
+          <a:ln>
+            <a:solidFill>
+              <a:schemeClr val="bg1">
+                <a:lumMod val="75000"/>
+                <a:lumOff val="25000"/>
+                <a:alpha val="10000"/>
+              </a:schemeClr>
+            </a:solidFill>
+          </a:ln>
           <a:solidFill>
-            <a:schemeClr val="tx1">
-              <a:lumMod val="75000"/>
-              <a:lumOff val="25000"/>
-            </a:schemeClr>
+            <a:schemeClr val="tx2"/>
           </a:solidFill>
+          <a:effectLst>
+            <a:outerShdw blurRad="9525" dist="25400" dir="14640000" algn="tl" rotWithShape="0">
+              <a:schemeClr val="bg1">
+                <a:alpha val="30000"/>
+              </a:schemeClr>
+            </a:outerShdw>
+          </a:effectLst>
           <a:latin typeface="+mn-lt"/>
           <a:ea typeface="+mn-ea"/>
           <a:cs typeface="+mn-cs"/>
         </a:defRPr>
       </a:lvl7pPr>
-      <a:lvl8pPr marL="3429000" indent="-228600" algn="l" defTabSz="457200" rtl="0" eaLnBrk="1" latinLnBrk="0" hangingPunct="1">
+      <a:lvl8pPr marL="2789000" indent="-228600" algn="l" defTabSz="457200" rtl="0" eaLnBrk="1" latinLnBrk="0" hangingPunct="1">
         <a:spcBef>
-          <a:spcPts val="1000"/>
+          <a:spcPct val="20000"/>
         </a:spcBef>
         <a:spcAft>
-          <a:spcPts val="0"/>
+          <a:spcPts val="600"/>
         </a:spcAft>
         <a:buClr>
-          <a:schemeClr val="accent1"/>
+          <a:schemeClr val="tx2"/>
         </a:buClr>
-        <a:buSzPct val="80000"/>
-        <a:buFont typeface="Wingdings 3" charset="2"/>
-        <a:buChar char=""/>
-        <a:defRPr sz="1200" kern="1200">
+        <a:buSzPct val="70000"/>
+        <a:buFont typeface="Wingdings 2" charset="2"/>
+        <a:buChar char=""/>
+        <a:defRPr sz="1400" kern="1200">
+          <a:ln>
+            <a:solidFill>
+              <a:schemeClr val="bg1">
+                <a:lumMod val="75000"/>
+                <a:lumOff val="25000"/>
+                <a:alpha val="10000"/>
+              </a:schemeClr>
+            </a:solidFill>
+          </a:ln>
           <a:solidFill>
-            <a:schemeClr val="tx1">
-              <a:lumMod val="75000"/>
-              <a:lumOff val="25000"/>
-            </a:schemeClr>
+            <a:schemeClr val="tx2"/>
           </a:solidFill>
+          <a:effectLst>
+            <a:outerShdw blurRad="9525" dist="25400" dir="14640000" algn="tl" rotWithShape="0">
+              <a:schemeClr val="bg1">
+                <a:alpha val="30000"/>
+              </a:schemeClr>
+            </a:outerShdw>
+          </a:effectLst>
           <a:latin typeface="+mn-lt"/>
           <a:ea typeface="+mn-ea"/>
           <a:cs typeface="+mn-cs"/>
         </a:defRPr>
       </a:lvl8pPr>
-      <a:lvl9pPr marL="3886200" indent="-228600" algn="l" defTabSz="457200" rtl="0" eaLnBrk="1" latinLnBrk="0" hangingPunct="1">
+      <a:lvl9pPr marL="3106200" indent="-228600" algn="l" defTabSz="457200" rtl="0" eaLnBrk="1" latinLnBrk="0" hangingPunct="1">
         <a:spcBef>
-          <a:spcPts val="1000"/>
+          <a:spcPct val="20000"/>
         </a:spcBef>
         <a:spcAft>
-          <a:spcPts val="0"/>
+          <a:spcPts val="600"/>
         </a:spcAft>
         <a:buClr>
-          <a:schemeClr val="accent1"/>
+          <a:schemeClr val="tx2"/>
         </a:buClr>
-        <a:buSzPct val="80000"/>
-        <a:buFont typeface="Wingdings 3" charset="2"/>
-        <a:buChar char=""/>
-        <a:defRPr sz="1200" kern="1200">
+        <a:buSzPct val="70000"/>
+        <a:buFont typeface="Wingdings 2" charset="2"/>
+        <a:buChar char=""/>
+        <a:defRPr sz="1400" kern="1200">
+          <a:ln>
+            <a:solidFill>
+              <a:schemeClr val="bg1">
+                <a:lumMod val="75000"/>
+                <a:lumOff val="25000"/>
+                <a:alpha val="10000"/>
+              </a:schemeClr>
+            </a:solidFill>
+          </a:ln>
           <a:solidFill>
-            <a:schemeClr val="tx1">
-              <a:lumMod val="75000"/>
-              <a:lumOff val="25000"/>
-            </a:schemeClr>
+            <a:schemeClr val="tx2"/>
           </a:solidFill>
+          <a:effectLst>
+            <a:outerShdw blurRad="9525" dist="25400" dir="14640000" algn="tl" rotWithShape="0">
+              <a:schemeClr val="bg1">
+                <a:alpha val="30000"/>
+              </a:schemeClr>
+            </a:outerShdw>
+          </a:effectLst>
           <a:latin typeface="+mn-lt"/>
           <a:ea typeface="+mn-ea"/>
           <a:cs typeface="+mn-cs"/>
@@ -5822,46 +6028,123 @@
           <a:chExt cx="0" cy="0"/>
         </a:xfrm>
       </p:grpSpPr>
-      <p:pic>
-        <p:nvPicPr>
-          <p:cNvPr id="3" name="Picture 2">
+      <p:sp>
+        <p:nvSpPr>
+          <p:cNvPr id="2" name="Title 1">
             <a:extLst>
               <a:ext uri="{FF2B5EF4-FFF2-40B4-BE49-F238E27FC236}">
-                <a16:creationId xmlns:a16="http://schemas.microsoft.com/office/drawing/2014/main" id="{D109B77D-0188-4B02-BDAD-57485B2057FE}"/>
+                <a16:creationId xmlns:a16="http://schemas.microsoft.com/office/drawing/2014/main" id="{49ADCA2B-E55E-48E7-A616-91874182D245}"/>
               </a:ext>
             </a:extLst>
           </p:cNvPr>
-          <p:cNvPicPr>
-            <a:picLocks noChangeAspect="1"/>
-          </p:cNvPicPr>
-          <p:nvPr/>
-        </p:nvPicPr>
-        <p:blipFill>
-          <a:blip r:embed="rId2">
+          <p:cNvSpPr>
+            <a:spLocks noGrp="1"/>
+          </p:cNvSpPr>
+          <p:nvPr>
+            <p:ph type="ctrTitle"/>
+          </p:nvPr>
+        </p:nvSpPr>
+        <p:spPr>
+          <a:xfrm>
+            <a:off x="1151960" y="106532"/>
+            <a:ext cx="7766936" cy="2665919"/>
+          </a:xfrm>
+        </p:spPr>
+        <p:txBody>
+          <a:bodyPr>
+            <a:normAutofit/>
+          </a:bodyPr>
+          <a:lstStyle/>
+          <a:p>
+            <a:r>
+              <a:rPr lang="en-IN" b="1" dirty="0"/>
+              <a:t>Edu-Tech: E-Learning Platform </a:t>
+            </a:r>
+          </a:p>
+        </p:txBody>
+      </p:sp>
+      <p:sp>
+        <p:nvSpPr>
+          <p:cNvPr id="3" name="Subtitle 2">
             <a:extLst>
-              <a:ext uri="{28A0092B-C50C-407E-A947-70E740481C1C}">
-                <a14:useLocalDpi xmlns:a14="http://schemas.microsoft.com/office/drawing/2010/main" val="0"/>
+              <a:ext uri="{FF2B5EF4-FFF2-40B4-BE49-F238E27FC236}">
+                <a16:creationId xmlns:a16="http://schemas.microsoft.com/office/drawing/2014/main" id="{5B472177-5876-4537-BB88-0D0E6C83CD05}"/>
               </a:ext>
             </a:extLst>
-          </a:blip>
-          <a:stretch>
-            <a:fillRect/>
-          </a:stretch>
-        </p:blipFill>
+          </p:cNvPr>
+          <p:cNvSpPr>
+            <a:spLocks noGrp="1"/>
+          </p:cNvSpPr>
+          <p:nvPr>
+            <p:ph type="subTitle" idx="1"/>
+          </p:nvPr>
+        </p:nvSpPr>
         <p:spPr>
           <a:xfrm>
-            <a:off x="1333500" y="608306"/>
-            <a:ext cx="9525000" cy="5676900"/>
+            <a:off x="1320636" y="4050833"/>
+            <a:ext cx="7766936" cy="2634052"/>
           </a:xfrm>
-          <a:prstGeom prst="rect">
-            <a:avLst/>
-          </a:prstGeom>
         </p:spPr>
-      </p:pic>
+        <p:txBody>
+          <a:bodyPr>
+            <a:normAutofit fontScale="92500" lnSpcReduction="10000"/>
+          </a:bodyPr>
+          <a:lstStyle/>
+          <a:p>
+            <a:r>
+              <a:rPr lang="en-US" dirty="0"/>
+              <a:t>				</a:t>
+            </a:r>
+            <a:r>
+              <a:rPr lang="en-US" sz="1900" b="1" dirty="0"/>
+              <a:t>SUBMITTED BY :TEAM TERMINATORS</a:t>
+            </a:r>
+          </a:p>
+          <a:p>
+            <a:pPr algn="just"/>
+            <a:r>
+              <a:rPr lang="en-US" sz="1900" b="1" dirty="0"/>
+              <a:t>												PARUL SEHOTRA</a:t>
+            </a:r>
+          </a:p>
+          <a:p>
+            <a:pPr algn="just"/>
+            <a:r>
+              <a:rPr lang="en-US" sz="1900" b="1" dirty="0"/>
+              <a:t>												DALBEER SINGH</a:t>
+            </a:r>
+          </a:p>
+          <a:p>
+            <a:pPr algn="just"/>
+            <a:r>
+              <a:rPr lang="en-US" sz="1900" b="1" dirty="0"/>
+              <a:t>												DEEPANSHI</a:t>
+            </a:r>
+          </a:p>
+          <a:p>
+            <a:pPr algn="just"/>
+            <a:r>
+              <a:rPr lang="en-US" sz="1900" b="1" dirty="0"/>
+              <a:t>												NIKITA</a:t>
+            </a:r>
+          </a:p>
+          <a:p>
+            <a:r>
+              <a:rPr lang="en-US" sz="1900" b="1" dirty="0"/>
+              <a:t>			</a:t>
+            </a:r>
+            <a:r>
+              <a:rPr lang="en-US" sz="4000" b="1" dirty="0"/>
+              <a:t>	</a:t>
+            </a:r>
+            <a:endParaRPr lang="en-IN" sz="4000" b="1" dirty="0"/>
+          </a:p>
+        </p:txBody>
+      </p:sp>
     </p:spTree>
     <p:extLst>
       <p:ext uri="{BB962C8B-B14F-4D97-AF65-F5344CB8AC3E}">
-        <p14:creationId xmlns:p14="http://schemas.microsoft.com/office/powerpoint/2010/main" val="348093881"/>
+        <p14:creationId xmlns:p14="http://schemas.microsoft.com/office/powerpoint/2010/main" val="4286127289"/>
       </p:ext>
     </p:extLst>
   </p:cSld>
@@ -5951,7 +6234,7 @@
           <p:cNvPr id="2" name="Title 1">
             <a:extLst>
               <a:ext uri="{FF2B5EF4-FFF2-40B4-BE49-F238E27FC236}">
-                <a16:creationId xmlns:a16="http://schemas.microsoft.com/office/drawing/2014/main" id="{49ADCA2B-E55E-48E7-A616-91874182D245}"/>
+                <a16:creationId xmlns:a16="http://schemas.microsoft.com/office/drawing/2014/main" id="{D2320F52-E67B-4800-B747-89425B3ACFFE}"/>
               </a:ext>
             </a:extLst>
           </p:cNvPr>
@@ -5959,104 +6242,89 @@
             <a:spLocks noGrp="1"/>
           </p:cNvSpPr>
           <p:nvPr>
-            <p:ph type="ctrTitle"/>
-          </p:nvPr>
-        </p:nvSpPr>
-        <p:spPr/>
-        <p:txBody>
-          <a:bodyPr/>
-          <a:lstStyle/>
-          <a:p>
-            <a:r>
-              <a:rPr lang="en-US" b="1" dirty="0"/>
-              <a:t>OUR COMMITMENT ON EDUCATION TECHNOLOGY</a:t>
-            </a:r>
-            <a:endParaRPr lang="en-IN" b="1" dirty="0"/>
-          </a:p>
-        </p:txBody>
-      </p:sp>
-      <p:sp>
-        <p:nvSpPr>
-          <p:cNvPr id="3" name="Subtitle 2">
+            <p:ph type="title"/>
+          </p:nvPr>
+        </p:nvSpPr>
+        <p:spPr>
+          <a:xfrm>
+            <a:off x="0" y="591845"/>
+            <a:ext cx="3604940" cy="4770268"/>
+          </a:xfrm>
+        </p:spPr>
+        <p:txBody>
+          <a:bodyPr>
+            <a:normAutofit/>
+          </a:bodyPr>
+          <a:lstStyle/>
+          <a:p>
+            <a:r>
+              <a:rPr lang="en-IN" dirty="0"/>
+              <a:t>“Tell me, and I’ll forget,</a:t>
+            </a:r>
+            <a:br>
+              <a:rPr lang="en-IN" dirty="0"/>
+            </a:br>
+            <a:r>
+              <a:rPr lang="en-IN" dirty="0"/>
+              <a:t> show me , and I may </a:t>
+            </a:r>
+            <a:br>
+              <a:rPr lang="en-IN" dirty="0"/>
+            </a:br>
+            <a:r>
+              <a:rPr lang="en-IN" dirty="0"/>
+              <a:t>remember, Involve me, and </a:t>
+            </a:r>
+            <a:br>
+              <a:rPr lang="en-IN" dirty="0"/>
+            </a:br>
+            <a:r>
+              <a:rPr lang="en-IN" dirty="0"/>
+              <a:t>I’ll understand”</a:t>
+            </a:r>
+          </a:p>
+        </p:txBody>
+      </p:sp>
+      <p:pic>
+        <p:nvPicPr>
+          <p:cNvPr id="4" name="Picture 3">
             <a:extLst>
               <a:ext uri="{FF2B5EF4-FFF2-40B4-BE49-F238E27FC236}">
-                <a16:creationId xmlns:a16="http://schemas.microsoft.com/office/drawing/2014/main" id="{5B472177-5876-4537-BB88-0D0E6C83CD05}"/>
+                <a16:creationId xmlns:a16="http://schemas.microsoft.com/office/drawing/2014/main" id="{12AB4B0D-79D0-47DA-8972-DBAE2A387412}"/>
               </a:ext>
             </a:extLst>
           </p:cNvPr>
-          <p:cNvSpPr>
-            <a:spLocks noGrp="1"/>
-          </p:cNvSpPr>
-          <p:nvPr>
-            <p:ph type="subTitle" idx="1"/>
-          </p:nvPr>
-        </p:nvSpPr>
+          <p:cNvPicPr>
+            <a:picLocks noChangeAspect="1"/>
+          </p:cNvPicPr>
+          <p:nvPr/>
+        </p:nvPicPr>
+        <p:blipFill>
+          <a:blip r:embed="rId2">
+            <a:extLst>
+              <a:ext uri="{28A0092B-C50C-407E-A947-70E740481C1C}">
+                <a14:useLocalDpi xmlns:a14="http://schemas.microsoft.com/office/drawing/2010/main" val="0"/>
+              </a:ext>
+            </a:extLst>
+          </a:blip>
+          <a:stretch>
+            <a:fillRect/>
+          </a:stretch>
+        </p:blipFill>
         <p:spPr>
           <a:xfrm>
-            <a:off x="1320636" y="4050833"/>
-            <a:ext cx="7766936" cy="2634052"/>
+            <a:off x="3577701" y="0"/>
+            <a:ext cx="8614299" cy="6858000"/>
           </a:xfrm>
+          <a:prstGeom prst="rect">
+            <a:avLst/>
+          </a:prstGeom>
         </p:spPr>
-        <p:txBody>
-          <a:bodyPr>
-            <a:normAutofit fontScale="92500" lnSpcReduction="10000"/>
-          </a:bodyPr>
-          <a:lstStyle/>
-          <a:p>
-            <a:r>
-              <a:rPr lang="en-US" dirty="0"/>
-              <a:t>				</a:t>
-            </a:r>
-            <a:r>
-              <a:rPr lang="en-US" sz="1900" b="1" dirty="0"/>
-              <a:t>SUBMITTED BY :TEAM TERMINATORS</a:t>
-            </a:r>
-          </a:p>
-          <a:p>
-            <a:pPr algn="just"/>
-            <a:r>
-              <a:rPr lang="en-US" sz="1900" b="1" dirty="0"/>
-              <a:t>												PARUL SEHOTRA</a:t>
-            </a:r>
-          </a:p>
-          <a:p>
-            <a:pPr algn="just"/>
-            <a:r>
-              <a:rPr lang="en-US" sz="1900" b="1" dirty="0"/>
-              <a:t>												DALBEER SINGH</a:t>
-            </a:r>
-          </a:p>
-          <a:p>
-            <a:pPr algn="just"/>
-            <a:r>
-              <a:rPr lang="en-US" sz="1900" b="1" dirty="0"/>
-              <a:t>												DEEPANSHI</a:t>
-            </a:r>
-          </a:p>
-          <a:p>
-            <a:pPr algn="just"/>
-            <a:r>
-              <a:rPr lang="en-US" sz="1900" b="1" dirty="0"/>
-              <a:t>												NIKITA</a:t>
-            </a:r>
-          </a:p>
-          <a:p>
-            <a:r>
-              <a:rPr lang="en-US" sz="1900" b="1" dirty="0"/>
-              <a:t>			</a:t>
-            </a:r>
-            <a:r>
-              <a:rPr lang="en-US" sz="4000" b="1" dirty="0"/>
-              <a:t>	</a:t>
-            </a:r>
-            <a:endParaRPr lang="en-IN" sz="4000" b="1" dirty="0"/>
-          </a:p>
-        </p:txBody>
-      </p:sp>
+      </p:pic>
     </p:spTree>
     <p:extLst>
       <p:ext uri="{BB962C8B-B14F-4D97-AF65-F5344CB8AC3E}">
-        <p14:creationId xmlns:p14="http://schemas.microsoft.com/office/powerpoint/2010/main" val="4286127289"/>
+        <p14:creationId xmlns:p14="http://schemas.microsoft.com/office/powerpoint/2010/main" val="2204827840"/>
       </p:ext>
     </p:extLst>
   </p:cSld>
@@ -6130,14 +6398,16 @@
         </p:nvSpPr>
         <p:spPr/>
         <p:txBody>
-          <a:bodyPr/>
-          <a:lstStyle/>
-          <a:p>
-            <a:r>
-              <a:rPr lang="en-US" dirty="0"/>
-              <a:t>Education Technology is the effective  use of technology tools in learning as a concept it concerns an array of tools such as media, machines and networking hardware as well as considering underlying theoretical perspective for their effective application.</a:t>
-            </a:r>
-            <a:endParaRPr lang="en-IN" dirty="0"/>
+          <a:bodyPr>
+            <a:normAutofit/>
+          </a:bodyPr>
+          <a:lstStyle/>
+          <a:p>
+            <a:r>
+              <a:rPr lang="en-US" sz="2800" dirty="0"/>
+              <a:t>Education Technology is the effective use of technology tools in learning as a concept it concerns an array of tools such as media, machines and networking hardware as well as considering underlying theoretical perspective for their effective application.</a:t>
+            </a:r>
+            <a:endParaRPr lang="en-IN" sz="2800" dirty="0"/>
           </a:p>
         </p:txBody>
       </p:sp>
@@ -6189,7 +6459,9 @@
         </p:nvSpPr>
         <p:spPr/>
         <p:txBody>
-          <a:bodyPr/>
+          <a:bodyPr>
+            <a:normAutofit fontScale="90000"/>
+          </a:bodyPr>
           <a:lstStyle/>
           <a:p>
             <a:r>
@@ -6241,7 +6513,7 @@
         <p:spPr/>
         <p:txBody>
           <a:bodyPr>
-            <a:normAutofit fontScale="92500" lnSpcReduction="10000"/>
+            <a:normAutofit/>
           </a:bodyPr>
           <a:lstStyle/>
           <a:p>
@@ -6293,67 +6565,40 @@
                 <a:effectLst/>
                 <a:latin typeface="Arial" panose="020B0604020202020204" pitchFamily="34" charset="0"/>
               </a:rPr>
-              <a:t> and game elements in learning </a:t>
-            </a:r>
-            <a:r>
-              <a:rPr lang="en-US" sz="2200" b="0" i="0" dirty="0" err="1">
+              <a:t> and game elements in learning environments .</a:t>
+            </a:r>
+          </a:p>
+          <a:p>
+            <a:pPr algn="l"/>
+            <a:r>
+              <a:rPr lang="en-US" sz="2200" b="0" i="0" dirty="0">
                 <a:solidFill>
                   <a:schemeClr val="tx1"/>
                 </a:solidFill>
                 <a:effectLst/>
                 <a:latin typeface="Arial" panose="020B0604020202020204" pitchFamily="34" charset="0"/>
               </a:rPr>
-              <a:t>environments.The</a:t>
-            </a:r>
-            <a:r>
-              <a:rPr lang="en-US" sz="2200" b="0" i="0" dirty="0">
+              <a:t>“</a:t>
+            </a:r>
+            <a:r>
+              <a:rPr lang="en-US" sz="2200" dirty="0">
                 <a:solidFill>
                   <a:schemeClr val="tx1"/>
                 </a:solidFill>
                 <a:effectLst/>
                 <a:latin typeface="Arial" panose="020B0604020202020204" pitchFamily="34" charset="0"/>
               </a:rPr>
-              <a:t> goal is to maximize enjoyment and engagement through capturing the interest of learners and inspiring them to continue learning. There are two forms of gamification, structural with no subject matter changes, and the altered content method that adds subject </a:t>
-            </a:r>
-            <a:r>
-              <a:rPr lang="en-US" sz="2200" b="0" i="0" dirty="0" err="1">
+              <a:t>I</a:t>
+            </a:r>
+            <a:r>
+              <a:rPr lang="en-US" sz="2200" b="0" i="0" dirty="0">
                 <a:solidFill>
                   <a:schemeClr val="tx1"/>
                 </a:solidFill>
                 <a:effectLst/>
                 <a:latin typeface="Arial" panose="020B0604020202020204" pitchFamily="34" charset="0"/>
               </a:rPr>
-              <a:t>matter.Games</a:t>
-            </a:r>
-            <a:r>
-              <a:rPr lang="en-US" sz="2200" b="0" i="0" dirty="0">
-                <a:solidFill>
-                  <a:schemeClr val="tx1"/>
-                </a:solidFill>
-                <a:effectLst/>
-                <a:latin typeface="Arial" panose="020B0604020202020204" pitchFamily="34" charset="0"/>
-              </a:rPr>
-              <a:t> applied in learning can be considered as serious games, where the learning experience is </a:t>
-            </a:r>
-            <a:r>
-              <a:rPr lang="en-US" sz="2200" b="0" i="0" dirty="0" err="1">
-                <a:solidFill>
-                  <a:schemeClr val="tx1"/>
-                </a:solidFill>
-                <a:effectLst/>
-                <a:latin typeface="Arial" panose="020B0604020202020204" pitchFamily="34" charset="0"/>
-              </a:rPr>
-              <a:t>centred</a:t>
-            </a:r>
-            <a:r>
-              <a:rPr lang="en-US" sz="2200" b="0" i="0" dirty="0">
-                <a:solidFill>
-                  <a:schemeClr val="tx1"/>
-                </a:solidFill>
-                <a:effectLst/>
-                <a:latin typeface="Arial" panose="020B0604020202020204" pitchFamily="34" charset="0"/>
-              </a:rPr>
-              <a:t> around serious stories. The serious story is "impressive in quality" and "part of a thoughtful process" to achieve learning goals.</a:t>
+              <a:t>mpressive in quality" and "part of a thoughtful process" can help to achieve learning goals.</a:t>
             </a:r>
           </a:p>
           <a:p>
@@ -6424,46 +6669,117 @@
           <a:chExt cx="0" cy="0"/>
         </a:xfrm>
       </p:grpSpPr>
-      <p:pic>
-        <p:nvPicPr>
-          <p:cNvPr id="6" name="Picture 5">
+      <p:sp>
+        <p:nvSpPr>
+          <p:cNvPr id="2" name="Title 1">
             <a:extLst>
               <a:ext uri="{FF2B5EF4-FFF2-40B4-BE49-F238E27FC236}">
-                <a16:creationId xmlns:a16="http://schemas.microsoft.com/office/drawing/2014/main" id="{9C9AA15C-12A5-4FF4-8E1F-49BFDE67A9EF}"/>
+                <a16:creationId xmlns:a16="http://schemas.microsoft.com/office/drawing/2014/main" id="{C03F6B1E-5CDC-4439-BEA9-F61AA986A43F}"/>
               </a:ext>
             </a:extLst>
           </p:cNvPr>
-          <p:cNvPicPr>
-            <a:picLocks noChangeAspect="1"/>
-          </p:cNvPicPr>
-          <p:nvPr/>
-        </p:nvPicPr>
-        <p:blipFill>
-          <a:blip r:embed="rId2">
+          <p:cNvSpPr>
+            <a:spLocks noGrp="1"/>
+          </p:cNvSpPr>
+          <p:nvPr>
+            <p:ph type="title"/>
+          </p:nvPr>
+        </p:nvSpPr>
+        <p:spPr/>
+        <p:txBody>
+          <a:bodyPr/>
+          <a:lstStyle/>
+          <a:p>
+            <a:r>
+              <a:rPr lang="en-IN" b="1" u="sng" dirty="0"/>
+              <a:t>IDEA  BRIEF</a:t>
+            </a:r>
+          </a:p>
+        </p:txBody>
+      </p:sp>
+      <p:sp>
+        <p:nvSpPr>
+          <p:cNvPr id="3" name="Content Placeholder 2">
             <a:extLst>
-              <a:ext uri="{28A0092B-C50C-407E-A947-70E740481C1C}">
-                <a14:useLocalDpi xmlns:a14="http://schemas.microsoft.com/office/drawing/2010/main" val="0"/>
+              <a:ext uri="{FF2B5EF4-FFF2-40B4-BE49-F238E27FC236}">
+                <a16:creationId xmlns:a16="http://schemas.microsoft.com/office/drawing/2014/main" id="{C4332F73-233F-4F48-978A-24F8AC5AA823}"/>
               </a:ext>
             </a:extLst>
-          </a:blip>
-          <a:stretch>
-            <a:fillRect/>
-          </a:stretch>
-        </p:blipFill>
-        <p:spPr>
-          <a:xfrm>
-            <a:off x="0" y="62144"/>
-            <a:ext cx="12192000" cy="6795856"/>
-          </a:xfrm>
-          <a:prstGeom prst="rect">
-            <a:avLst/>
-          </a:prstGeom>
-        </p:spPr>
-      </p:pic>
+          </p:cNvPr>
+          <p:cNvSpPr>
+            <a:spLocks noGrp="1"/>
+          </p:cNvSpPr>
+          <p:nvPr>
+            <p:ph idx="1"/>
+          </p:nvPr>
+        </p:nvSpPr>
+        <p:spPr/>
+        <p:txBody>
+          <a:bodyPr>
+            <a:normAutofit/>
+          </a:bodyPr>
+          <a:lstStyle/>
+          <a:p>
+            <a:pPr marL="36900" indent="0">
+              <a:buNone/>
+            </a:pPr>
+            <a:r>
+              <a:rPr lang="en-IN" sz="2400" dirty="0">
+                <a:solidFill>
+                  <a:schemeClr val="tx1"/>
+                </a:solidFill>
+              </a:rPr>
+              <a:t>Creating an android application with which we can </a:t>
+            </a:r>
+            <a:r>
+              <a:rPr lang="en-IN" sz="2400" dirty="0" err="1">
+                <a:solidFill>
+                  <a:schemeClr val="tx1"/>
+                </a:solidFill>
+              </a:rPr>
+              <a:t>can</a:t>
+            </a:r>
+            <a:r>
+              <a:rPr lang="en-IN" sz="2400" dirty="0">
+                <a:solidFill>
+                  <a:schemeClr val="tx1"/>
+                </a:solidFill>
+              </a:rPr>
+              <a:t> setup a point system by presenting learning content in integration with game elements in a motivating way, earning points motivates students and helps them feel rewarded for their efforts.</a:t>
+            </a:r>
+          </a:p>
+          <a:p>
+            <a:pPr marL="36900" indent="0">
+              <a:buNone/>
+            </a:pPr>
+            <a:r>
+              <a:rPr lang="en-IN" sz="2400" dirty="0">
+                <a:solidFill>
+                  <a:schemeClr val="tx1"/>
+                </a:solidFill>
+              </a:rPr>
+              <a:t>By implementing a progress tracker tool, from which we are able to track the progress made by each student.</a:t>
+            </a:r>
+          </a:p>
+          <a:p>
+            <a:pPr marL="36900" indent="0">
+              <a:buNone/>
+            </a:pPr>
+            <a:r>
+              <a:rPr lang="en-IN" sz="2400" dirty="0">
+                <a:solidFill>
+                  <a:schemeClr val="tx1"/>
+                </a:solidFill>
+              </a:rPr>
+              <a:t>We can apply Action Based Content Unlocking approach.</a:t>
+            </a:r>
+          </a:p>
+        </p:txBody>
+      </p:sp>
     </p:spTree>
     <p:extLst>
       <p:ext uri="{BB962C8B-B14F-4D97-AF65-F5344CB8AC3E}">
-        <p14:creationId xmlns:p14="http://schemas.microsoft.com/office/powerpoint/2010/main" val="823552086"/>
+        <p14:creationId xmlns:p14="http://schemas.microsoft.com/office/powerpoint/2010/main" val="3553490515"/>
       </p:ext>
     </p:extLst>
   </p:cSld>
@@ -6495,7 +6811,7 @@
           <p:cNvPr id="2" name="Title 1">
             <a:extLst>
               <a:ext uri="{FF2B5EF4-FFF2-40B4-BE49-F238E27FC236}">
-                <a16:creationId xmlns:a16="http://schemas.microsoft.com/office/drawing/2014/main" id="{CF48ABB6-2156-4E2D-BE77-7EB211A8B8AD}"/>
+                <a16:creationId xmlns:a16="http://schemas.microsoft.com/office/drawing/2014/main" id="{4921DFB0-51DE-4B20-96C9-BC9F2CF1B90F}"/>
               </a:ext>
             </a:extLst>
           </p:cNvPr>
@@ -6506,36 +6822,15 @@
             <p:ph type="title"/>
           </p:nvPr>
         </p:nvSpPr>
-        <p:spPr>
-          <a:xfrm>
-            <a:off x="677334" y="195309"/>
-            <a:ext cx="8596668" cy="665825"/>
-          </a:xfrm>
-        </p:spPr>
-        <p:txBody>
-          <a:bodyPr>
-            <a:normAutofit fontScale="90000"/>
-          </a:bodyPr>
-          <a:lstStyle/>
-          <a:p>
-            <a:pPr fontAlgn="base"/>
-            <a:r>
-              <a:rPr lang="en-US" sz="3100" b="1" i="0" u="sng" dirty="0">
-                <a:effectLst/>
-                <a:latin typeface="Source Sans Pro" panose="020B0503030403020204" pitchFamily="34" charset="0"/>
-              </a:rPr>
-              <a:t>How can we gamify education in my classroom?</a:t>
-            </a:r>
-            <a:br>
-              <a:rPr lang="en-US" sz="3100" b="1" i="0" u="sng" dirty="0">
-                <a:effectLst/>
-                <a:latin typeface="Source Sans Pro" panose="020B0503030403020204" pitchFamily="34" charset="0"/>
-              </a:rPr>
-            </a:br>
-            <a:br>
-              <a:rPr lang="en-US" u="sng" dirty="0"/>
-            </a:br>
-            <a:endParaRPr lang="en-IN" u="sng" dirty="0"/>
+        <p:spPr/>
+        <p:txBody>
+          <a:bodyPr/>
+          <a:lstStyle/>
+          <a:p>
+            <a:r>
+              <a:rPr lang="en-IN" b="1" u="sng" dirty="0"/>
+              <a:t>TECH STACK</a:t>
+            </a:r>
           </a:p>
         </p:txBody>
       </p:sp>
@@ -6544,7 +6839,7 @@
           <p:cNvPr id="3" name="Content Placeholder 2">
             <a:extLst>
               <a:ext uri="{FF2B5EF4-FFF2-40B4-BE49-F238E27FC236}">
-                <a16:creationId xmlns:a16="http://schemas.microsoft.com/office/drawing/2014/main" id="{77AAB33F-5BC0-43D0-9BE8-7E7E65E61449}"/>
+                <a16:creationId xmlns:a16="http://schemas.microsoft.com/office/drawing/2014/main" id="{FEA2EE3A-B496-45B1-BECE-723FE1A4E0EA}"/>
               </a:ext>
             </a:extLst>
           </p:cNvPr>
@@ -6555,143 +6850,44 @@
             <p:ph idx="1"/>
           </p:nvPr>
         </p:nvSpPr>
-        <p:spPr>
-          <a:xfrm>
-            <a:off x="838200" y="807868"/>
-            <a:ext cx="10515600" cy="5903650"/>
-          </a:xfrm>
-        </p:spPr>
-        <p:txBody>
-          <a:bodyPr>
-            <a:normAutofit fontScale="85000" lnSpcReduction="10000"/>
-          </a:bodyPr>
-          <a:lstStyle/>
-          <a:p>
-            <a:pPr marL="0" indent="0" algn="l" fontAlgn="base">
-              <a:buNone/>
-            </a:pPr>
-            <a:r>
-              <a:rPr lang="en-US" b="1" i="0" u="none" strike="noStrike" dirty="0">
-                <a:solidFill>
-                  <a:schemeClr val="tx1"/>
-                </a:solidFill>
-                <a:effectLst/>
-                <a:latin typeface="Source Sans Pro" panose="020B0503030403020204" pitchFamily="34" charset="0"/>
-              </a:rPr>
-              <a:t>1. Gamification in grading</a:t>
-            </a:r>
-          </a:p>
-          <a:p>
-            <a:pPr marL="0" indent="0" algn="l" fontAlgn="base">
-              <a:buNone/>
-            </a:pPr>
-            <a:r>
-              <a:rPr lang="en-US" b="0" i="0" u="none" strike="noStrike" dirty="0">
-                <a:solidFill>
-                  <a:schemeClr val="tx1"/>
-                </a:solidFill>
-                <a:effectLst/>
-                <a:latin typeface="Source Sans Pro" panose="020B0503030403020204" pitchFamily="34" charset="0"/>
-              </a:rPr>
-              <a:t>One success story is Lee Sheldon, a professor at Indiana University, who gamified his course by abandoning grades and implementing an </a:t>
-            </a:r>
-            <a:r>
-              <a:rPr lang="en-US" b="1" i="0" u="none" strike="noStrike" dirty="0">
-                <a:solidFill>
-                  <a:schemeClr val="tx1"/>
-                </a:solidFill>
-                <a:effectLst/>
-                <a:latin typeface="inherit"/>
-                <a:hlinkClick r:id="rId2" tooltip="Professor Abandons Grades for Experience Points">
-                  <a:extLst>
-                    <a:ext uri="{A12FA001-AC4F-418D-AE19-62706E023703}">
-                      <ahyp:hlinkClr xmlns:ahyp="http://schemas.microsoft.com/office/drawing/2018/hyperlinkcolor" val="tx"/>
-                    </a:ext>
-                  </a:extLst>
-                </a:hlinkClick>
-              </a:rPr>
-              <a:t>“experience points”</a:t>
-            </a:r>
-            <a:r>
-              <a:rPr lang="en-US" b="0" i="0" u="none" strike="noStrike" dirty="0">
-                <a:solidFill>
-                  <a:schemeClr val="tx1"/>
-                </a:solidFill>
-                <a:effectLst/>
-                <a:latin typeface="Source Sans Pro" panose="020B0503030403020204" pitchFamily="34" charset="0"/>
-              </a:rPr>
-              <a:t> system. Students’ letter grades are determined by the number of points they have accumulated at the end of the course, in other words, by how much they have accomplished. Because of the extracurricular interests of the current college-age generation (games!), Professor Sheldon attributes success to the fact that “the elements of the class are couched in terms they understand.” Students are progressing towards levels of mastery, as one does in games. Each assignment and each test feels rewarding, rather than disheartening. Using experience points allows educators to align levels with skills and highlight the inherent value of education.</a:t>
-            </a:r>
-          </a:p>
-          <a:p>
-            <a:pPr marL="0" indent="0" algn="l" fontAlgn="base">
-              <a:buNone/>
-            </a:pPr>
-            <a:r>
-              <a:rPr lang="en-US" b="1" i="0" u="none" strike="noStrike" dirty="0">
-                <a:solidFill>
-                  <a:schemeClr val="tx1"/>
-                </a:solidFill>
-                <a:effectLst/>
-                <a:latin typeface="Source Sans Pro" panose="020B0503030403020204" pitchFamily="34" charset="0"/>
-              </a:rPr>
-              <a:t>2. Award students with badges</a:t>
-            </a:r>
-          </a:p>
-          <a:p>
-            <a:pPr marL="0" indent="0" algn="l" fontAlgn="base">
-              <a:buNone/>
-            </a:pPr>
-            <a:r>
-              <a:rPr lang="en-US" b="0" i="0" u="none" strike="noStrike" dirty="0">
-                <a:solidFill>
-                  <a:schemeClr val="tx1"/>
-                </a:solidFill>
-                <a:effectLst/>
-                <a:latin typeface="Source Sans Pro" panose="020B0503030403020204" pitchFamily="34" charset="0"/>
-              </a:rPr>
-              <a:t>For each assignment completed, award students with badges. This may seem like a regression back to Kindergarten stickers of gold stars, but it’s working for Khan Academy. As students watch instructional videos and complete problem sets, Khan Academy awards them with points and badges to track progress and encourage perseverance. Western Oklahoma State College is implementing this form of gamification into their technology classes, with badges like “Moodle Noob No More,” or, a personal favorite “Drop It Like It Hot” to indicate mastery of Dropbox. However, as previously noted, it’s important to add value to the badges, like bonus points, skill levels, etc.</a:t>
-            </a:r>
-          </a:p>
-          <a:p>
-            <a:pPr marL="0" indent="0" algn="l" fontAlgn="base">
-              <a:buNone/>
-            </a:pPr>
-            <a:r>
-              <a:rPr lang="en-US" b="1" i="0" u="none" strike="noStrike" dirty="0">
-                <a:solidFill>
-                  <a:schemeClr val="tx1"/>
-                </a:solidFill>
-                <a:effectLst/>
-                <a:latin typeface="Source Sans Pro" panose="020B0503030403020204" pitchFamily="34" charset="0"/>
-              </a:rPr>
-              <a:t>3. Integrate educational video games into your curriculum</a:t>
-            </a:r>
-          </a:p>
-          <a:p>
-            <a:pPr marL="0" indent="0" algn="l" fontAlgn="base">
-              <a:buNone/>
-            </a:pPr>
-            <a:r>
-              <a:rPr lang="en-US" b="0" i="0" u="none" strike="noStrike" dirty="0">
-                <a:solidFill>
-                  <a:schemeClr val="tx1"/>
-                </a:solidFill>
-                <a:effectLst/>
-                <a:latin typeface="Source Sans Pro" panose="020B0503030403020204" pitchFamily="34" charset="0"/>
-              </a:rPr>
-              <a:t>The use of games allows students to fail, overcome, and persevere. Students are given a sense of agency—in games, they control the choices they make, and the more agency students have, the better students do. Instantaneous feedback and small rewards (or big ones, like winning) are external motivators that work. Case in point, Mr. Pai, a 3rd-grade teacher on a mission to make learning fun. He disrupted the traditional classroom setting by introducing the Nintendo DS, among other technology, into his daily curriculum. Students practiced math and language through the use of computers and video games. In just eighteen weeks, his class went from a below 3rd-grade level to a mid-fourth-grade level.</a:t>
-            </a:r>
-          </a:p>
-          <a:p>
-            <a:endParaRPr lang="en-IN" dirty="0"/>
+        <p:spPr/>
+        <p:txBody>
+          <a:bodyPr/>
+          <a:lstStyle/>
+          <a:p>
+            <a:r>
+              <a:rPr lang="en-IN" sz="2800" dirty="0"/>
+              <a:t>Flutter.</a:t>
+            </a:r>
+          </a:p>
+          <a:p>
+            <a:r>
+              <a:rPr lang="en-IN" sz="2800" dirty="0"/>
+              <a:t>C sharp.</a:t>
+            </a:r>
+          </a:p>
+          <a:p>
+            <a:r>
+              <a:rPr lang="en-IN" sz="2800" dirty="0"/>
+              <a:t>Database , My SQL. </a:t>
+            </a:r>
+          </a:p>
+          <a:p>
+            <a:r>
+              <a:rPr lang="en-IN" sz="2800" dirty="0"/>
+              <a:t>Angular</a:t>
+            </a:r>
+            <a:r>
+              <a:rPr lang="en-IN" dirty="0"/>
+              <a:t>.</a:t>
+            </a:r>
           </a:p>
         </p:txBody>
       </p:sp>
     </p:spTree>
     <p:extLst>
       <p:ext uri="{BB962C8B-B14F-4D97-AF65-F5344CB8AC3E}">
-        <p14:creationId xmlns:p14="http://schemas.microsoft.com/office/powerpoint/2010/main" val="1520001114"/>
+        <p14:creationId xmlns:p14="http://schemas.microsoft.com/office/powerpoint/2010/main" val="1902199134"/>
       </p:ext>
     </p:extLst>
   </p:cSld>
@@ -6723,7 +6919,7 @@
           <p:cNvPr id="2" name="Title 1">
             <a:extLst>
               <a:ext uri="{FF2B5EF4-FFF2-40B4-BE49-F238E27FC236}">
-                <a16:creationId xmlns:a16="http://schemas.microsoft.com/office/drawing/2014/main" id="{AFD170E3-C207-4959-95A7-8256FCBAC09D}"/>
+                <a16:creationId xmlns:a16="http://schemas.microsoft.com/office/drawing/2014/main" id="{2A6CEAFC-F730-4402-BD84-F209ED71C9CF}"/>
               </a:ext>
             </a:extLst>
           </p:cNvPr>
@@ -6734,28 +6930,35 @@
             <p:ph type="title"/>
           </p:nvPr>
         </p:nvSpPr>
-        <p:spPr/>
-        <p:txBody>
-          <a:bodyPr/>
-          <a:lstStyle/>
-          <a:p>
-            <a:r>
-              <a:rPr lang="en-US" b="0" i="0" u="sng" dirty="0">
+        <p:spPr>
+          <a:xfrm>
+            <a:off x="913795" y="399494"/>
+            <a:ext cx="10353762" cy="1988599"/>
+          </a:xfrm>
+        </p:spPr>
+        <p:txBody>
+          <a:bodyPr>
+            <a:normAutofit fontScale="90000"/>
+          </a:bodyPr>
+          <a:lstStyle/>
+          <a:p>
+            <a:r>
+              <a:rPr lang="en-US" sz="4000" b="1" i="0" u="sng" dirty="0">
                 <a:effectLst/>
-                <a:latin typeface="Linux Libertine"/>
+                <a:latin typeface="Source Sans Pro" panose="020B0503030403020204" pitchFamily="34" charset="0"/>
               </a:rPr>
-              <a:t>Game elements that can facilitate learning</a:t>
+              <a:t>How can we gamify education in my classroom?</a:t>
             </a:r>
             <a:br>
-              <a:rPr lang="en-US" b="0" i="0" dirty="0">
-                <a:solidFill>
-                  <a:srgbClr val="000000"/>
-                </a:solidFill>
+              <a:rPr lang="en-US" sz="4000" b="1" i="0" u="sng" dirty="0">
                 <a:effectLst/>
-                <a:latin typeface="Linux Libertine"/>
+                <a:latin typeface="Source Sans Pro" panose="020B0503030403020204" pitchFamily="34" charset="0"/>
               </a:rPr>
             </a:br>
-            <a:endParaRPr lang="en-IN" dirty="0"/>
+            <a:br>
+              <a:rPr lang="en-US" u="sng" dirty="0"/>
+            </a:br>
+            <a:endParaRPr lang="en-IN" b="1" u="sng" dirty="0"/>
           </a:p>
         </p:txBody>
       </p:sp>
@@ -6764,7 +6967,7 @@
           <p:cNvPr id="3" name="Content Placeholder 2">
             <a:extLst>
               <a:ext uri="{FF2B5EF4-FFF2-40B4-BE49-F238E27FC236}">
-                <a16:creationId xmlns:a16="http://schemas.microsoft.com/office/drawing/2014/main" id="{95FDED82-0F0C-4510-9687-71AD4AEDAEFD}"/>
+                <a16:creationId xmlns:a16="http://schemas.microsoft.com/office/drawing/2014/main" id="{253DAF0A-71EF-45FF-A36A-CC3C5F0B2E26}"/>
               </a:ext>
             </a:extLst>
           </p:cNvPr>
@@ -6775,156 +6978,141 @@
             <p:ph idx="1"/>
           </p:nvPr>
         </p:nvSpPr>
-        <p:spPr/>
-        <p:txBody>
-          <a:bodyPr/>
-          <a:lstStyle/>
-          <a:p>
-            <a:pPr algn="l">
-              <a:buFont typeface="Arial" panose="020B0604020202020204" pitchFamily="34" charset="0"/>
-              <a:buChar char="•"/>
-            </a:pPr>
-            <a:r>
-              <a:rPr lang="en-US" b="0" i="0" dirty="0">
+        <p:spPr>
+          <a:xfrm>
+            <a:off x="913795" y="1519880"/>
+            <a:ext cx="10353762" cy="5338119"/>
+          </a:xfrm>
+        </p:spPr>
+        <p:txBody>
+          <a:bodyPr>
+            <a:normAutofit/>
+          </a:bodyPr>
+          <a:lstStyle/>
+          <a:p>
+            <a:r>
+              <a:rPr lang="en-US" sz="2400" b="0" i="0" dirty="0">
                 <a:solidFill>
                   <a:schemeClr val="tx1"/>
                 </a:solidFill>
                 <a:effectLst/>
-                <a:latin typeface="Arial" panose="020B0604020202020204" pitchFamily="34" charset="0"/>
+                <a:latin typeface="Roboto"/>
               </a:rPr>
-              <a:t>Progress mechanics (points/badges/leaderboards, or PBL's)</a:t>
-            </a:r>
-          </a:p>
-          <a:p>
-            <a:pPr algn="l">
-              <a:buFont typeface="Arial" panose="020B0604020202020204" pitchFamily="34" charset="0"/>
-              <a:buChar char="•"/>
-            </a:pPr>
-            <a:r>
-              <a:rPr lang="en-US" dirty="0">
+              <a:t>Adapt old-school games for classroom use. </a:t>
+            </a:r>
+          </a:p>
+          <a:p>
+            <a:r>
+              <a:rPr lang="en-US" sz="2400" b="0" i="0" dirty="0">
                 <a:solidFill>
                   <a:schemeClr val="tx1"/>
                 </a:solidFill>
-                <a:latin typeface="Arial" panose="020B0604020202020204" pitchFamily="34" charset="0"/>
+                <a:effectLst/>
+                <a:latin typeface="Roboto"/>
               </a:rPr>
-              <a:t>Narrative</a:t>
-            </a:r>
-            <a:r>
-              <a:rPr lang="en-US" b="0" i="0" dirty="0">
+              <a:t>Give points or badges for meeting academic objectives.</a:t>
+            </a:r>
+          </a:p>
+          <a:p>
+            <a:r>
+              <a:rPr lang="en-US" sz="2400" b="0" i="0" dirty="0">
                 <a:solidFill>
                   <a:schemeClr val="tx1"/>
                 </a:solidFill>
                 <a:effectLst/>
-                <a:latin typeface="Arial" panose="020B0604020202020204" pitchFamily="34" charset="0"/>
+                <a:latin typeface="Roboto"/>
               </a:rPr>
-              <a:t> and characters</a:t>
-            </a:r>
-          </a:p>
-          <a:p>
-            <a:pPr algn="l">
-              <a:buFont typeface="Arial" panose="020B0604020202020204" pitchFamily="34" charset="0"/>
-              <a:buChar char="•"/>
-            </a:pPr>
-            <a:r>
-              <a:rPr lang="en-US" b="0" i="0" dirty="0">
+              <a:t>Create challenges or quests instead of homework and assignments. </a:t>
+            </a:r>
+          </a:p>
+          <a:p>
+            <a:r>
+              <a:rPr lang="en-US" sz="2400" dirty="0">
                 <a:solidFill>
                   <a:schemeClr val="tx1"/>
                 </a:solidFill>
                 <a:effectLst/>
-                <a:latin typeface="Arial" panose="020B0604020202020204" pitchFamily="34" charset="0"/>
+                <a:latin typeface="Roboto"/>
               </a:rPr>
-              <a:t>Player control</a:t>
-            </a:r>
-          </a:p>
-          <a:p>
-            <a:pPr algn="l">
-              <a:buFont typeface="Arial" panose="020B0604020202020204" pitchFamily="34" charset="0"/>
-              <a:buChar char="•"/>
-            </a:pPr>
-            <a:r>
-              <a:rPr lang="en-US" b="0" i="0" dirty="0">
+              <a:t>Give students voice and </a:t>
+            </a:r>
+            <a:r>
+              <a:rPr lang="en-US" sz="2400" b="0" i="0" dirty="0">
                 <a:solidFill>
                   <a:schemeClr val="tx1"/>
                 </a:solidFill>
                 <a:effectLst/>
-                <a:latin typeface="Arial" panose="020B0604020202020204" pitchFamily="34" charset="0"/>
+                <a:latin typeface="Roboto"/>
               </a:rPr>
-              <a:t>Immediate feedback</a:t>
-            </a:r>
-          </a:p>
-          <a:p>
-            <a:pPr algn="l">
-              <a:buFont typeface="Arial" panose="020B0604020202020204" pitchFamily="34" charset="0"/>
-              <a:buChar char="•"/>
-            </a:pPr>
-            <a:r>
-              <a:rPr lang="en-US" b="0" i="0" dirty="0">
+              <a:t>choice. </a:t>
+            </a:r>
+          </a:p>
+          <a:p>
+            <a:r>
+              <a:rPr lang="en-US" sz="2400" dirty="0">
                 <a:solidFill>
                   <a:schemeClr val="tx1"/>
                 </a:solidFill>
                 <a:effectLst/>
-                <a:latin typeface="Arial" panose="020B0604020202020204" pitchFamily="34" charset="0"/>
+                <a:latin typeface="Roboto"/>
               </a:rPr>
-              <a:t>Opportunities for collaborative problem solving</a:t>
-            </a:r>
-          </a:p>
-          <a:p>
-            <a:pPr algn="l">
-              <a:buFont typeface="Arial" panose="020B0604020202020204" pitchFamily="34" charset="0"/>
-              <a:buChar char="•"/>
-            </a:pPr>
-            <a:r>
-              <a:rPr lang="en-US" b="0" i="0" dirty="0">
+              <a:t>Embrace failure; Emphasize practice.</a:t>
+            </a:r>
+            <a:endParaRPr lang="en-US" sz="2400" b="0" i="0" dirty="0">
+              <a:solidFill>
+                <a:schemeClr val="tx1"/>
+              </a:solidFill>
+              <a:effectLst/>
+              <a:latin typeface="Roboto"/>
+            </a:endParaRPr>
+          </a:p>
+          <a:p>
+            <a:r>
+              <a:rPr lang="en-US" sz="2400" dirty="0">
                 <a:solidFill>
                   <a:schemeClr val="tx1"/>
                 </a:solidFill>
                 <a:effectLst/>
-                <a:latin typeface="Arial" panose="020B0604020202020204" pitchFamily="34" charset="0"/>
+                <a:latin typeface="Roboto"/>
               </a:rPr>
-              <a:t>Scaffolded learning with increasing challenges</a:t>
-            </a:r>
-          </a:p>
-          <a:p>
-            <a:pPr algn="l">
-              <a:buFont typeface="Arial" panose="020B0604020202020204" pitchFamily="34" charset="0"/>
-              <a:buChar char="•"/>
-            </a:pPr>
-            <a:r>
-              <a:rPr lang="en-US" b="0" i="0" dirty="0">
+              <a:t>Make progress visible.</a:t>
+            </a:r>
+          </a:p>
+          <a:p>
+            <a:r>
+              <a:rPr lang="en-US" sz="2400" dirty="0">
                 <a:solidFill>
                   <a:schemeClr val="tx1"/>
                 </a:solidFill>
                 <a:effectLst/>
-                <a:latin typeface="Arial" panose="020B0604020202020204" pitchFamily="34" charset="0"/>
+                <a:latin typeface="Roboto"/>
               </a:rPr>
-              <a:t>Opportunities for mastery, and leveling up</a:t>
-            </a:r>
-          </a:p>
-          <a:p>
-            <a:pPr algn="l">
-              <a:buFont typeface="Arial" panose="020B0604020202020204" pitchFamily="34" charset="0"/>
-              <a:buChar char="•"/>
-            </a:pPr>
-            <a:r>
-              <a:rPr lang="en-US" b="0" i="0" dirty="0">
+              <a:t>Allow second chances and third.</a:t>
+            </a:r>
+          </a:p>
+          <a:p>
+            <a:r>
+              <a:rPr lang="en-US" sz="2400" dirty="0">
                 <a:solidFill>
                   <a:schemeClr val="tx1"/>
                 </a:solidFill>
                 <a:effectLst/>
-                <a:latin typeface="Arial" panose="020B0604020202020204" pitchFamily="34" charset="0"/>
+                <a:latin typeface="Roboto"/>
               </a:rPr>
-              <a:t>Social connection</a:t>
-            </a:r>
-          </a:p>
-          <a:p>
-            <a:endParaRPr lang="en-IN" dirty="0"/>
+              <a:t>Provide instant feedback.</a:t>
+            </a:r>
+            <a:endParaRPr lang="en-IN" sz="2400" dirty="0">
+              <a:solidFill>
+                <a:schemeClr val="tx1"/>
+              </a:solidFill>
+            </a:endParaRPr>
           </a:p>
         </p:txBody>
       </p:sp>
     </p:spTree>
     <p:extLst>
       <p:ext uri="{BB962C8B-B14F-4D97-AF65-F5344CB8AC3E}">
-        <p14:creationId xmlns:p14="http://schemas.microsoft.com/office/powerpoint/2010/main" val="2557480267"/>
+        <p14:creationId xmlns:p14="http://schemas.microsoft.com/office/powerpoint/2010/main" val="3717330718"/>
       </p:ext>
     </p:extLst>
   </p:cSld>
@@ -6975,16 +7163,6 @@
           <a:lstStyle/>
           <a:p>
             <a:r>
-              <a:rPr lang="en-IN" sz="6000" b="0" i="0" dirty="0">
-                <a:solidFill>
-                  <a:srgbClr val="000000"/>
-                </a:solidFill>
-                <a:effectLst/>
-                <a:latin typeface="Linux Libertine"/>
-              </a:rPr>
-              <a:t>				</a:t>
-            </a:r>
-            <a:r>
               <a:rPr lang="en-IN" sz="6000" b="0" i="0" u="sng" dirty="0">
                 <a:effectLst/>
                 <a:latin typeface="Linux Libertine"/>
@@ -7029,26 +7207,139 @@
               <a:buChar char="•"/>
             </a:pPr>
             <a:r>
-              <a:rPr lang="en-US" b="0" i="0" dirty="0">
+              <a:rPr lang="en-US" sz="2400" dirty="0">
                 <a:solidFill>
                   <a:schemeClr val="tx1"/>
                 </a:solidFill>
                 <a:effectLst/>
                 <a:latin typeface="Arial" panose="020B0604020202020204" pitchFamily="34" charset="0"/>
               </a:rPr>
-              <a:t>giving students ownership of their learning</a:t>
-            </a:r>
-            <a:r>
-              <a:rPr lang="en-US" b="0" i="0" baseline="30000" dirty="0">
+              <a:t>G</a:t>
+            </a:r>
+            <a:r>
+              <a:rPr lang="en-US" sz="2400" b="0" i="0" dirty="0">
                 <a:solidFill>
                   <a:schemeClr val="tx1"/>
                 </a:solidFill>
                 <a:effectLst/>
                 <a:latin typeface="Arial" panose="020B0604020202020204" pitchFamily="34" charset="0"/>
               </a:rPr>
-              <a:t>.</a:t>
-            </a:r>
-            <a:endParaRPr lang="en-US" b="0" i="0" dirty="0">
+              <a:t>iving students ownership of their learning.</a:t>
+            </a:r>
+          </a:p>
+          <a:p>
+            <a:pPr algn="l">
+              <a:buFont typeface="Arial" panose="020B0604020202020204" pitchFamily="34" charset="0"/>
+              <a:buChar char="•"/>
+            </a:pPr>
+            <a:r>
+              <a:rPr lang="en-US" sz="2400" dirty="0">
+                <a:solidFill>
+                  <a:schemeClr val="tx1"/>
+                </a:solidFill>
+                <a:effectLst/>
+                <a:latin typeface="Arial" panose="020B0604020202020204" pitchFamily="34" charset="0"/>
+              </a:rPr>
+              <a:t>O</a:t>
+            </a:r>
+            <a:r>
+              <a:rPr lang="en-US" sz="2400" b="0" i="0" dirty="0">
+                <a:solidFill>
+                  <a:schemeClr val="tx1"/>
+                </a:solidFill>
+                <a:effectLst/>
+                <a:latin typeface="Arial" panose="020B0604020202020204" pitchFamily="34" charset="0"/>
+              </a:rPr>
+              <a:t>pportunities for identity work through taking on alternate selves.</a:t>
+            </a:r>
+          </a:p>
+          <a:p>
+            <a:pPr algn="l">
+              <a:buFont typeface="Arial" panose="020B0604020202020204" pitchFamily="34" charset="0"/>
+              <a:buChar char="•"/>
+            </a:pPr>
+            <a:r>
+              <a:rPr lang="en-US" sz="2400" dirty="0">
+                <a:solidFill>
+                  <a:schemeClr val="tx1"/>
+                </a:solidFill>
+                <a:effectLst/>
+                <a:latin typeface="Arial" panose="020B0604020202020204" pitchFamily="34" charset="0"/>
+              </a:rPr>
+              <a:t>F</a:t>
+            </a:r>
+            <a:r>
+              <a:rPr lang="en-US" sz="2400" b="0" i="0" dirty="0">
+                <a:solidFill>
+                  <a:schemeClr val="tx1"/>
+                </a:solidFill>
+                <a:effectLst/>
+                <a:latin typeface="Arial" panose="020B0604020202020204" pitchFamily="34" charset="0"/>
+              </a:rPr>
+              <a:t>reedom to fail and try again without negative repercussions.</a:t>
+            </a:r>
+          </a:p>
+          <a:p>
+            <a:pPr algn="l">
+              <a:buFont typeface="Arial" panose="020B0604020202020204" pitchFamily="34" charset="0"/>
+              <a:buChar char="•"/>
+            </a:pPr>
+            <a:r>
+              <a:rPr lang="en-US" sz="2400" dirty="0">
+                <a:solidFill>
+                  <a:schemeClr val="tx1"/>
+                </a:solidFill>
+                <a:effectLst/>
+                <a:latin typeface="Arial" panose="020B0604020202020204" pitchFamily="34" charset="0"/>
+              </a:rPr>
+              <a:t>C</a:t>
+            </a:r>
+            <a:r>
+              <a:rPr lang="en-US" sz="2400" b="0" i="0" dirty="0">
+                <a:solidFill>
+                  <a:schemeClr val="tx1"/>
+                </a:solidFill>
+                <a:effectLst/>
+                <a:latin typeface="Arial" panose="020B0604020202020204" pitchFamily="34" charset="0"/>
+              </a:rPr>
+              <a:t>hances to increase fun and joy in the classroom.</a:t>
+            </a:r>
+          </a:p>
+          <a:p>
+            <a:pPr algn="l">
+              <a:buFont typeface="Arial" panose="020B0604020202020204" pitchFamily="34" charset="0"/>
+              <a:buChar char="•"/>
+            </a:pPr>
+            <a:r>
+              <a:rPr lang="en-US" sz="2400" dirty="0">
+                <a:solidFill>
+                  <a:schemeClr val="tx1"/>
+                </a:solidFill>
+                <a:effectLst/>
+                <a:latin typeface="Arial" panose="020B0604020202020204" pitchFamily="34" charset="0"/>
+              </a:rPr>
+              <a:t>O</a:t>
+            </a:r>
+            <a:r>
+              <a:rPr lang="en-US" sz="2400" b="0" i="0" dirty="0">
+                <a:solidFill>
+                  <a:schemeClr val="tx1"/>
+                </a:solidFill>
+                <a:effectLst/>
+                <a:latin typeface="Arial" panose="020B0604020202020204" pitchFamily="34" charset="0"/>
+              </a:rPr>
+              <a:t>pportunities for </a:t>
+            </a:r>
+            <a:r>
+              <a:rPr lang="en-US" sz="2400" dirty="0">
+                <a:solidFill>
+                  <a:schemeClr val="tx1"/>
+                </a:solidFill>
+                <a:latin typeface="Arial" panose="020B0604020202020204" pitchFamily="34" charset="0"/>
+              </a:rPr>
+              <a:t>differentiated instruction.</a:t>
+            </a:r>
+            <a:endParaRPr lang="en-US" sz="2400" b="0" i="0" dirty="0">
               <a:solidFill>
                 <a:schemeClr val="tx1"/>
               </a:solidFill>
@@ -7062,177 +7353,24 @@
               <a:buChar char="•"/>
             </a:pPr>
             <a:r>
-              <a:rPr lang="en-US" b="0" i="0" dirty="0">
+              <a:rPr lang="en-US" sz="2400" dirty="0">
                 <a:solidFill>
                   <a:schemeClr val="tx1"/>
                 </a:solidFill>
                 <a:effectLst/>
                 <a:latin typeface="Arial" panose="020B0604020202020204" pitchFamily="34" charset="0"/>
               </a:rPr>
-              <a:t>opportunities for identity work through taking on alternate selves</a:t>
-            </a:r>
-            <a:r>
-              <a:rPr lang="en-US" b="0" i="0" baseline="30000" dirty="0">
+              <a:t>P</a:t>
+            </a:r>
+            <a:r>
+              <a:rPr lang="en-US" sz="2400" b="0" i="0" dirty="0">
                 <a:solidFill>
                   <a:schemeClr val="tx1"/>
                 </a:solidFill>
                 <a:effectLst/>
                 <a:latin typeface="Arial" panose="020B0604020202020204" pitchFamily="34" charset="0"/>
               </a:rPr>
-              <a:t>.</a:t>
-            </a:r>
-            <a:endParaRPr lang="en-US" b="0" i="0" dirty="0">
-              <a:solidFill>
-                <a:schemeClr val="tx1"/>
-              </a:solidFill>
-              <a:effectLst/>
-              <a:latin typeface="Arial" panose="020B0604020202020204" pitchFamily="34" charset="0"/>
-            </a:endParaRPr>
-          </a:p>
-          <a:p>
-            <a:pPr algn="l">
-              <a:buFont typeface="Arial" panose="020B0604020202020204" pitchFamily="34" charset="0"/>
-              <a:buChar char="•"/>
-            </a:pPr>
-            <a:r>
-              <a:rPr lang="en-US" b="0" i="0" dirty="0">
-                <a:solidFill>
-                  <a:schemeClr val="tx1"/>
-                </a:solidFill>
-                <a:effectLst/>
-                <a:latin typeface="Arial" panose="020B0604020202020204" pitchFamily="34" charset="0"/>
-              </a:rPr>
-              <a:t>freedom to fail and try again without negative repercussions</a:t>
-            </a:r>
-            <a:r>
-              <a:rPr lang="en-US" b="0" i="0" baseline="30000" dirty="0">
-                <a:solidFill>
-                  <a:schemeClr val="tx1"/>
-                </a:solidFill>
-                <a:effectLst/>
-                <a:latin typeface="Arial" panose="020B0604020202020204" pitchFamily="34" charset="0"/>
-              </a:rPr>
-              <a:t>.</a:t>
-            </a:r>
-            <a:endParaRPr lang="en-US" b="0" i="0" dirty="0">
-              <a:solidFill>
-                <a:schemeClr val="tx1"/>
-              </a:solidFill>
-              <a:effectLst/>
-              <a:latin typeface="Arial" panose="020B0604020202020204" pitchFamily="34" charset="0"/>
-            </a:endParaRPr>
-          </a:p>
-          <a:p>
-            <a:pPr algn="l">
-              <a:buFont typeface="Arial" panose="020B0604020202020204" pitchFamily="34" charset="0"/>
-              <a:buChar char="•"/>
-            </a:pPr>
-            <a:r>
-              <a:rPr lang="en-US" b="0" i="0" dirty="0">
-                <a:solidFill>
-                  <a:schemeClr val="tx1"/>
-                </a:solidFill>
-                <a:effectLst/>
-                <a:latin typeface="Arial" panose="020B0604020202020204" pitchFamily="34" charset="0"/>
-              </a:rPr>
-              <a:t>chances to increase fun and joy in the classroom</a:t>
-            </a:r>
-            <a:r>
-              <a:rPr lang="en-US" b="0" i="0" baseline="30000" dirty="0">
-                <a:solidFill>
-                  <a:schemeClr val="tx1"/>
-                </a:solidFill>
-                <a:effectLst/>
-                <a:latin typeface="Arial" panose="020B0604020202020204" pitchFamily="34" charset="0"/>
-              </a:rPr>
-              <a:t>.</a:t>
-            </a:r>
-            <a:endParaRPr lang="en-US" b="0" i="0" dirty="0">
-              <a:solidFill>
-                <a:schemeClr val="tx1"/>
-              </a:solidFill>
-              <a:effectLst/>
-              <a:latin typeface="Arial" panose="020B0604020202020204" pitchFamily="34" charset="0"/>
-            </a:endParaRPr>
-          </a:p>
-          <a:p>
-            <a:pPr algn="l">
-              <a:buFont typeface="Arial" panose="020B0604020202020204" pitchFamily="34" charset="0"/>
-              <a:buChar char="•"/>
-            </a:pPr>
-            <a:r>
-              <a:rPr lang="en-US" b="0" i="0" dirty="0">
-                <a:solidFill>
-                  <a:schemeClr val="tx1"/>
-                </a:solidFill>
-                <a:effectLst/>
-                <a:latin typeface="Arial" panose="020B0604020202020204" pitchFamily="34" charset="0"/>
-              </a:rPr>
-              <a:t>opportunities for </a:t>
-            </a:r>
-            <a:r>
-              <a:rPr lang="en-US" dirty="0">
-                <a:solidFill>
-                  <a:schemeClr val="tx1"/>
-                </a:solidFill>
-                <a:latin typeface="Arial" panose="020B0604020202020204" pitchFamily="34" charset="0"/>
-              </a:rPr>
-              <a:t>differentiated instruction.</a:t>
-            </a:r>
-            <a:endParaRPr lang="en-US" b="0" i="0" dirty="0">
-              <a:solidFill>
-                <a:schemeClr val="tx1"/>
-              </a:solidFill>
-              <a:effectLst/>
-              <a:latin typeface="Arial" panose="020B0604020202020204" pitchFamily="34" charset="0"/>
-            </a:endParaRPr>
-          </a:p>
-          <a:p>
-            <a:pPr algn="l">
-              <a:buFont typeface="Arial" panose="020B0604020202020204" pitchFamily="34" charset="0"/>
-              <a:buChar char="•"/>
-            </a:pPr>
-            <a:r>
-              <a:rPr lang="en-US" b="0" i="0" dirty="0">
-                <a:solidFill>
-                  <a:schemeClr val="tx1"/>
-                </a:solidFill>
-                <a:effectLst/>
-                <a:latin typeface="Arial" panose="020B0604020202020204" pitchFamily="34" charset="0"/>
-              </a:rPr>
-              <a:t>making learning visible.</a:t>
-            </a:r>
-          </a:p>
-          <a:p>
-            <a:pPr algn="l">
-              <a:buFont typeface="Arial" panose="020B0604020202020204" pitchFamily="34" charset="0"/>
-              <a:buChar char="•"/>
-            </a:pPr>
-            <a:r>
-              <a:rPr lang="en-US" b="0" i="0" dirty="0">
-                <a:solidFill>
-                  <a:schemeClr val="tx1"/>
-                </a:solidFill>
-                <a:effectLst/>
-                <a:latin typeface="Arial" panose="020B0604020202020204" pitchFamily="34" charset="0"/>
-              </a:rPr>
-              <a:t>providing a manageable set of subtasks and tasks</a:t>
-            </a:r>
-          </a:p>
-          <a:p>
-            <a:pPr algn="l">
-              <a:buFont typeface="Arial" panose="020B0604020202020204" pitchFamily="34" charset="0"/>
-              <a:buChar char="•"/>
-            </a:pPr>
-            <a:r>
-              <a:rPr lang="en-US" b="0" i="0" dirty="0">
-                <a:solidFill>
-                  <a:schemeClr val="tx1"/>
-                </a:solidFill>
-                <a:effectLst/>
-                <a:latin typeface="Arial" panose="020B0604020202020204" pitchFamily="34" charset="0"/>
-              </a:rPr>
-              <a:t>inspiring students to discover intrinsic motivators for learning motivating students with dyslexia with low levels of motivation</a:t>
+              <a:t>roviding a manageable set of subtasks and tasks.</a:t>
             </a:r>
           </a:p>
           <a:p>
@@ -7352,7 +7490,7 @@
         </p:spPr>
         <p:txBody>
           <a:bodyPr>
-            <a:normAutofit/>
+            <a:normAutofit fontScale="92500" lnSpcReduction="10000"/>
           </a:bodyPr>
           <a:lstStyle/>
           <a:p>
@@ -7407,9 +7545,9 @@
 </file>
 
 <file path=ppt/theme/theme1.xml><?xml version="1.0" encoding="utf-8"?>
-<a:theme xmlns:a="http://schemas.openxmlformats.org/drawingml/2006/main" name="Facet">
+<a:theme xmlns:a="http://schemas.openxmlformats.org/drawingml/2006/main" name="Slate">
   <a:themeElements>
-    <a:clrScheme name="Facet">
+    <a:clrScheme name="Slate">
       <a:dk1>
         <a:sysClr val="windowText" lastClr="000000"/>
       </a:dk1>
@@ -7417,46 +7555,46 @@
         <a:sysClr val="window" lastClr="FFFFFF"/>
       </a:lt1>
       <a:dk2>
-        <a:srgbClr val="2C3C43"/>
+        <a:srgbClr val="212123"/>
       </a:dk2>
       <a:lt2>
-        <a:srgbClr val="EBEBEB"/>
+        <a:srgbClr val="DADADA"/>
       </a:lt2>
       <a:accent1>
-        <a:srgbClr val="90C226"/>
+        <a:srgbClr val="BC451B"/>
       </a:accent1>
       <a:accent2>
-        <a:srgbClr val="54A021"/>
+        <a:srgbClr val="D3BA68"/>
       </a:accent2>
       <a:accent3>
-        <a:srgbClr val="E6B91E"/>
+        <a:srgbClr val="BB8640"/>
       </a:accent3>
       <a:accent4>
-        <a:srgbClr val="E76618"/>
+        <a:srgbClr val="AD9277"/>
       </a:accent4>
       <a:accent5>
-        <a:srgbClr val="C42F1A"/>
+        <a:srgbClr val="A55A43"/>
       </a:accent5>
       <a:accent6>
-        <a:srgbClr val="918655"/>
+        <a:srgbClr val="AD9D7B"/>
       </a:accent6>
       <a:hlink>
-        <a:srgbClr val="99CA3C"/>
+        <a:srgbClr val="E98052"/>
       </a:hlink>
       <a:folHlink>
-        <a:srgbClr val="B9D181"/>
+        <a:srgbClr val="F4B69B"/>
       </a:folHlink>
     </a:clrScheme>
-    <a:fontScheme name="Facet">
+    <a:fontScheme name="Slate">
       <a:majorFont>
-        <a:latin typeface="Trebuchet MS" panose="020B0603020202020204"/>
+        <a:latin typeface="Calisto MT" panose="02040603050505030304"/>
         <a:ea typeface=""/>
         <a:cs typeface=""/>
-        <a:font script="Jpan" typeface="メイリオ"/>
-        <a:font script="Hang" typeface="맑은 고딕"/>
-        <a:font script="Hans" typeface="方正姚体"/>
+        <a:font script="Jpan" typeface="ＭＳ Ｐゴシック"/>
+        <a:font script="Hang" typeface="돋움"/>
+        <a:font script="Hans" typeface="方正舒体"/>
         <a:font script="Hant" typeface="微軟正黑體"/>
-        <a:font script="Arab" typeface="Tahoma"/>
+        <a:font script="Arab" typeface="Arial"/>
         <a:font script="Hebr" typeface="Arial"/>
         <a:font script="Thai" typeface="Cordia New"/>
         <a:font script="Ethi" typeface="Nyala"/>
@@ -7479,21 +7617,21 @@
         <a:font script="Laoo" typeface="DokChampa"/>
         <a:font script="Sinh" typeface="Iskoola Pota"/>
         <a:font script="Mong" typeface="Mongolian Baiti"/>
-        <a:font script="Viet" typeface="Tahoma"/>
+        <a:font script="Viet" typeface="Arial"/>
         <a:font script="Uigh" typeface="Microsoft Uighur"/>
         <a:font script="Geor" typeface="Sylfaen"/>
       </a:majorFont>
       <a:minorFont>
-        <a:latin typeface="Trebuchet MS" panose="020B0603020202020204"/>
+        <a:latin typeface="Calisto MT" panose="02040603050505030304"/>
         <a:ea typeface=""/>
         <a:cs typeface=""/>
-        <a:font script="Jpan" typeface="メイリオ"/>
-        <a:font script="Hang" typeface="HY그래픽M"/>
-        <a:font script="Hans" typeface="华文新魏"/>
+        <a:font script="Jpan" typeface="ＭＳ Ｐゴシック"/>
+        <a:font script="Hang" typeface="돋움"/>
+        <a:font script="Hans" typeface="方正舒体"/>
         <a:font script="Hant" typeface="微軟正黑體"/>
-        <a:font script="Arab" typeface="Tahoma"/>
-        <a:font script="Hebr" typeface="Gisha"/>
-        <a:font script="Thai" typeface="IrisUPC"/>
+        <a:font script="Arab" typeface="Arial"/>
+        <a:font script="Hebr" typeface="Arial"/>
+        <a:font script="Thai" typeface="Cordia New"/>
         <a:font script="Ethi" typeface="Nyala"/>
         <a:font script="Beng" typeface="Vrinda"/>
         <a:font script="Gujr" typeface="Shruti"/>
@@ -7519,7 +7657,7 @@
         <a:font script="Geor" typeface="Sylfaen"/>
       </a:minorFont>
     </a:fontScheme>
-    <a:fmtScheme name="Facet">
+    <a:fmtScheme name="Slate">
       <a:fillStyleLst>
         <a:solidFill>
           <a:schemeClr val="phClr"/>
@@ -7528,13 +7666,13 @@
           <a:gsLst>
             <a:gs pos="0">
               <a:schemeClr val="phClr">
-                <a:tint val="65000"/>
+                <a:tint val="60000"/>
                 <a:lumMod val="110000"/>
               </a:schemeClr>
             </a:gs>
-            <a:gs pos="88000">
+            <a:gs pos="100000">
               <a:schemeClr val="phClr">
-                <a:tint val="90000"/>
+                <a:tint val="88000"/>
               </a:schemeClr>
             </a:gs>
           </a:gsLst>
@@ -7545,13 +7683,13 @@
             <a:gs pos="0">
               <a:schemeClr val="phClr">
                 <a:tint val="96000"/>
-                <a:lumMod val="100000"/>
+                <a:lumMod val="104000"/>
               </a:schemeClr>
             </a:gs>
-            <a:gs pos="78000">
+            <a:gs pos="100000">
               <a:schemeClr val="phClr">
-                <a:shade val="94000"/>
-                <a:lumMod val="94000"/>
+                <a:shade val="90000"/>
+                <a:lumMod val="90000"/>
               </a:schemeClr>
             </a:gs>
           </a:gsLst>
@@ -7559,13 +7697,15 @@
         </a:gradFill>
       </a:fillStyleLst>
       <a:lnStyleLst>
-        <a:ln w="12700" cap="rnd" cmpd="sng" algn="ctr">
+        <a:ln w="9525" cap="rnd" cmpd="sng" algn="ctr">
           <a:solidFill>
-            <a:schemeClr val="phClr"/>
+            <a:schemeClr val="phClr">
+              <a:shade val="90000"/>
+            </a:schemeClr>
           </a:solidFill>
           <a:prstDash val="solid"/>
         </a:ln>
-        <a:ln w="19050" cap="rnd" cmpd="sng" algn="ctr">
+        <a:ln w="15875" cap="rnd" cmpd="sng" algn="ctr">
           <a:solidFill>
             <a:schemeClr val="phClr"/>
           </a:solidFill>
@@ -7584,18 +7724,18 @@
         </a:effectStyle>
         <a:effectStyle>
           <a:effectLst>
-            <a:outerShdw blurRad="38100" dist="25400" dir="5400000" rotWithShape="0">
+            <a:outerShdw blurRad="63500" dist="25400" dir="5400000" rotWithShape="0">
               <a:srgbClr val="000000">
-                <a:alpha val="35000"/>
+                <a:alpha val="60000"/>
               </a:srgbClr>
             </a:outerShdw>
           </a:effectLst>
         </a:effectStyle>
         <a:effectStyle>
           <a:effectLst>
-            <a:outerShdw blurRad="50800" dist="38100" dir="5400000" rotWithShape="0">
+            <a:outerShdw blurRad="76200" dist="38100" dir="5400000" rotWithShape="0">
               <a:srgbClr val="000000">
-                <a:alpha val="35000"/>
+                <a:alpha val="75000"/>
               </a:srgbClr>
             </a:outerShdw>
           </a:effectLst>
@@ -7603,10 +7743,12 @@
             <a:camera prst="orthographicFront">
               <a:rot lat="0" lon="0" rev="0"/>
             </a:camera>
-            <a:lightRig rig="threePt" dir="tl"/>
+            <a:lightRig rig="threePt" dir="t">
+              <a:rot lat="0" lon="0" rev="1200000"/>
+            </a:lightRig>
           </a:scene3d>
-          <a:sp3d prstMaterial="plastic">
-            <a:bevelT w="0" h="0"/>
+          <a:sp3d>
+            <a:bevelT w="63500" h="25400" prst="hardEdge"/>
           </a:sp3d>
         </a:effectStyle>
       </a:effectStyleLst>
@@ -7614,42 +7756,23 @@
         <a:solidFill>
           <a:schemeClr val="phClr"/>
         </a:solidFill>
-        <a:gradFill rotWithShape="1">
-          <a:gsLst>
-            <a:gs pos="0">
+        <a:solidFill>
+          <a:schemeClr val="phClr"/>
+        </a:solidFill>
+        <a:blipFill rotWithShape="1">
+          <a:blip xmlns:r="http://schemas.openxmlformats.org/officeDocument/2006/relationships" r:embed="rId1">
+            <a:duotone>
               <a:schemeClr val="phClr">
-                <a:tint val="90000"/>
-                <a:lumMod val="104000"/>
+                <a:shade val="80000"/>
+                <a:lumMod val="80000"/>
               </a:schemeClr>
-            </a:gs>
-            <a:gs pos="94000">
               <a:schemeClr val="phClr">
-                <a:shade val="96000"/>
-                <a:lumMod val="82000"/>
+                <a:tint val="98000"/>
               </a:schemeClr>
-            </a:gs>
-          </a:gsLst>
-          <a:lin ang="5400000" scaled="0"/>
-        </a:gradFill>
-        <a:gradFill rotWithShape="1">
-          <a:gsLst>
-            <a:gs pos="0">
-              <a:schemeClr val="phClr">
-                <a:tint val="90000"/>
-                <a:lumMod val="110000"/>
-              </a:schemeClr>
-            </a:gs>
-            <a:gs pos="100000">
-              <a:schemeClr val="phClr">
-                <a:shade val="94000"/>
-                <a:lumMod val="96000"/>
-              </a:schemeClr>
-            </a:gs>
-          </a:gsLst>
-          <a:path path="circle">
-            <a:fillToRect l="50000" t="50000" r="100000" b="100000"/>
-          </a:path>
-        </a:gradFill>
+            </a:duotone>
+          </a:blip>
+          <a:stretch/>
+        </a:blipFill>
       </a:bgFillStyleLst>
     </a:fmtScheme>
   </a:themeElements>
@@ -7657,7 +7780,7 @@
   <a:extraClrSchemeLst/>
   <a:extLst>
     <a:ext uri="{05A4C25C-085E-4340-85A3-A5531E510DB2}">
-      <thm15:themeFamily xmlns:thm15="http://schemas.microsoft.com/office/thememl/2012/main" name="Facet" id="{C0C680CD-088A-49FC-A102-D699147F32B2}" vid="{8C59B386-999D-4CB6-B907-9F3997C027CC}"/>
+      <thm15:themeFamily xmlns:thm15="http://schemas.microsoft.com/office/thememl/2012/main" name="Slate" id="{C3F70B94-7CE9-428E-ADC1-3269CC2C3385}" vid="{3F2DE9A5-64E6-437C-A389-CC4477E817E8}"/>
     </a:ext>
   </a:extLst>
 </a:theme>
